--- a/JS/004_lesson/Presentation/Context_this.pptx
+++ b/JS/004_lesson/Presentation/Context_this.pptx
@@ -7,9 +7,9 @@
   <p:sldIdLst>
     <p:sldId id="257" r:id="rId2"/>
     <p:sldId id="258" r:id="rId3"/>
-    <p:sldId id="259" r:id="rId4"/>
-    <p:sldId id="260" r:id="rId5"/>
-    <p:sldId id="261" r:id="rId6"/>
+    <p:sldId id="261" r:id="rId4"/>
+    <p:sldId id="259" r:id="rId5"/>
+    <p:sldId id="260" r:id="rId6"/>
   </p:sldIdLst>
   <p:sldSz cx="9144000" cy="6858000" type="screen4x3"/>
   <p:notesSz cx="6858000" cy="9144000"/>
@@ -108,6 +108,22 @@
       </a:defRPr>
     </a:lvl9pPr>
   </p:defaultTextStyle>
+  <p:extLst>
+    <p:ext uri="{EFAFB233-063F-42B5-8137-9DF3F51BA10A}">
+      <p15:sldGuideLst xmlns:p15="http://schemas.microsoft.com/office/powerpoint/2012/main">
+        <p15:guide id="1" orient="horz" pos="2160">
+          <p15:clr>
+            <a:srgbClr val="A4A3A4"/>
+          </p15:clr>
+        </p15:guide>
+        <p15:guide id="2" pos="2880">
+          <p15:clr>
+            <a:srgbClr val="A4A3A4"/>
+          </p15:clr>
+        </p15:guide>
+      </p15:sldGuideLst>
+    </p:ext>
+  </p:extLst>
 </p:presentation>
 </file>
 
@@ -166,10 +182,9 @@
           </a:lstStyle>
           <a:p>
             <a:r>
-              <a:rPr lang="en-US" dirty="0" smtClean="0"/>
+              <a:rPr lang="en-US" dirty="0"/>
               <a:t>title style</a:t>
             </a:r>
-            <a:endParaRPr lang="en-US" dirty="0"/>
           </a:p>
         </p:txBody>
       </p:sp>
@@ -289,7 +304,7 @@
           </a:lstStyle>
           <a:p>
             <a:r>
-              <a:rPr lang="ru-RU" smtClean="0"/>
+              <a:rPr lang="ru-RU"/>
               <a:t>Образец подзаголовка</a:t>
             </a:r>
             <a:endParaRPr lang="en-US" dirty="0"/>
@@ -618,20 +633,13 @@
     </p:spTree>
     <p:extLst>
       <p:ext uri="{BB962C8B-B14F-4D97-AF65-F5344CB8AC3E}">
-        <p14:creationId xmlns="" xmlns:p14="http://schemas.microsoft.com/office/powerpoint/2010/main" val="3537187278"/>
+        <p14:creationId xmlns:p14="http://schemas.microsoft.com/office/powerpoint/2010/main" val="3537187278"/>
       </p:ext>
     </p:extLst>
   </p:cSld>
   <p:clrMapOvr>
     <a:overrideClrMapping bg1="lt1" tx1="dk1" bg2="lt2" tx2="dk2" accent1="accent1" accent2="accent2" accent3="accent3" accent4="accent4" accent5="accent5" accent6="accent6" hlink="hlink" folHlink="folHlink"/>
   </p:clrMapOvr>
-  <p:timing>
-    <p:tnLst>
-      <p:par>
-        <p:cTn id="1" dur="indefinite" restart="never" nodeType="tmRoot"/>
-      </p:par>
-    </p:tnLst>
-  </p:timing>
 </p:sldLayout>
 </file>
 
@@ -664,7 +672,7 @@
           <a:blip r:embed="rId2" cstate="print">
             <a:extLst>
               <a:ext uri="{28A0092B-C50C-407E-A947-70E740481C1C}">
-                <a14:useLocalDpi xmlns="" xmlns:a14="http://schemas.microsoft.com/office/drawing/2010/main" val="0"/>
+                <a14:useLocalDpi xmlns:a14="http://schemas.microsoft.com/office/drawing/2010/main" val="0"/>
               </a:ext>
             </a:extLst>
           </a:blip>
@@ -688,14 +696,14 @@
           <a:effectLst/>
           <a:extLst>
             <a:ext uri="{909E8E84-426E-40DD-AFC4-6F175D3DCCD1}">
-              <a14:hiddenFill xmlns="" xmlns:a14="http://schemas.microsoft.com/office/drawing/2010/main">
+              <a14:hiddenFill xmlns:a14="http://schemas.microsoft.com/office/drawing/2010/main">
                 <a:solidFill>
                   <a:schemeClr val="accent1"/>
                 </a:solidFill>
               </a14:hiddenFill>
             </a:ext>
             <a:ext uri="{91240B29-F687-4F45-9708-019B960494DF}">
-              <a14:hiddenLine xmlns="" xmlns:a14="http://schemas.microsoft.com/office/drawing/2010/main" w="9525">
+              <a14:hiddenLine xmlns:a14="http://schemas.microsoft.com/office/drawing/2010/main" w="9525">
                 <a:solidFill>
                   <a:schemeClr val="tx1"/>
                 </a:solidFill>
@@ -705,7 +713,7 @@
               </a14:hiddenLine>
             </a:ext>
             <a:ext uri="{AF507438-7753-43E0-B8FC-AC1667EBCBE1}">
-              <a14:hiddenEffects xmlns="" xmlns:a14="http://schemas.microsoft.com/office/drawing/2010/main">
+              <a14:hiddenEffects xmlns:a14="http://schemas.microsoft.com/office/drawing/2010/main">
                 <a:effectLst>
                   <a:outerShdw dist="35921" dir="2700000" algn="ctr" rotWithShape="0">
                     <a:schemeClr val="bg2"/>
@@ -800,7 +808,7 @@
           </a:lstStyle>
           <a:p>
             <a:r>
-              <a:rPr lang="ru-RU" smtClean="0"/>
+              <a:rPr lang="ru-RU"/>
               <a:t>Образец заголовка</a:t>
             </a:r>
             <a:endParaRPr lang="en-US" dirty="0"/>
@@ -837,7 +845,7 @@
           <a:p>
             <a:pPr lvl="4"/>
             <a:r>
-              <a:rPr lang="en-US" dirty="0" smtClean="0"/>
+              <a:rPr lang="en-US" dirty="0"/>
               <a:t>Subtitle</a:t>
             </a:r>
           </a:p>
@@ -846,20 +854,13 @@
     </p:spTree>
     <p:extLst>
       <p:ext uri="{BB962C8B-B14F-4D97-AF65-F5344CB8AC3E}">
-        <p14:creationId xmlns="" xmlns:p14="http://schemas.microsoft.com/office/powerpoint/2010/main" val="2097366919"/>
+        <p14:creationId xmlns:p14="http://schemas.microsoft.com/office/powerpoint/2010/main" val="2097366919"/>
       </p:ext>
     </p:extLst>
   </p:cSld>
   <p:clrMapOvr>
     <a:masterClrMapping/>
   </p:clrMapOvr>
-  <p:timing>
-    <p:tnLst>
-      <p:par>
-        <p:cTn id="1" dur="indefinite" restart="never" nodeType="tmRoot"/>
-      </p:par>
-    </p:tnLst>
-  </p:timing>
 </p:sldLayout>
 </file>
 
@@ -918,10 +919,9 @@
           </a:lstStyle>
           <a:p>
             <a:r>
-              <a:rPr lang="en-US" dirty="0" smtClean="0"/>
+              <a:rPr lang="en-US" dirty="0"/>
               <a:t>title style</a:t>
             </a:r>
-            <a:endParaRPr lang="en-US" dirty="0"/>
           </a:p>
         </p:txBody>
       </p:sp>
@@ -1041,10 +1041,9 @@
           </a:lstStyle>
           <a:p>
             <a:r>
-              <a:rPr lang="en-US" dirty="0" smtClean="0"/>
+              <a:rPr lang="en-US" dirty="0"/>
               <a:t>Click to edit Master subtitle style</a:t>
             </a:r>
-            <a:endParaRPr lang="en-US" dirty="0"/>
           </a:p>
         </p:txBody>
       </p:sp>
@@ -1370,20 +1369,13 @@
     </p:spTree>
     <p:extLst>
       <p:ext uri="{BB962C8B-B14F-4D97-AF65-F5344CB8AC3E}">
-        <p14:creationId xmlns="" xmlns:p14="http://schemas.microsoft.com/office/powerpoint/2010/main" val="3537187278"/>
+        <p14:creationId xmlns:p14="http://schemas.microsoft.com/office/powerpoint/2010/main" val="3537187278"/>
       </p:ext>
     </p:extLst>
   </p:cSld>
   <p:clrMapOvr>
     <a:overrideClrMapping bg1="lt1" tx1="dk1" bg2="lt2" tx2="dk2" accent1="accent1" accent2="accent2" accent3="accent3" accent4="accent4" accent5="accent5" accent6="accent6" hlink="hlink" folHlink="folHlink"/>
   </p:clrMapOvr>
-  <p:timing>
-    <p:tnLst>
-      <p:par>
-        <p:cTn id="1" dur="indefinite" restart="never" nodeType="tmRoot"/>
-      </p:par>
-    </p:tnLst>
-  </p:timing>
 </p:sldLayout>
 </file>
 
@@ -1416,7 +1408,7 @@
           <a:blip r:embed="rId2" cstate="print">
             <a:extLst>
               <a:ext uri="{28A0092B-C50C-407E-A947-70E740481C1C}">
-                <a14:useLocalDpi xmlns="" xmlns:a14="http://schemas.microsoft.com/office/drawing/2010/main" val="0"/>
+                <a14:useLocalDpi xmlns:a14="http://schemas.microsoft.com/office/drawing/2010/main" val="0"/>
               </a:ext>
             </a:extLst>
           </a:blip>
@@ -1440,14 +1432,14 @@
           <a:effectLst/>
           <a:extLst>
             <a:ext uri="{909E8E84-426E-40DD-AFC4-6F175D3DCCD1}">
-              <a14:hiddenFill xmlns="" xmlns:a14="http://schemas.microsoft.com/office/drawing/2010/main">
+              <a14:hiddenFill xmlns:a14="http://schemas.microsoft.com/office/drawing/2010/main">
                 <a:solidFill>
                   <a:schemeClr val="accent1"/>
                 </a:solidFill>
               </a14:hiddenFill>
             </a:ext>
             <a:ext uri="{91240B29-F687-4F45-9708-019B960494DF}">
-              <a14:hiddenLine xmlns="" xmlns:a14="http://schemas.microsoft.com/office/drawing/2010/main" w="9525">
+              <a14:hiddenLine xmlns:a14="http://schemas.microsoft.com/office/drawing/2010/main" w="9525">
                 <a:solidFill>
                   <a:schemeClr val="tx1"/>
                 </a:solidFill>
@@ -1457,7 +1449,7 @@
               </a14:hiddenLine>
             </a:ext>
             <a:ext uri="{AF507438-7753-43E0-B8FC-AC1667EBCBE1}">
-              <a14:hiddenEffects xmlns="" xmlns:a14="http://schemas.microsoft.com/office/drawing/2010/main">
+              <a14:hiddenEffects xmlns:a14="http://schemas.microsoft.com/office/drawing/2010/main">
                 <a:effectLst>
                   <a:outerShdw dist="35921" dir="2700000" algn="ctr" rotWithShape="0">
                     <a:schemeClr val="bg2"/>
@@ -1552,10 +1544,9 @@
           </a:lstStyle>
           <a:p>
             <a:r>
-              <a:rPr lang="en-US" dirty="0" smtClean="0"/>
+              <a:rPr lang="en-US" dirty="0"/>
               <a:t>Click to edit Master title style</a:t>
             </a:r>
-            <a:endParaRPr lang="en-US" dirty="0"/>
           </a:p>
         </p:txBody>
       </p:sp>
@@ -1589,7 +1580,7 @@
           <a:p>
             <a:pPr lvl="4"/>
             <a:r>
-              <a:rPr lang="en-US" dirty="0" smtClean="0"/>
+              <a:rPr lang="en-US" dirty="0"/>
               <a:t>Subtitle</a:t>
             </a:r>
           </a:p>
@@ -1598,20 +1589,13 @@
     </p:spTree>
     <p:extLst>
       <p:ext uri="{BB962C8B-B14F-4D97-AF65-F5344CB8AC3E}">
-        <p14:creationId xmlns="" xmlns:p14="http://schemas.microsoft.com/office/powerpoint/2010/main" val="2097366919"/>
+        <p14:creationId xmlns:p14="http://schemas.microsoft.com/office/powerpoint/2010/main" val="2097366919"/>
       </p:ext>
     </p:extLst>
   </p:cSld>
   <p:clrMapOvr>
     <a:masterClrMapping/>
   </p:clrMapOvr>
-  <p:timing>
-    <p:tnLst>
-      <p:par>
-        <p:cTn id="1" dur="indefinite" restart="never" nodeType="tmRoot"/>
-      </p:par>
-    </p:tnLst>
-  </p:timing>
 </p:sldLayout>
 </file>
 
@@ -1663,7 +1647,7 @@
           <a:lstStyle/>
           <a:p>
             <a:r>
-              <a:rPr lang="ru-RU" smtClean="0"/>
+              <a:rPr lang="ru-RU"/>
               <a:t>Образец заголовка</a:t>
             </a:r>
             <a:endParaRPr lang="en-US"/>
@@ -1673,7 +1657,7 @@
     </p:spTree>
     <p:extLst>
       <p:ext uri="{BB962C8B-B14F-4D97-AF65-F5344CB8AC3E}">
-        <p14:creationId xmlns="" xmlns:p14="http://schemas.microsoft.com/office/powerpoint/2010/main" val="779007194"/>
+        <p14:creationId xmlns:p14="http://schemas.microsoft.com/office/powerpoint/2010/main" val="779007194"/>
       </p:ext>
     </p:extLst>
   </p:cSld>
@@ -1684,13 +1668,6 @@
     <p:sldLayoutId id="2147483665" r:id="rId3"/>
     <p:sldLayoutId id="2147483666" r:id="rId4"/>
   </p:sldLayoutIdLst>
-  <p:timing>
-    <p:tnLst>
-      <p:par>
-        <p:cTn id="1" dur="indefinite" restart="never" nodeType="tmRoot"/>
-      </p:par>
-    </p:tnLst>
-  </p:timing>
   <p:txStyles>
     <p:titleStyle>
       <a:lvl1pPr algn="ctr" defTabSz="914400" rtl="0" eaLnBrk="1" latinLnBrk="0" hangingPunct="1">
@@ -2032,7 +2009,7 @@
           <a:lstStyle/>
           <a:p>
             <a:r>
-              <a:rPr lang="ru-RU" sz="2700" dirty="0" smtClean="0">
+              <a:rPr lang="ru-RU" sz="2700" dirty="0">
                 <a:solidFill>
                   <a:schemeClr val="bg1"/>
                 </a:solidFill>
@@ -2231,7 +2208,7 @@
           </a:lstStyle>
           <a:p>
             <a:r>
-              <a:rPr lang="en-US" sz="2700" dirty="0" smtClean="0">
+              <a:rPr lang="en-US" sz="2700" dirty="0">
                 <a:solidFill>
                   <a:schemeClr val="tx1">
                     <a:lumMod val="90000"/>
@@ -2244,17 +2221,6 @@
               </a:rPr>
               <a:t>The JavaScript Programming Language</a:t>
             </a:r>
-            <a:endParaRPr lang="en-US" sz="2700" dirty="0">
-              <a:solidFill>
-                <a:schemeClr val="tx1">
-                  <a:lumMod val="90000"/>
-                  <a:lumOff val="10000"/>
-                </a:schemeClr>
-              </a:solidFill>
-              <a:latin typeface="Roboto Light" panose="02000000000000000000" pitchFamily="2" charset="0"/>
-              <a:ea typeface="Roboto Light" panose="02000000000000000000" pitchFamily="2" charset="0"/>
-              <a:cs typeface="Roboto Light" panose="02000000000000000000" pitchFamily="2" charset="0"/>
-            </a:endParaRPr>
           </a:p>
         </p:txBody>
       </p:sp>
@@ -2270,7 +2236,7 @@
           <a:blip r:embed="rId2" cstate="print">
             <a:extLst>
               <a:ext uri="{28A0092B-C50C-407E-A947-70E740481C1C}">
-                <a14:useLocalDpi xmlns="" xmlns:a14="http://schemas.microsoft.com/office/drawing/2010/main" val="0"/>
+                <a14:useLocalDpi xmlns:a14="http://schemas.microsoft.com/office/drawing/2010/main" val="0"/>
               </a:ext>
             </a:extLst>
           </a:blip>
@@ -2290,7 +2256,7 @@
           <a:noFill/>
           <a:extLst>
             <a:ext uri="{909E8E84-426E-40DD-AFC4-6F175D3DCCD1}">
-              <a14:hiddenFill xmlns="" xmlns:a14="http://schemas.microsoft.com/office/drawing/2010/main">
+              <a14:hiddenFill xmlns:a14="http://schemas.microsoft.com/office/drawing/2010/main">
                 <a:solidFill>
                   <a:srgbClr val="FFFFFF"/>
                 </a:solidFill>
@@ -2322,7 +2288,7 @@
           <a:lstStyle/>
           <a:p>
             <a:r>
-              <a:rPr lang="ru-RU" sz="4400" dirty="0" smtClean="0">
+              <a:rPr lang="ru-RU" sz="4400" dirty="0">
                 <a:solidFill>
                   <a:srgbClr val="7564BC"/>
                 </a:solidFill>
@@ -2339,20 +2305,13 @@
     </p:spTree>
     <p:extLst>
       <p:ext uri="{BB962C8B-B14F-4D97-AF65-F5344CB8AC3E}">
-        <p14:creationId xmlns="" xmlns:p14="http://schemas.microsoft.com/office/powerpoint/2010/main" val="3436223543"/>
+        <p14:creationId xmlns:p14="http://schemas.microsoft.com/office/powerpoint/2010/main" val="3436223543"/>
       </p:ext>
     </p:extLst>
   </p:cSld>
   <p:clrMapOvr>
     <a:masterClrMapping/>
   </p:clrMapOvr>
-  <p:timing>
-    <p:tnLst>
-      <p:par>
-        <p:cTn id="1" dur="indefinite" restart="never" nodeType="tmRoot"/>
-      </p:par>
-    </p:tnLst>
-  </p:timing>
 </p:sld>
 </file>
 
@@ -2395,22 +2354,21 @@
           <a:lstStyle/>
           <a:p>
             <a:r>
-              <a:rPr lang="en-US" sz="2800" b="1" dirty="0" err="1" smtClean="0"/>
-              <a:t>Явное</a:t>
-            </a:r>
-            <a:r>
-              <a:rPr lang="en-US" sz="2800" b="1" dirty="0" smtClean="0"/>
-              <a:t> </a:t>
-            </a:r>
-            <a:r>
-              <a:rPr lang="en-US" sz="2800" b="1" dirty="0" err="1" smtClean="0"/>
-              <a:t>указание</a:t>
-            </a:r>
-            <a:r>
-              <a:rPr lang="en-US" sz="2800" b="1" dirty="0" smtClean="0"/>
-              <a:t> this: "call", "apply"</a:t>
-            </a:r>
-            <a:endParaRPr lang="en-US" sz="2800" b="1" dirty="0"/>
+              <a:rPr lang="ru-RU" sz="2800" b="1" dirty="0"/>
+              <a:t>Методы </a:t>
+            </a:r>
+            <a:r>
+              <a:rPr lang="en-US" sz="2800" b="1" dirty="0"/>
+              <a:t>"call"</a:t>
+            </a:r>
+            <a:r>
+              <a:rPr lang="ru-RU" sz="2800" b="1" dirty="0"/>
+              <a:t> и</a:t>
+            </a:r>
+            <a:r>
+              <a:rPr lang="en-US" sz="2800" b="1" dirty="0"/>
+              <a:t> "apply"</a:t>
+            </a:r>
           </a:p>
         </p:txBody>
       </p:sp>
@@ -2523,18 +2481,17 @@
           <a:lstStyle/>
           <a:p>
             <a:r>
-              <a:rPr lang="en-US" b="1" dirty="0" smtClean="0"/>
+              <a:rPr lang="en-US" b="1" dirty="0"/>
               <a:t>               </a:t>
             </a:r>
             <a:r>
-              <a:rPr lang="ru-RU" b="1" dirty="0" smtClean="0"/>
+              <a:rPr lang="ru-RU" b="1" dirty="0"/>
               <a:t>Метод </a:t>
             </a:r>
             <a:r>
-              <a:rPr lang="en-US" b="1" dirty="0" smtClean="0"/>
+              <a:rPr lang="en-US" b="1" dirty="0"/>
               <a:t>call</a:t>
             </a:r>
-            <a:endParaRPr lang="en-US" b="1" dirty="0"/>
           </a:p>
         </p:txBody>
       </p:sp>
@@ -2561,18 +2518,17 @@
           <a:lstStyle/>
           <a:p>
             <a:r>
-              <a:rPr lang="en-US" b="1" dirty="0" smtClean="0"/>
+              <a:rPr lang="en-US" b="1" dirty="0"/>
               <a:t>	</a:t>
             </a:r>
             <a:r>
-              <a:rPr lang="ru-RU" b="1" dirty="0" smtClean="0"/>
+              <a:rPr lang="ru-RU" b="1" dirty="0"/>
               <a:t>Метод </a:t>
             </a:r>
             <a:r>
-              <a:rPr lang="en-US" b="1" dirty="0" smtClean="0"/>
+              <a:rPr lang="en-US" b="1" dirty="0"/>
               <a:t>apply</a:t>
             </a:r>
-            <a:endParaRPr lang="en-US" b="1" dirty="0"/>
           </a:p>
         </p:txBody>
       </p:sp>
@@ -2585,7 +2541,7 @@
         <p:spPr>
           <a:xfrm>
             <a:off x="611560" y="2564904"/>
-            <a:ext cx="3240360" cy="369332"/>
+            <a:ext cx="3456384" cy="369332"/>
           </a:xfrm>
           <a:prstGeom prst="rect">
             <a:avLst/>
@@ -2612,44 +2568,37 @@
           <a:lstStyle/>
           <a:p>
             <a:r>
-              <a:rPr lang="en-US" dirty="0" err="1" smtClean="0"/>
+              <a:rPr lang="en-US" dirty="0" err="1">
+                <a:latin typeface="Calibri" panose="020F0502020204030204" pitchFamily="34" charset="0"/>
+              </a:rPr>
               <a:t>func.</a:t>
             </a:r>
             <a:r>
-              <a:rPr lang="en-US" dirty="0" err="1" smtClean="0">
+              <a:rPr lang="en-US" dirty="0" err="1">
                 <a:solidFill>
                   <a:schemeClr val="accent1">
                     <a:lumMod val="75000"/>
                   </a:schemeClr>
                 </a:solidFill>
+                <a:latin typeface="Calibri" panose="020F0502020204030204" pitchFamily="34" charset="0"/>
               </a:rPr>
               <a:t>call</a:t>
             </a:r>
             <a:r>
-              <a:rPr lang="en-US" dirty="0" smtClean="0"/>
-              <a:t>(context, </a:t>
-            </a:r>
-            <a:r>
-              <a:rPr lang="en-US" dirty="0" err="1" smtClean="0"/>
-              <a:t>arg1</a:t>
-            </a:r>
-            <a:r>
-              <a:rPr lang="en-US" dirty="0" smtClean="0"/>
-              <a:t>, </a:t>
-            </a:r>
-            <a:r>
-              <a:rPr lang="en-US" dirty="0" err="1" smtClean="0"/>
-              <a:t>arg2</a:t>
-            </a:r>
-            <a:r>
-              <a:rPr lang="en-US" dirty="0" smtClean="0"/>
-              <a:t>, ...)</a:t>
-            </a:r>
-            <a:r>
-              <a:rPr lang="ru-RU" dirty="0" smtClean="0"/>
+              <a:rPr lang="en-US" dirty="0">
+                <a:latin typeface="Calibri" panose="020F0502020204030204" pitchFamily="34" charset="0"/>
+              </a:rPr>
+              <a:t>(context, arg1, arg2, ...)</a:t>
+            </a:r>
+            <a:r>
+              <a:rPr lang="ru-RU" dirty="0">
+                <a:latin typeface="Calibri" panose="020F0502020204030204" pitchFamily="34" charset="0"/>
+              </a:rPr>
               <a:t> </a:t>
             </a:r>
-            <a:endParaRPr lang="en-US" dirty="0"/>
+            <a:endParaRPr lang="en-US" dirty="0">
+              <a:latin typeface="Calibri" panose="020F0502020204030204" pitchFamily="34" charset="0"/>
+            </a:endParaRPr>
           </a:p>
         </p:txBody>
       </p:sp>
@@ -2687,8 +2636,8 @@
         </p:nvSpPr>
         <p:spPr>
           <a:xfrm>
-            <a:off x="5004048" y="2564904"/>
-            <a:ext cx="3528392" cy="369332"/>
+            <a:off x="4788024" y="2564904"/>
+            <a:ext cx="3744416" cy="369332"/>
           </a:xfrm>
           <a:prstGeom prst="rect">
             <a:avLst/>
@@ -2715,50 +2664,39 @@
           <a:lstStyle/>
           <a:p>
             <a:r>
-              <a:rPr lang="en-US" dirty="0" err="1" smtClean="0"/>
+              <a:rPr lang="en-US" dirty="0" err="1">
+                <a:latin typeface="Calibri" panose="020F0502020204030204" pitchFamily="34" charset="0"/>
+              </a:rPr>
               <a:t>func.</a:t>
             </a:r>
             <a:r>
-              <a:rPr lang="en-US" dirty="0" err="1" smtClean="0">
+              <a:rPr lang="en-US" dirty="0" err="1">
                 <a:solidFill>
                   <a:schemeClr val="accent1">
                     <a:lumMod val="75000"/>
                   </a:schemeClr>
                 </a:solidFill>
+                <a:latin typeface="Calibri" panose="020F0502020204030204" pitchFamily="34" charset="0"/>
               </a:rPr>
               <a:t>apply</a:t>
             </a:r>
             <a:r>
-              <a:rPr lang="en-US" dirty="0" smtClean="0">
+              <a:rPr lang="en-US" dirty="0">
                 <a:solidFill>
                   <a:schemeClr val="accent1">
                     <a:lumMod val="75000"/>
                   </a:schemeClr>
                 </a:solidFill>
+                <a:latin typeface="Calibri" panose="020F0502020204030204" pitchFamily="34" charset="0"/>
               </a:rPr>
               <a:t>(</a:t>
             </a:r>
             <a:r>
-              <a:rPr lang="en-US" dirty="0" smtClean="0"/>
-              <a:t>context, [</a:t>
-            </a:r>
-            <a:r>
-              <a:rPr lang="en-US" dirty="0" err="1" smtClean="0"/>
-              <a:t>arg1</a:t>
-            </a:r>
-            <a:r>
-              <a:rPr lang="en-US" dirty="0" smtClean="0"/>
-              <a:t>, </a:t>
-            </a:r>
-            <a:r>
-              <a:rPr lang="en-US" dirty="0" err="1" smtClean="0"/>
-              <a:t>arg2</a:t>
-            </a:r>
-            <a:r>
-              <a:rPr lang="en-US" dirty="0" smtClean="0"/>
-              <a:t>, …])</a:t>
-            </a:r>
-            <a:endParaRPr lang="en-US" dirty="0"/>
+              <a:rPr lang="en-US" dirty="0">
+                <a:latin typeface="Calibri" panose="020F0502020204030204" pitchFamily="34" charset="0"/>
+              </a:rPr>
+              <a:t>context, [arg1, arg2,…])</a:t>
+            </a:r>
           </a:p>
         </p:txBody>
       </p:sp>
@@ -2770,7 +2708,7 @@
         </p:nvSpPr>
         <p:spPr>
           <a:xfrm>
-            <a:off x="755576" y="2708920"/>
+            <a:off x="842399" y="3371322"/>
             <a:ext cx="184731" cy="369332"/>
           </a:xfrm>
           <a:prstGeom prst="rect">
@@ -2810,27 +2748,27 @@
           </a:bodyPr>
           <a:lstStyle/>
           <a:p>
-            <a:endParaRPr lang="en-US" dirty="0" smtClean="0"/>
+            <a:endParaRPr lang="en-US" dirty="0"/>
           </a:p>
           <a:p>
             <a:pPr algn="ctr"/>
             <a:r>
-              <a:rPr lang="ru-RU" dirty="0" smtClean="0"/>
+              <a:rPr lang="ru-RU" dirty="0"/>
               <a:t>Например</a:t>
             </a:r>
             <a:r>
-              <a:rPr lang="en-US" dirty="0" smtClean="0"/>
+              <a:rPr lang="en-US" dirty="0"/>
               <a:t>: </a:t>
             </a:r>
           </a:p>
           <a:p>
-            <a:endParaRPr lang="en-US" dirty="0" smtClean="0"/>
-          </a:p>
-          <a:p>
-            <a:endParaRPr lang="en-US" dirty="0" smtClean="0"/>
-          </a:p>
-          <a:p>
-            <a:endParaRPr lang="en-US" dirty="0" smtClean="0"/>
+            <a:endParaRPr lang="en-US" dirty="0"/>
+          </a:p>
+          <a:p>
+            <a:endParaRPr lang="en-US" dirty="0"/>
+          </a:p>
+          <a:p>
+            <a:endParaRPr lang="en-US" dirty="0"/>
           </a:p>
           <a:p>
             <a:endParaRPr lang="en-US" dirty="0"/>
@@ -2845,8 +2783,8 @@
         </p:nvSpPr>
         <p:spPr>
           <a:xfrm>
-            <a:off x="1331640" y="4365104"/>
-            <a:ext cx="7056784" cy="1754326"/>
+            <a:off x="611560" y="4365104"/>
+            <a:ext cx="7920880" cy="2031325"/>
           </a:xfrm>
           <a:prstGeom prst="rect">
             <a:avLst/>
@@ -2873,222 +2811,241 @@
           <a:lstStyle/>
           <a:p>
             <a:r>
-              <a:rPr lang="en-US" dirty="0" smtClean="0">
+              <a:rPr lang="en-US" dirty="0">
+                <a:solidFill>
+                  <a:srgbClr val="0070C0"/>
+                </a:solidFill>
+                <a:latin typeface="Calibri" panose="020F0502020204030204" pitchFamily="34" charset="0"/>
+              </a:rPr>
+              <a:t>function</a:t>
+            </a:r>
+            <a:r>
+              <a:rPr lang="en-US" dirty="0">
+                <a:latin typeface="Calibri" panose="020F0502020204030204" pitchFamily="34" charset="0"/>
+              </a:rPr>
+              <a:t> </a:t>
+            </a:r>
+            <a:r>
+              <a:rPr lang="en-US" dirty="0" err="1">
+                <a:latin typeface="Calibri" panose="020F0502020204030204" pitchFamily="34" charset="0"/>
+              </a:rPr>
+              <a:t>showFullName</a:t>
+            </a:r>
+            <a:r>
+              <a:rPr lang="en-US" dirty="0">
+                <a:latin typeface="Calibri" panose="020F0502020204030204" pitchFamily="34" charset="0"/>
+              </a:rPr>
+              <a:t>() { </a:t>
+            </a:r>
+            <a:endParaRPr lang="ru-RU" dirty="0">
+              <a:latin typeface="Calibri" panose="020F0502020204030204" pitchFamily="34" charset="0"/>
+            </a:endParaRPr>
+          </a:p>
+          <a:p>
+            <a:r>
+              <a:rPr lang="ru-RU" dirty="0">
+                <a:latin typeface="Calibri" panose="020F0502020204030204" pitchFamily="34" charset="0"/>
+              </a:rPr>
+              <a:t>                                        </a:t>
+            </a:r>
+            <a:r>
+              <a:rPr lang="en-US" dirty="0">
+                <a:latin typeface="Calibri" panose="020F0502020204030204" pitchFamily="34" charset="0"/>
+              </a:rPr>
+              <a:t>alert( </a:t>
+            </a:r>
+            <a:r>
+              <a:rPr lang="en-US" dirty="0" err="1">
+                <a:latin typeface="Calibri" panose="020F0502020204030204" pitchFamily="34" charset="0"/>
+              </a:rPr>
+              <a:t>this.firstName</a:t>
+            </a:r>
+            <a:r>
+              <a:rPr lang="en-US" dirty="0">
+                <a:latin typeface="Calibri" panose="020F0502020204030204" pitchFamily="34" charset="0"/>
+              </a:rPr>
+              <a:t> + " " + </a:t>
+            </a:r>
+            <a:r>
+              <a:rPr lang="en-US" dirty="0" err="1">
+                <a:latin typeface="Calibri" panose="020F0502020204030204" pitchFamily="34" charset="0"/>
+              </a:rPr>
+              <a:t>this.lastName</a:t>
+            </a:r>
+            <a:r>
+              <a:rPr lang="en-US" dirty="0">
+                <a:latin typeface="Calibri" panose="020F0502020204030204" pitchFamily="34" charset="0"/>
+              </a:rPr>
+              <a:t> ); </a:t>
+            </a:r>
+            <a:endParaRPr lang="ru-RU" dirty="0">
+              <a:latin typeface="Calibri" panose="020F0502020204030204" pitchFamily="34" charset="0"/>
+            </a:endParaRPr>
+          </a:p>
+          <a:p>
+            <a:r>
+              <a:rPr lang="ru-RU" dirty="0">
+                <a:latin typeface="Calibri" panose="020F0502020204030204" pitchFamily="34" charset="0"/>
+              </a:rPr>
+              <a:t>                                         </a:t>
+            </a:r>
+            <a:r>
+              <a:rPr lang="en-US" dirty="0">
+                <a:latin typeface="Calibri" panose="020F0502020204030204" pitchFamily="34" charset="0"/>
+              </a:rPr>
+              <a:t>} </a:t>
+            </a:r>
+          </a:p>
+          <a:p>
+            <a:r>
+              <a:rPr lang="en-US" dirty="0" err="1">
+                <a:solidFill>
+                  <a:srgbClr val="0070C0"/>
+                </a:solidFill>
+                <a:latin typeface="Calibri" panose="020F0502020204030204" pitchFamily="34" charset="0"/>
+              </a:rPr>
+              <a:t>var</a:t>
+            </a:r>
+            <a:r>
+              <a:rPr lang="en-US" dirty="0">
                 <a:solidFill>
                   <a:schemeClr val="accent1">
                     <a:lumMod val="75000"/>
                   </a:schemeClr>
                 </a:solidFill>
-              </a:rPr>
-              <a:t>function</a:t>
-            </a:r>
-            <a:r>
-              <a:rPr lang="en-US" dirty="0" smtClean="0"/>
+                <a:latin typeface="Calibri" panose="020F0502020204030204" pitchFamily="34" charset="0"/>
+              </a:rPr>
               <a:t> </a:t>
             </a:r>
             <a:r>
-              <a:rPr lang="en-US" dirty="0" err="1" smtClean="0"/>
-              <a:t>showFullName</a:t>
-            </a:r>
-            <a:r>
-              <a:rPr lang="en-US" dirty="0" smtClean="0"/>
-              <a:t>() { alert( </a:t>
-            </a:r>
-            <a:r>
-              <a:rPr lang="en-US" dirty="0" err="1" smtClean="0"/>
-              <a:t>this.firstName</a:t>
-            </a:r>
-            <a:r>
-              <a:rPr lang="en-US" dirty="0" smtClean="0"/>
-              <a:t> + " " + </a:t>
-            </a:r>
-            <a:r>
-              <a:rPr lang="en-US" dirty="0" err="1" smtClean="0"/>
-              <a:t>this.lastName</a:t>
-            </a:r>
-            <a:r>
-              <a:rPr lang="en-US" dirty="0" smtClean="0"/>
-              <a:t> ); } </a:t>
-            </a:r>
-          </a:p>
-          <a:p>
-            <a:r>
-              <a:rPr lang="en-US" dirty="0" err="1" smtClean="0">
-                <a:solidFill>
-                  <a:schemeClr val="accent1">
-                    <a:lumMod val="75000"/>
-                  </a:schemeClr>
-                </a:solidFill>
-              </a:rPr>
-              <a:t>var</a:t>
-            </a:r>
-            <a:r>
-              <a:rPr lang="en-US" dirty="0" smtClean="0">
-                <a:solidFill>
-                  <a:schemeClr val="accent1">
-                    <a:lumMod val="75000"/>
-                  </a:schemeClr>
-                </a:solidFill>
+              <a:rPr lang="en-US" dirty="0">
+                <a:latin typeface="Calibri" panose="020F0502020204030204" pitchFamily="34" charset="0"/>
+              </a:rPr>
+              <a:t>user = { </a:t>
+            </a:r>
+            <a:r>
+              <a:rPr lang="en-US" dirty="0" err="1">
+                <a:latin typeface="Calibri" panose="020F0502020204030204" pitchFamily="34" charset="0"/>
+              </a:rPr>
+              <a:t>firstName</a:t>
+            </a:r>
+            <a:r>
+              <a:rPr lang="en-US" dirty="0">
+                <a:latin typeface="Calibri" panose="020F0502020204030204" pitchFamily="34" charset="0"/>
+              </a:rPr>
+              <a:t>: "</a:t>
+            </a:r>
+            <a:r>
+              <a:rPr lang="uk-UA" dirty="0" err="1">
+                <a:latin typeface="Calibri" panose="020F0502020204030204" pitchFamily="34" charset="0"/>
+              </a:rPr>
+              <a:t>Василий</a:t>
+            </a:r>
+            <a:r>
+              <a:rPr lang="uk-UA" dirty="0">
+                <a:latin typeface="Calibri" panose="020F0502020204030204" pitchFamily="34" charset="0"/>
+              </a:rPr>
+              <a:t>", </a:t>
+            </a:r>
+            <a:r>
+              <a:rPr lang="en-US" dirty="0" err="1">
+                <a:latin typeface="Calibri" panose="020F0502020204030204" pitchFamily="34" charset="0"/>
+              </a:rPr>
+              <a:t>lastName</a:t>
+            </a:r>
+            <a:r>
+              <a:rPr lang="en-US" dirty="0">
+                <a:latin typeface="Calibri" panose="020F0502020204030204" pitchFamily="34" charset="0"/>
+              </a:rPr>
+              <a:t>: "</a:t>
+            </a:r>
+            <a:r>
+              <a:rPr lang="uk-UA" dirty="0">
+                <a:latin typeface="Calibri" panose="020F0502020204030204" pitchFamily="34" charset="0"/>
+              </a:rPr>
+              <a:t>Петров" }; </a:t>
+            </a:r>
+            <a:r>
+              <a:rPr lang="en-US" dirty="0">
+                <a:latin typeface="Calibri" panose="020F0502020204030204" pitchFamily="34" charset="0"/>
               </a:rPr>
               <a:t> </a:t>
             </a:r>
-            <a:r>
-              <a:rPr lang="en-US" dirty="0" smtClean="0"/>
-              <a:t>user = { </a:t>
-            </a:r>
-            <a:r>
-              <a:rPr lang="en-US" dirty="0" err="1" smtClean="0"/>
-              <a:t>firstName</a:t>
-            </a:r>
-            <a:r>
-              <a:rPr lang="en-US" dirty="0" smtClean="0"/>
-              <a:t>: "</a:t>
-            </a:r>
-            <a:r>
-              <a:rPr lang="uk-UA" dirty="0" err="1" smtClean="0"/>
-              <a:t>Василий</a:t>
-            </a:r>
-            <a:r>
-              <a:rPr lang="uk-UA" dirty="0" smtClean="0"/>
-              <a:t>", </a:t>
-            </a:r>
-            <a:r>
-              <a:rPr lang="en-US" dirty="0" err="1" smtClean="0"/>
-              <a:t>lastName</a:t>
-            </a:r>
-            <a:r>
-              <a:rPr lang="en-US" dirty="0" smtClean="0"/>
-              <a:t>: "</a:t>
-            </a:r>
-            <a:r>
-              <a:rPr lang="uk-UA" dirty="0" smtClean="0"/>
-              <a:t>Петров" }; </a:t>
-            </a:r>
-            <a:r>
-              <a:rPr lang="en-US" dirty="0" smtClean="0"/>
-              <a:t> </a:t>
-            </a:r>
-          </a:p>
-          <a:p>
-            <a:endParaRPr lang="en-US" dirty="0" smtClean="0"/>
-          </a:p>
-          <a:p>
-            <a:r>
-              <a:rPr lang="uk-UA" dirty="0" smtClean="0">
-                <a:solidFill>
-                  <a:schemeClr val="bg2">
-                    <a:lumMod val="50000"/>
-                  </a:schemeClr>
-                </a:solidFill>
-              </a:rPr>
-              <a:t>// </a:t>
-            </a:r>
-            <a:r>
-              <a:rPr lang="uk-UA" dirty="0" err="1" smtClean="0">
-                <a:solidFill>
-                  <a:schemeClr val="bg2">
-                    <a:lumMod val="50000"/>
-                  </a:schemeClr>
-                </a:solidFill>
-              </a:rPr>
-              <a:t>функция</a:t>
-            </a:r>
-            <a:r>
-              <a:rPr lang="uk-UA" dirty="0" smtClean="0">
-                <a:solidFill>
-                  <a:schemeClr val="bg2">
-                    <a:lumMod val="50000"/>
-                  </a:schemeClr>
-                </a:solidFill>
-              </a:rPr>
-              <a:t> </a:t>
-            </a:r>
-            <a:r>
-              <a:rPr lang="uk-UA" dirty="0" err="1" smtClean="0">
-                <a:solidFill>
-                  <a:schemeClr val="bg2">
-                    <a:lumMod val="50000"/>
-                  </a:schemeClr>
-                </a:solidFill>
-              </a:rPr>
-              <a:t>вызовется</a:t>
-            </a:r>
-            <a:r>
-              <a:rPr lang="uk-UA" dirty="0" smtClean="0">
-                <a:solidFill>
-                  <a:schemeClr val="bg2">
-                    <a:lumMod val="50000"/>
-                  </a:schemeClr>
-                </a:solidFill>
-              </a:rPr>
-              <a:t> с </a:t>
-            </a:r>
-            <a:r>
-              <a:rPr lang="en-US" dirty="0" smtClean="0">
-                <a:solidFill>
-                  <a:schemeClr val="bg2">
-                    <a:lumMod val="50000"/>
-                  </a:schemeClr>
-                </a:solidFill>
-              </a:rPr>
-              <a:t>this=user </a:t>
-            </a:r>
-          </a:p>
-          <a:p>
-            <a:r>
-              <a:rPr lang="en-US" dirty="0" err="1" smtClean="0"/>
-              <a:t>showFullName.</a:t>
-            </a:r>
-            <a:r>
-              <a:rPr lang="en-US" dirty="0" err="1" smtClean="0">
-                <a:solidFill>
-                  <a:schemeClr val="accent1">
-                    <a:lumMod val="75000"/>
-                  </a:schemeClr>
-                </a:solidFill>
-              </a:rPr>
-              <a:t>call</a:t>
-            </a:r>
-            <a:r>
-              <a:rPr lang="en-US" dirty="0" smtClean="0"/>
-              <a:t>(user) </a:t>
-            </a:r>
-            <a:r>
-              <a:rPr lang="en-US" dirty="0" smtClean="0">
-                <a:solidFill>
-                  <a:schemeClr val="bg2">
-                    <a:lumMod val="50000"/>
-                  </a:schemeClr>
-                </a:solidFill>
-              </a:rPr>
-              <a:t>// "</a:t>
-            </a:r>
-            <a:r>
-              <a:rPr lang="uk-UA" dirty="0" err="1" smtClean="0">
-                <a:solidFill>
-                  <a:schemeClr val="bg2">
-                    <a:lumMod val="50000"/>
-                  </a:schemeClr>
-                </a:solidFill>
-              </a:rPr>
-              <a:t>Василий</a:t>
-            </a:r>
-            <a:r>
-              <a:rPr lang="uk-UA" dirty="0" smtClean="0">
-                <a:solidFill>
-                  <a:schemeClr val="bg2">
-                    <a:lumMod val="50000"/>
-                  </a:schemeClr>
-                </a:solidFill>
-              </a:rPr>
-              <a:t> Петров"</a:t>
-            </a:r>
-            <a:endParaRPr lang="en-US" dirty="0" smtClean="0">
+          </a:p>
+          <a:p>
+            <a:endParaRPr lang="en-US" dirty="0">
               <a:solidFill>
                 <a:schemeClr val="bg2">
                   <a:lumMod val="50000"/>
                 </a:schemeClr>
               </a:solidFill>
+              <a:latin typeface="Calibri" panose="020F0502020204030204" pitchFamily="34" charset="0"/>
+            </a:endParaRPr>
+          </a:p>
+          <a:p>
+            <a:r>
+              <a:rPr lang="en-US" dirty="0" err="1">
+                <a:latin typeface="Calibri" panose="020F0502020204030204" pitchFamily="34" charset="0"/>
+              </a:rPr>
+              <a:t>showFullName.</a:t>
+            </a:r>
+            <a:r>
+              <a:rPr lang="en-US" dirty="0" err="1">
+                <a:solidFill>
+                  <a:schemeClr val="accent1">
+                    <a:lumMod val="75000"/>
+                  </a:schemeClr>
+                </a:solidFill>
+                <a:latin typeface="Calibri" panose="020F0502020204030204" pitchFamily="34" charset="0"/>
+              </a:rPr>
+              <a:t>call</a:t>
+            </a:r>
+            <a:r>
+              <a:rPr lang="en-US" dirty="0">
+                <a:latin typeface="Calibri" panose="020F0502020204030204" pitchFamily="34" charset="0"/>
+              </a:rPr>
+              <a:t>(user) </a:t>
+            </a:r>
+            <a:r>
+              <a:rPr lang="en-US" dirty="0">
+                <a:solidFill>
+                  <a:schemeClr val="bg2">
+                    <a:lumMod val="50000"/>
+                  </a:schemeClr>
+                </a:solidFill>
+                <a:latin typeface="Calibri" panose="020F0502020204030204" pitchFamily="34" charset="0"/>
+              </a:rPr>
+              <a:t>// "</a:t>
+            </a:r>
+            <a:r>
+              <a:rPr lang="uk-UA" dirty="0" err="1">
+                <a:solidFill>
+                  <a:schemeClr val="bg2">
+                    <a:lumMod val="50000"/>
+                  </a:schemeClr>
+                </a:solidFill>
+                <a:latin typeface="Calibri" panose="020F0502020204030204" pitchFamily="34" charset="0"/>
+              </a:rPr>
+              <a:t>Василий</a:t>
+            </a:r>
+            <a:r>
+              <a:rPr lang="uk-UA" dirty="0">
+                <a:solidFill>
+                  <a:schemeClr val="bg2">
+                    <a:lumMod val="50000"/>
+                  </a:schemeClr>
+                </a:solidFill>
+                <a:latin typeface="Calibri" panose="020F0502020204030204" pitchFamily="34" charset="0"/>
+              </a:rPr>
+              <a:t> Петров"</a:t>
+            </a:r>
+            <a:endParaRPr lang="en-US" dirty="0">
+              <a:solidFill>
+                <a:schemeClr val="bg2">
+                  <a:lumMod val="50000"/>
+                </a:schemeClr>
+              </a:solidFill>
+              <a:latin typeface="Calibri" panose="020F0502020204030204" pitchFamily="34" charset="0"/>
             </a:endParaRPr>
           </a:p>
           <a:p>
@@ -3099,20 +3056,13 @@
     </p:spTree>
     <p:extLst>
       <p:ext uri="{BB962C8B-B14F-4D97-AF65-F5344CB8AC3E}">
-        <p14:creationId xmlns="" xmlns:p14="http://schemas.microsoft.com/office/powerpoint/2010/main" val="9290874"/>
+        <p14:creationId xmlns:p14="http://schemas.microsoft.com/office/powerpoint/2010/main" val="9290874"/>
       </p:ext>
     </p:extLst>
   </p:cSld>
   <p:clrMapOvr>
     <a:masterClrMapping/>
   </p:clrMapOvr>
-  <p:timing>
-    <p:tnLst>
-      <p:par>
-        <p:cTn id="1" dur="indefinite" restart="never" nodeType="tmRoot"/>
-      </p:par>
-    </p:tnLst>
-  </p:timing>
 </p:sld>
 </file>
 
@@ -3145,23 +3095,22 @@
         </p:nvSpPr>
         <p:spPr>
           <a:xfrm>
-            <a:off x="457200" y="116633"/>
-            <a:ext cx="8229600" cy="1080120"/>
-          </a:xfrm>
+            <a:off x="457200" y="279402"/>
+            <a:ext cx="8229600" cy="607248"/>
+          </a:xfrm>
+          <a:ln>
+            <a:noFill/>
+          </a:ln>
         </p:spPr>
         <p:txBody>
           <a:bodyPr/>
           <a:lstStyle/>
           <a:p>
             <a:r>
-              <a:rPr lang="ru-RU" sz="2800" b="1" dirty="0" smtClean="0"/>
-              <a:t>Метод </a:t>
-            </a:r>
-            <a:r>
-              <a:rPr lang="en-US" sz="2800" b="1" dirty="0" smtClean="0"/>
-              <a:t>bind</a:t>
-            </a:r>
-            <a:endParaRPr lang="en-US" sz="2800" b="1" dirty="0"/>
+              <a:rPr lang="ru-RU" b="1" dirty="0"/>
+              <a:t>Декораторы, функции-обертки</a:t>
+            </a:r>
+            <a:endParaRPr lang="en-US" b="1" dirty="0"/>
           </a:p>
         </p:txBody>
       </p:sp>
@@ -3173,8 +3122,128 @@
         </p:nvSpPr>
         <p:spPr>
           <a:xfrm>
-            <a:off x="611560" y="1340768"/>
-            <a:ext cx="7920880" cy="923330"/>
+            <a:off x="467544" y="1484784"/>
+            <a:ext cx="8064896" cy="4524315"/>
+          </a:xfrm>
+          <a:prstGeom prst="rect">
+            <a:avLst/>
+          </a:prstGeom>
+          <a:noFill/>
+        </p:spPr>
+        <p:txBody>
+          <a:bodyPr wrap="square" rtlCol="0">
+            <a:spAutoFit/>
+          </a:bodyPr>
+          <a:lstStyle/>
+          <a:p>
+            <a:pPr algn="just"/>
+            <a:r>
+              <a:rPr lang="ru-RU" b="1" dirty="0">
+                <a:latin typeface="Calibri" panose="020F0502020204030204" pitchFamily="34" charset="0"/>
+              </a:rPr>
+              <a:t>Декоратор </a:t>
+            </a:r>
+            <a:r>
+              <a:rPr lang="ru-RU" dirty="0">
+                <a:latin typeface="Calibri" panose="020F0502020204030204" pitchFamily="34" charset="0"/>
+              </a:rPr>
+              <a:t>– приём программирования, который позволяет взять существующую функцию и изменить/расширить ее поведение.</a:t>
+            </a:r>
+          </a:p>
+          <a:p>
+            <a:pPr algn="just"/>
+            <a:r>
+              <a:rPr lang="ru-RU" dirty="0">
+                <a:latin typeface="Calibri" panose="020F0502020204030204" pitchFamily="34" charset="0"/>
+              </a:rPr>
+              <a:t> </a:t>
+            </a:r>
+          </a:p>
+          <a:p>
+            <a:pPr algn="just"/>
+            <a:r>
+              <a:rPr lang="ru-RU" dirty="0">
+                <a:latin typeface="Calibri" panose="020F0502020204030204" pitchFamily="34" charset="0"/>
+              </a:rPr>
+              <a:t>Декоратор получает функцию и возвращает обертку, которая делает что-то своё «вокруг» вызова основной функции. </a:t>
+            </a:r>
+          </a:p>
+          <a:p>
+            <a:endParaRPr lang="ru-RU" dirty="0">
+              <a:latin typeface="Calibri" panose="020F0502020204030204" pitchFamily="34" charset="0"/>
+            </a:endParaRPr>
+          </a:p>
+          <a:p>
+            <a:r>
+              <a:rPr lang="ru-RU" dirty="0">
+                <a:latin typeface="Calibri" panose="020F0502020204030204" pitchFamily="34" charset="0"/>
+              </a:rPr>
+              <a:t>Например</a:t>
+            </a:r>
+            <a:r>
+              <a:rPr lang="en-US" dirty="0">
+                <a:latin typeface="Calibri" panose="020F0502020204030204" pitchFamily="34" charset="0"/>
+              </a:rPr>
+              <a:t>: </a:t>
+            </a:r>
+          </a:p>
+          <a:p>
+            <a:endParaRPr lang="ru-RU" dirty="0">
+              <a:latin typeface="Calibri" panose="020F0502020204030204" pitchFamily="34" charset="0"/>
+            </a:endParaRPr>
+          </a:p>
+          <a:p>
+            <a:endParaRPr lang="ru-RU" dirty="0">
+              <a:latin typeface="Calibri" panose="020F0502020204030204" pitchFamily="34" charset="0"/>
+            </a:endParaRPr>
+          </a:p>
+          <a:p>
+            <a:endParaRPr lang="ru-RU" dirty="0">
+              <a:latin typeface="Calibri" panose="020F0502020204030204" pitchFamily="34" charset="0"/>
+            </a:endParaRPr>
+          </a:p>
+          <a:p>
+            <a:endParaRPr lang="ru-RU" dirty="0">
+              <a:latin typeface="Calibri" panose="020F0502020204030204" pitchFamily="34" charset="0"/>
+            </a:endParaRPr>
+          </a:p>
+          <a:p>
+            <a:endParaRPr lang="ru-RU" dirty="0">
+              <a:latin typeface="Calibri" panose="020F0502020204030204" pitchFamily="34" charset="0"/>
+            </a:endParaRPr>
+          </a:p>
+          <a:p>
+            <a:endParaRPr lang="en-US" dirty="0">
+              <a:latin typeface="Calibri" panose="020F0502020204030204" pitchFamily="34" charset="0"/>
+            </a:endParaRPr>
+          </a:p>
+          <a:p>
+            <a:endParaRPr lang="en-US" dirty="0">
+              <a:latin typeface="Calibri" panose="020F0502020204030204" pitchFamily="34" charset="0"/>
+            </a:endParaRPr>
+          </a:p>
+          <a:p>
+            <a:endParaRPr lang="ru-RU" dirty="0">
+              <a:latin typeface="Calibri" panose="020F0502020204030204" pitchFamily="34" charset="0"/>
+            </a:endParaRPr>
+          </a:p>
+          <a:p>
+            <a:endParaRPr lang="en-US" dirty="0">
+              <a:latin typeface="Calibri" panose="020F0502020204030204" pitchFamily="34" charset="0"/>
+            </a:endParaRPr>
+          </a:p>
+        </p:txBody>
+      </p:sp>
+      <p:sp>
+        <p:nvSpPr>
+          <p:cNvPr id="4" name="TextBox 3"/>
+          <p:cNvSpPr txBox="1"/>
+          <p:nvPr/>
+        </p:nvSpPr>
+        <p:spPr>
+          <a:xfrm>
+            <a:off x="1043608" y="4149080"/>
+            <a:ext cx="4806572" cy="1477328"/>
           </a:xfrm>
           <a:prstGeom prst="rect">
             <a:avLst/>
@@ -3195,283 +3264,119 @@
           </a:fontRef>
         </p:style>
         <p:txBody>
-          <a:bodyPr wrap="square" rtlCol="0">
+          <a:bodyPr wrap="none" rtlCol="0">
             <a:spAutoFit/>
           </a:bodyPr>
           <a:lstStyle/>
           <a:p>
             <a:r>
-              <a:rPr lang="ru-RU" dirty="0" smtClean="0"/>
-              <a:t>Синтаксис</a:t>
-            </a:r>
-            <a:r>
-              <a:rPr lang="en-US" dirty="0" smtClean="0"/>
-              <a:t>: </a:t>
-            </a:r>
-          </a:p>
-          <a:p>
-            <a:endParaRPr lang="en-US" dirty="0" smtClean="0"/>
-          </a:p>
-          <a:p>
-            <a:r>
-              <a:rPr lang="en-US" dirty="0" err="1" smtClean="0">
-                <a:solidFill>
-                  <a:schemeClr val="accent1">
-                    <a:lumMod val="75000"/>
-                  </a:schemeClr>
-                </a:solidFill>
-              </a:rPr>
-              <a:t>var</a:t>
-            </a:r>
-            <a:r>
-              <a:rPr lang="en-US" dirty="0" smtClean="0"/>
-              <a:t> wrapper = </a:t>
-            </a:r>
-            <a:r>
-              <a:rPr lang="en-US" dirty="0" err="1" smtClean="0"/>
-              <a:t>func.</a:t>
-            </a:r>
-            <a:r>
-              <a:rPr lang="en-US" dirty="0" err="1" smtClean="0">
-                <a:solidFill>
-                  <a:schemeClr val="accent1">
-                    <a:lumMod val="75000"/>
-                  </a:schemeClr>
-                </a:solidFill>
-              </a:rPr>
-              <a:t>bind</a:t>
-            </a:r>
-            <a:r>
-              <a:rPr lang="en-US" dirty="0" smtClean="0">
-                <a:solidFill>
-                  <a:schemeClr val="accent1">
-                    <a:lumMod val="75000"/>
-                  </a:schemeClr>
-                </a:solidFill>
-              </a:rPr>
-              <a:t>(</a:t>
-            </a:r>
-            <a:r>
-              <a:rPr lang="en-US" dirty="0" smtClean="0"/>
-              <a:t>context[, </a:t>
-            </a:r>
-            <a:r>
-              <a:rPr lang="en-US" dirty="0" err="1" smtClean="0"/>
-              <a:t>arg1</a:t>
-            </a:r>
-            <a:r>
-              <a:rPr lang="en-US" dirty="0" smtClean="0"/>
-              <a:t>, </a:t>
-            </a:r>
-            <a:r>
-              <a:rPr lang="en-US" dirty="0" err="1" smtClean="0"/>
-              <a:t>arg2</a:t>
-            </a:r>
-            <a:r>
-              <a:rPr lang="en-US" dirty="0" smtClean="0"/>
-              <a:t>...])</a:t>
-            </a:r>
-            <a:endParaRPr lang="en-US" dirty="0"/>
-          </a:p>
-        </p:txBody>
-      </p:sp>
-      <p:sp>
-        <p:nvSpPr>
-          <p:cNvPr id="4" name="TextBox 3"/>
-          <p:cNvSpPr txBox="1"/>
-          <p:nvPr/>
-        </p:nvSpPr>
-        <p:spPr>
-          <a:xfrm>
-            <a:off x="395536" y="2564904"/>
-            <a:ext cx="8208912" cy="4001095"/>
-          </a:xfrm>
-          <a:prstGeom prst="rect">
-            <a:avLst/>
-          </a:prstGeom>
-          <a:noFill/>
-        </p:spPr>
-        <p:txBody>
-          <a:bodyPr wrap="square" rtlCol="0">
-            <a:spAutoFit/>
-          </a:bodyPr>
-          <a:lstStyle/>
-          <a:p>
-            <a:pPr>
-              <a:buFont typeface="Wingdings" pitchFamily="2" charset="2"/>
-              <a:buChar char="§"/>
-            </a:pPr>
-            <a:r>
-              <a:rPr lang="ru-RU" sz="2000" dirty="0" smtClean="0"/>
-              <a:t>  </a:t>
-            </a:r>
-            <a:r>
-              <a:rPr lang="en-US" sz="2000" dirty="0" smtClean="0"/>
-              <a:t>F</a:t>
-            </a:r>
-            <a:r>
-              <a:rPr lang="ru-RU" sz="2000" dirty="0" err="1" smtClean="0"/>
-              <a:t>unc</a:t>
-            </a:r>
-            <a:r>
-              <a:rPr lang="en-US" sz="2000" dirty="0" smtClean="0"/>
-              <a:t> - </a:t>
-            </a:r>
-            <a:r>
-              <a:rPr lang="ru-RU" sz="2000" dirty="0" smtClean="0"/>
-              <a:t>Произвольная </a:t>
-            </a:r>
-            <a:r>
-              <a:rPr lang="ru-RU" sz="2000" dirty="0" err="1" smtClean="0"/>
-              <a:t>функцияcontextКонтекст</a:t>
-            </a:r>
-            <a:r>
-              <a:rPr lang="ru-RU" sz="2000" dirty="0" smtClean="0"/>
-              <a:t>, который привязывается к </a:t>
-            </a:r>
-            <a:r>
-              <a:rPr lang="ru-RU" sz="2000" dirty="0" err="1" smtClean="0"/>
+              <a:rPr lang="en-US" dirty="0">
+                <a:solidFill>
+                  <a:srgbClr val="0070C0"/>
+                </a:solidFill>
+                <a:latin typeface="Calibri" panose="020F0502020204030204" pitchFamily="34" charset="0"/>
+              </a:rPr>
+              <a:t>function</a:t>
+            </a:r>
+            <a:r>
+              <a:rPr lang="en-US" dirty="0">
+                <a:latin typeface="Calibri" panose="020F0502020204030204" pitchFamily="34" charset="0"/>
+              </a:rPr>
+              <a:t> bind(</a:t>
+            </a:r>
+            <a:r>
+              <a:rPr lang="en-US" dirty="0" err="1">
+                <a:latin typeface="Calibri" panose="020F0502020204030204" pitchFamily="34" charset="0"/>
+              </a:rPr>
               <a:t>func</a:t>
             </a:r>
             <a:r>
-              <a:rPr lang="en-US" sz="2000" dirty="0" smtClean="0"/>
+              <a:rPr lang="en-US" dirty="0">
+                <a:latin typeface="Calibri" panose="020F0502020204030204" pitchFamily="34" charset="0"/>
+              </a:rPr>
+              <a:t>, context) {</a:t>
+            </a:r>
+          </a:p>
+          <a:p>
+            <a:r>
+              <a:rPr lang="en-US" dirty="0">
+                <a:solidFill>
+                  <a:srgbClr val="0070C0"/>
+                </a:solidFill>
+                <a:latin typeface="Calibri" panose="020F0502020204030204" pitchFamily="34" charset="0"/>
+              </a:rPr>
+              <a:t> return function</a:t>
+            </a:r>
+            <a:r>
+              <a:rPr lang="en-US" dirty="0">
+                <a:latin typeface="Calibri" panose="020F0502020204030204" pitchFamily="34" charset="0"/>
+              </a:rPr>
+              <a:t>() { </a:t>
+            </a:r>
+          </a:p>
+          <a:p>
+            <a:r>
+              <a:rPr lang="en-US" dirty="0">
+                <a:latin typeface="Calibri" panose="020F0502020204030204" pitchFamily="34" charset="0"/>
+              </a:rPr>
+              <a:t>	</a:t>
+            </a:r>
+            <a:r>
+              <a:rPr lang="en-US" dirty="0">
+                <a:solidFill>
+                  <a:srgbClr val="0070C0"/>
+                </a:solidFill>
+                <a:latin typeface="Calibri" panose="020F0502020204030204" pitchFamily="34" charset="0"/>
+              </a:rPr>
+              <a:t>return</a:t>
+            </a:r>
+            <a:r>
+              <a:rPr lang="en-US" dirty="0">
+                <a:latin typeface="Calibri" panose="020F0502020204030204" pitchFamily="34" charset="0"/>
+              </a:rPr>
               <a:t> </a:t>
             </a:r>
-          </a:p>
-          <a:p>
-            <a:pPr>
-              <a:buFont typeface="Wingdings" pitchFamily="2" charset="2"/>
-              <a:buChar char="§"/>
-            </a:pPr>
-            <a:endParaRPr lang="ru-RU" sz="2000" dirty="0" smtClean="0"/>
-          </a:p>
-          <a:p>
-            <a:pPr>
-              <a:buFont typeface="Wingdings" pitchFamily="2" charset="2"/>
-              <a:buChar char="§"/>
-            </a:pPr>
-            <a:r>
-              <a:rPr lang="ru-RU" sz="2000" dirty="0" smtClean="0"/>
-              <a:t>   </a:t>
-            </a:r>
-            <a:r>
-              <a:rPr lang="ru-RU" sz="2000" dirty="0" err="1" smtClean="0"/>
-              <a:t>arg1</a:t>
-            </a:r>
-            <a:r>
-              <a:rPr lang="ru-RU" sz="2000" dirty="0" smtClean="0"/>
-              <a:t>, </a:t>
-            </a:r>
-            <a:r>
-              <a:rPr lang="ru-RU" sz="2000" dirty="0" err="1" smtClean="0"/>
-              <a:t>arg2</a:t>
-            </a:r>
-            <a:r>
-              <a:rPr lang="ru-RU" sz="2000" dirty="0" smtClean="0"/>
-              <a:t>, …</a:t>
-            </a:r>
-            <a:r>
-              <a:rPr lang="en-US" sz="2000" dirty="0" smtClean="0"/>
-              <a:t> - </a:t>
-            </a:r>
-            <a:r>
-              <a:rPr lang="ru-RU" sz="2000" dirty="0" smtClean="0"/>
-              <a:t>Если указаны аргументы </a:t>
-            </a:r>
-            <a:r>
-              <a:rPr lang="ru-RU" sz="2000" dirty="0" err="1" smtClean="0"/>
-              <a:t>arg1</a:t>
-            </a:r>
-            <a:r>
-              <a:rPr lang="ru-RU" sz="2000" dirty="0" smtClean="0"/>
-              <a:t>, </a:t>
-            </a:r>
-            <a:r>
-              <a:rPr lang="ru-RU" sz="2000" dirty="0" err="1" smtClean="0"/>
-              <a:t>arg2</a:t>
-            </a:r>
-            <a:r>
-              <a:rPr lang="ru-RU" sz="2000" dirty="0" smtClean="0"/>
-              <a:t>... – они будут прибавлены к каждому вызову новой функции, причем встанут </a:t>
-            </a:r>
-            <a:r>
-              <a:rPr lang="ru-RU" sz="2000" i="1" dirty="0" smtClean="0"/>
-              <a:t>перед</a:t>
-            </a:r>
-            <a:r>
-              <a:rPr lang="ru-RU" sz="2000" dirty="0" smtClean="0"/>
-              <a:t> теми, которые указаны при вызове.</a:t>
-            </a:r>
-            <a:r>
-              <a:rPr lang="en-US" sz="2000" dirty="0" smtClean="0"/>
-              <a:t> </a:t>
-            </a:r>
-          </a:p>
-          <a:p>
-            <a:pPr>
-              <a:buFont typeface="Wingdings" pitchFamily="2" charset="2"/>
-              <a:buChar char="§"/>
-            </a:pPr>
-            <a:endParaRPr lang="en-US" sz="2000" dirty="0" smtClean="0"/>
-          </a:p>
-          <a:p>
-            <a:pPr>
-              <a:buFont typeface="Wingdings" pitchFamily="2" charset="2"/>
-              <a:buChar char="§"/>
-            </a:pPr>
-            <a:r>
-              <a:rPr lang="ru-RU" sz="2000" dirty="0" smtClean="0"/>
-              <a:t>  Таким образом, </a:t>
-            </a:r>
-            <a:r>
-              <a:rPr lang="ru-RU" sz="2000" dirty="0" err="1" smtClean="0"/>
-              <a:t>wrapper</a:t>
-            </a:r>
-            <a:r>
-              <a:rPr lang="ru-RU" sz="2000" dirty="0" smtClean="0"/>
-              <a:t> – это обёртка, фиксирующая контекст и передающая вызовы в </a:t>
-            </a:r>
-            <a:r>
-              <a:rPr lang="ru-RU" sz="2000" dirty="0" err="1" smtClean="0"/>
-              <a:t>func</a:t>
-            </a:r>
-            <a:r>
-              <a:rPr lang="ru-RU" sz="2000" dirty="0" smtClean="0"/>
-              <a:t>. Также можно указать аргументы, тогда и они будут фиксированы. </a:t>
-            </a:r>
-          </a:p>
-          <a:p>
-            <a:pPr>
-              <a:buFont typeface="Wingdings" pitchFamily="2" charset="2"/>
-              <a:buChar char="§"/>
-            </a:pPr>
-            <a:endParaRPr lang="ru-RU" dirty="0" smtClean="0"/>
-          </a:p>
-          <a:p>
-            <a:endParaRPr lang="ru-RU" dirty="0" smtClean="0"/>
-          </a:p>
-          <a:p>
-            <a:endParaRPr lang="en-US" dirty="0"/>
+            <a:r>
+              <a:rPr lang="en-US" dirty="0" err="1">
+                <a:latin typeface="Calibri" panose="020F0502020204030204" pitchFamily="34" charset="0"/>
+              </a:rPr>
+              <a:t>func.apply</a:t>
+            </a:r>
+            <a:r>
+              <a:rPr lang="en-US" dirty="0">
+                <a:latin typeface="Calibri" panose="020F0502020204030204" pitchFamily="34" charset="0"/>
+              </a:rPr>
+              <a:t>(context, arguments); </a:t>
+            </a:r>
+          </a:p>
+          <a:p>
+            <a:r>
+              <a:rPr lang="en-US" dirty="0">
+                <a:latin typeface="Calibri" panose="020F0502020204030204" pitchFamily="34" charset="0"/>
+              </a:rPr>
+              <a:t>           }; </a:t>
+            </a:r>
+          </a:p>
+          <a:p>
+            <a:r>
+              <a:rPr lang="en-US" dirty="0">
+                <a:latin typeface="Calibri" panose="020F0502020204030204" pitchFamily="34" charset="0"/>
+              </a:rPr>
+              <a:t>} </a:t>
+            </a:r>
           </a:p>
         </p:txBody>
       </p:sp>
     </p:spTree>
     <p:extLst>
       <p:ext uri="{BB962C8B-B14F-4D97-AF65-F5344CB8AC3E}">
-        <p14:creationId xmlns="" xmlns:p14="http://schemas.microsoft.com/office/powerpoint/2010/main" val="9290874"/>
+        <p14:creationId xmlns:p14="http://schemas.microsoft.com/office/powerpoint/2010/main" val="9290874"/>
       </p:ext>
     </p:extLst>
   </p:cSld>
   <p:clrMapOvr>
     <a:masterClrMapping/>
   </p:clrMapOvr>
-  <p:timing>
-    <p:tnLst>
-      <p:par>
-        <p:cTn id="1" dur="indefinite" restart="never" nodeType="tmRoot"/>
-      </p:par>
-    </p:tnLst>
-  </p:timing>
 </p:sld>
 </file>
 
@@ -3502,179 +3407,37 @@
             <p:ph type="title"/>
           </p:nvPr>
         </p:nvSpPr>
-        <p:spPr/>
+        <p:spPr>
+          <a:xfrm>
+            <a:off x="457200" y="116633"/>
+            <a:ext cx="8229600" cy="1080120"/>
+          </a:xfrm>
+        </p:spPr>
         <p:txBody>
           <a:bodyPr/>
           <a:lstStyle/>
           <a:p>
             <a:r>
-              <a:rPr lang="ru-RU" b="1" dirty="0" err="1" smtClean="0"/>
-              <a:t>Карринг</a:t>
-            </a:r>
-            <a:endParaRPr lang="en-US" b="1" dirty="0"/>
-          </a:p>
-        </p:txBody>
-      </p:sp>
-      <p:sp>
-        <p:nvSpPr>
-          <p:cNvPr id="4" name="TextBox 3"/>
+              <a:rPr lang="ru-RU" sz="2800" b="1" dirty="0"/>
+              <a:t>Метод </a:t>
+            </a:r>
+            <a:r>
+              <a:rPr lang="en-US" sz="2800" b="1" dirty="0"/>
+              <a:t>bind</a:t>
+            </a:r>
+          </a:p>
+        </p:txBody>
+      </p:sp>
+      <p:sp>
+        <p:nvSpPr>
+          <p:cNvPr id="3" name="TextBox 2"/>
           <p:cNvSpPr txBox="1"/>
           <p:nvPr/>
         </p:nvSpPr>
         <p:spPr>
           <a:xfrm>
-            <a:off x="467544" y="1556792"/>
-            <a:ext cx="8280920" cy="5078313"/>
-          </a:xfrm>
-          <a:prstGeom prst="rect">
-            <a:avLst/>
-          </a:prstGeom>
-          <a:noFill/>
-        </p:spPr>
-        <p:txBody>
-          <a:bodyPr wrap="square" rtlCol="0">
-            <a:spAutoFit/>
-          </a:bodyPr>
-          <a:lstStyle/>
-          <a:p>
-            <a:pPr algn="just"/>
-            <a:r>
-              <a:rPr lang="ru-RU" b="1" dirty="0" err="1" smtClean="0"/>
-              <a:t>Карринг</a:t>
-            </a:r>
-            <a:r>
-              <a:rPr lang="ru-RU" b="1" dirty="0" smtClean="0"/>
-              <a:t> (</a:t>
-            </a:r>
-            <a:r>
-              <a:rPr lang="ru-RU" b="1" dirty="0" err="1" smtClean="0"/>
-              <a:t>currying</a:t>
-            </a:r>
-            <a:r>
-              <a:rPr lang="ru-RU" b="1" dirty="0" smtClean="0"/>
-              <a:t>) </a:t>
-            </a:r>
-            <a:r>
-              <a:rPr lang="ru-RU" dirty="0" smtClean="0"/>
-              <a:t>или </a:t>
-            </a:r>
-            <a:r>
-              <a:rPr lang="ru-RU" b="1" dirty="0" err="1" smtClean="0"/>
-              <a:t>каррирование</a:t>
-            </a:r>
-            <a:r>
-              <a:rPr lang="ru-RU" dirty="0" smtClean="0"/>
-              <a:t> – термин функционального программирования, который означает создание новой функции путём фиксирования аргументов существующей. </a:t>
-            </a:r>
-          </a:p>
-          <a:p>
-            <a:endParaRPr lang="ru-RU" dirty="0" smtClean="0"/>
-          </a:p>
-          <a:p>
-            <a:r>
-              <a:rPr lang="ru-RU" dirty="0" smtClean="0"/>
-              <a:t>Например</a:t>
-            </a:r>
-            <a:r>
-              <a:rPr lang="en-US" dirty="0" smtClean="0"/>
-              <a:t>:  </a:t>
-            </a:r>
-          </a:p>
-          <a:p>
-            <a:endParaRPr lang="en-US" dirty="0" smtClean="0"/>
-          </a:p>
-          <a:p>
-            <a:endParaRPr lang="en-US" dirty="0" smtClean="0"/>
-          </a:p>
-          <a:p>
-            <a:endParaRPr lang="ru-RU" dirty="0" smtClean="0"/>
-          </a:p>
-          <a:p>
-            <a:endParaRPr lang="ru-RU" dirty="0" smtClean="0"/>
-          </a:p>
-          <a:p>
-            <a:endParaRPr lang="ru-RU" dirty="0" smtClean="0"/>
-          </a:p>
-          <a:p>
-            <a:endParaRPr lang="ru-RU" dirty="0" smtClean="0"/>
-          </a:p>
-          <a:p>
-            <a:endParaRPr lang="ru-RU" dirty="0" smtClean="0"/>
-          </a:p>
-          <a:p>
-            <a:endParaRPr lang="ru-RU" dirty="0" smtClean="0"/>
-          </a:p>
-          <a:p>
-            <a:endParaRPr lang="ru-RU" dirty="0" smtClean="0"/>
-          </a:p>
-          <a:p>
-            <a:endParaRPr lang="en-US" dirty="0" smtClean="0"/>
-          </a:p>
-          <a:p>
-            <a:r>
-              <a:rPr lang="ru-RU" dirty="0" smtClean="0"/>
-              <a:t>Говорят, что </a:t>
-            </a:r>
-            <a:r>
-              <a:rPr lang="en-US" dirty="0" smtClean="0"/>
-              <a:t>triple</a:t>
-            </a:r>
-            <a:r>
-              <a:rPr lang="ru-RU" dirty="0" smtClean="0"/>
-              <a:t> является </a:t>
-            </a:r>
-            <a:r>
-              <a:rPr lang="ru-RU" b="1" dirty="0" smtClean="0"/>
-              <a:t>«частичной функцией» </a:t>
-            </a:r>
-            <a:r>
-              <a:rPr lang="ru-RU" dirty="0" smtClean="0"/>
-              <a:t>(</a:t>
-            </a:r>
-            <a:r>
-              <a:rPr lang="ru-RU" dirty="0" err="1" smtClean="0"/>
-              <a:t>partial</a:t>
-            </a:r>
-            <a:r>
-              <a:rPr lang="ru-RU" dirty="0" smtClean="0"/>
-              <a:t> </a:t>
-            </a:r>
-            <a:r>
-              <a:rPr lang="ru-RU" dirty="0" err="1" smtClean="0"/>
-              <a:t>function</a:t>
-            </a:r>
-            <a:r>
-              <a:rPr lang="ru-RU" dirty="0" smtClean="0"/>
-              <a:t>) от </a:t>
-            </a:r>
-            <a:r>
-              <a:rPr lang="ru-RU" dirty="0" err="1" smtClean="0"/>
-              <a:t>mul</a:t>
-            </a:r>
-            <a:r>
-              <a:rPr lang="ru-RU" dirty="0" smtClean="0"/>
-              <a:t>.</a:t>
-            </a:r>
-            <a:endParaRPr lang="en-US" dirty="0" smtClean="0"/>
-          </a:p>
-          <a:p>
-            <a:endParaRPr lang="en-US" dirty="0" smtClean="0"/>
-          </a:p>
-          <a:p>
-            <a:endParaRPr lang="en-US" dirty="0"/>
-          </a:p>
-        </p:txBody>
-      </p:sp>
-      <p:sp>
-        <p:nvSpPr>
-          <p:cNvPr id="5" name="TextBox 4"/>
-          <p:cNvSpPr txBox="1"/>
-          <p:nvPr/>
-        </p:nvSpPr>
-        <p:spPr>
-          <a:xfrm>
-            <a:off x="1043608" y="3284984"/>
-            <a:ext cx="5688632" cy="2031325"/>
+            <a:off x="611560" y="1340768"/>
+            <a:ext cx="7920880" cy="923330"/>
           </a:xfrm>
           <a:prstGeom prst="rect">
             <a:avLst/>
@@ -3701,145 +3464,311 @@
           <a:lstStyle/>
           <a:p>
             <a:r>
-              <a:rPr lang="en-US" dirty="0" smtClean="0"/>
-              <a:t>function </a:t>
-            </a:r>
-            <a:r>
-              <a:rPr lang="en-US" dirty="0" err="1" smtClean="0"/>
-              <a:t>mul</a:t>
-            </a:r>
-            <a:r>
-              <a:rPr lang="en-US" dirty="0" smtClean="0"/>
-              <a:t>(a, b) { return a * b; };</a:t>
-            </a:r>
-          </a:p>
-          <a:p>
-            <a:endParaRPr lang="en-US" dirty="0" smtClean="0"/>
-          </a:p>
-          <a:p>
-            <a:r>
-              <a:rPr lang="en-US" dirty="0" err="1" smtClean="0">
+              <a:rPr lang="ru-RU" dirty="0">
+                <a:latin typeface="Calibri" panose="020F0502020204030204" pitchFamily="34" charset="0"/>
+              </a:rPr>
+              <a:t>Синтаксис</a:t>
+            </a:r>
+            <a:r>
+              <a:rPr lang="en-US" dirty="0">
+                <a:latin typeface="Calibri" panose="020F0502020204030204" pitchFamily="34" charset="0"/>
+              </a:rPr>
+              <a:t>: </a:t>
+            </a:r>
+          </a:p>
+          <a:p>
+            <a:endParaRPr lang="en-US" dirty="0">
+              <a:latin typeface="Calibri" panose="020F0502020204030204" pitchFamily="34" charset="0"/>
+            </a:endParaRPr>
+          </a:p>
+          <a:p>
+            <a:r>
+              <a:rPr lang="en-US" dirty="0" err="1">
+                <a:solidFill>
+                  <a:srgbClr val="0070C0"/>
+                </a:solidFill>
+                <a:latin typeface="Calibri" panose="020F0502020204030204" pitchFamily="34" charset="0"/>
+              </a:rPr>
+              <a:t>var</a:t>
+            </a:r>
+            <a:r>
+              <a:rPr lang="en-US" dirty="0">
+                <a:latin typeface="Calibri" panose="020F0502020204030204" pitchFamily="34" charset="0"/>
+              </a:rPr>
+              <a:t> wrapper = </a:t>
+            </a:r>
+            <a:r>
+              <a:rPr lang="en-US" dirty="0" err="1">
+                <a:latin typeface="Calibri" panose="020F0502020204030204" pitchFamily="34" charset="0"/>
+              </a:rPr>
+              <a:t>func.</a:t>
+            </a:r>
+            <a:r>
+              <a:rPr lang="en-US" dirty="0" err="1">
                 <a:solidFill>
                   <a:schemeClr val="accent1">
                     <a:lumMod val="75000"/>
                   </a:schemeClr>
                 </a:solidFill>
-              </a:rPr>
-              <a:t>var</a:t>
-            </a:r>
-            <a:r>
-              <a:rPr lang="en-US" dirty="0" smtClean="0">
+                <a:latin typeface="Calibri" panose="020F0502020204030204" pitchFamily="34" charset="0"/>
+              </a:rPr>
+              <a:t>bind</a:t>
+            </a:r>
+            <a:r>
+              <a:rPr lang="en-US" dirty="0">
                 <a:solidFill>
                   <a:schemeClr val="accent1">
                     <a:lumMod val="75000"/>
                   </a:schemeClr>
                 </a:solidFill>
+                <a:latin typeface="Calibri" panose="020F0502020204030204" pitchFamily="34" charset="0"/>
+              </a:rPr>
+              <a:t>(</a:t>
+            </a:r>
+            <a:r>
+              <a:rPr lang="en-US" dirty="0">
+                <a:latin typeface="Calibri" panose="020F0502020204030204" pitchFamily="34" charset="0"/>
+              </a:rPr>
+              <a:t>context[, </a:t>
+            </a:r>
+            <a:r>
+              <a:rPr lang="en-US" dirty="0" err="1">
+                <a:latin typeface="Calibri" panose="020F0502020204030204" pitchFamily="34" charset="0"/>
+              </a:rPr>
+              <a:t>arg1</a:t>
+            </a:r>
+            <a:r>
+              <a:rPr lang="en-US" dirty="0">
+                <a:latin typeface="Calibri" panose="020F0502020204030204" pitchFamily="34" charset="0"/>
+              </a:rPr>
+              <a:t>, </a:t>
+            </a:r>
+            <a:r>
+              <a:rPr lang="en-US" dirty="0" err="1">
+                <a:latin typeface="Calibri" panose="020F0502020204030204" pitchFamily="34" charset="0"/>
+              </a:rPr>
+              <a:t>arg2</a:t>
+            </a:r>
+            <a:r>
+              <a:rPr lang="en-US" dirty="0">
+                <a:latin typeface="Calibri" panose="020F0502020204030204" pitchFamily="34" charset="0"/>
+              </a:rPr>
+              <a:t>...])</a:t>
+            </a:r>
+          </a:p>
+        </p:txBody>
+      </p:sp>
+      <p:sp>
+        <p:nvSpPr>
+          <p:cNvPr id="4" name="TextBox 3"/>
+          <p:cNvSpPr txBox="1"/>
+          <p:nvPr/>
+        </p:nvSpPr>
+        <p:spPr>
+          <a:xfrm>
+            <a:off x="395536" y="2564904"/>
+            <a:ext cx="8208912" cy="3170099"/>
+          </a:xfrm>
+          <a:prstGeom prst="rect">
+            <a:avLst/>
+          </a:prstGeom>
+          <a:noFill/>
+        </p:spPr>
+        <p:txBody>
+          <a:bodyPr wrap="square" rtlCol="0">
+            <a:spAutoFit/>
+          </a:bodyPr>
+          <a:lstStyle/>
+          <a:p>
+            <a:pPr>
+              <a:buFont typeface="Wingdings" pitchFamily="2" charset="2"/>
+              <a:buChar char="§"/>
+            </a:pPr>
+            <a:r>
+              <a:rPr lang="ru-RU" sz="2000" dirty="0">
+                <a:latin typeface="Calibri" panose="020F0502020204030204" pitchFamily="34" charset="0"/>
+              </a:rPr>
+              <a:t>  </a:t>
+            </a:r>
+            <a:r>
+              <a:rPr lang="en-US" dirty="0">
+                <a:latin typeface="Calibri" panose="020F0502020204030204" pitchFamily="34" charset="0"/>
+              </a:rPr>
+              <a:t>f</a:t>
+            </a:r>
+            <a:r>
+              <a:rPr lang="ru-RU" dirty="0" err="1">
+                <a:latin typeface="Calibri" panose="020F0502020204030204" pitchFamily="34" charset="0"/>
+              </a:rPr>
+              <a:t>unc</a:t>
+            </a:r>
+            <a:r>
+              <a:rPr lang="en-US" dirty="0">
+                <a:latin typeface="Calibri" panose="020F0502020204030204" pitchFamily="34" charset="0"/>
+              </a:rPr>
+              <a:t> - </a:t>
+            </a:r>
+            <a:r>
+              <a:rPr lang="ru-RU" dirty="0">
+                <a:latin typeface="Calibri" panose="020F0502020204030204" pitchFamily="34" charset="0"/>
+              </a:rPr>
+              <a:t>произвольная функция. </a:t>
+            </a:r>
+            <a:endParaRPr lang="en-US" dirty="0">
+              <a:latin typeface="Calibri" panose="020F0502020204030204" pitchFamily="34" charset="0"/>
+            </a:endParaRPr>
+          </a:p>
+          <a:p>
+            <a:pPr>
+              <a:buFont typeface="Wingdings" pitchFamily="2" charset="2"/>
+              <a:buChar char="§"/>
+            </a:pPr>
+            <a:endParaRPr lang="ru-RU" dirty="0">
+              <a:latin typeface="Calibri" panose="020F0502020204030204" pitchFamily="34" charset="0"/>
+            </a:endParaRPr>
+          </a:p>
+          <a:p>
+            <a:pPr>
+              <a:buFont typeface="Wingdings" pitchFamily="2" charset="2"/>
+              <a:buChar char="§"/>
+            </a:pPr>
+            <a:r>
+              <a:rPr lang="ru-RU" dirty="0">
+                <a:latin typeface="Calibri" panose="020F0502020204030204" pitchFamily="34" charset="0"/>
+              </a:rPr>
+              <a:t>   </a:t>
+            </a:r>
+            <a:r>
+              <a:rPr lang="ru-RU" dirty="0" err="1">
+                <a:latin typeface="Calibri" panose="020F0502020204030204" pitchFamily="34" charset="0"/>
+              </a:rPr>
+              <a:t>arg1</a:t>
+            </a:r>
+            <a:r>
+              <a:rPr lang="ru-RU" dirty="0">
+                <a:latin typeface="Calibri" panose="020F0502020204030204" pitchFamily="34" charset="0"/>
+              </a:rPr>
+              <a:t>, </a:t>
+            </a:r>
+            <a:r>
+              <a:rPr lang="ru-RU" dirty="0" err="1">
+                <a:latin typeface="Calibri" panose="020F0502020204030204" pitchFamily="34" charset="0"/>
+              </a:rPr>
+              <a:t>arg2</a:t>
+            </a:r>
+            <a:r>
+              <a:rPr lang="ru-RU" dirty="0">
+                <a:latin typeface="Calibri" panose="020F0502020204030204" pitchFamily="34" charset="0"/>
+              </a:rPr>
+              <a:t>, …</a:t>
+            </a:r>
+            <a:r>
+              <a:rPr lang="en-US" dirty="0">
+                <a:latin typeface="Calibri" panose="020F0502020204030204" pitchFamily="34" charset="0"/>
+              </a:rPr>
+              <a:t> - </a:t>
+            </a:r>
+            <a:r>
+              <a:rPr lang="ru-RU" dirty="0">
+                <a:latin typeface="Calibri" panose="020F0502020204030204" pitchFamily="34" charset="0"/>
+              </a:rPr>
+              <a:t>если указаны аргументы arg1, arg2... – они будут прибавлены к каждому вызову новой функции, причем встанут </a:t>
+            </a:r>
+            <a:r>
+              <a:rPr lang="ru-RU" i="1" dirty="0">
+                <a:latin typeface="Calibri" panose="020F0502020204030204" pitchFamily="34" charset="0"/>
+              </a:rPr>
+              <a:t>перед</a:t>
+            </a:r>
+            <a:r>
+              <a:rPr lang="ru-RU" dirty="0">
+                <a:latin typeface="Calibri" panose="020F0502020204030204" pitchFamily="34" charset="0"/>
+              </a:rPr>
+              <a:t> теми, которые указаны при вызове.</a:t>
+            </a:r>
+            <a:r>
+              <a:rPr lang="en-US" dirty="0">
+                <a:latin typeface="Calibri" panose="020F0502020204030204" pitchFamily="34" charset="0"/>
               </a:rPr>
               <a:t> </a:t>
             </a:r>
-            <a:r>
-              <a:rPr lang="en-US" dirty="0" smtClean="0"/>
-              <a:t>triple = </a:t>
-            </a:r>
-            <a:r>
-              <a:rPr lang="en-US" dirty="0" err="1" smtClean="0"/>
-              <a:t>mul.bind</a:t>
-            </a:r>
-            <a:r>
-              <a:rPr lang="en-US" dirty="0" smtClean="0"/>
-              <a:t>(null, 3); // </a:t>
-            </a:r>
-            <a:r>
-              <a:rPr lang="uk-UA" dirty="0" smtClean="0"/>
-              <a:t>контекст </a:t>
-            </a:r>
-            <a:r>
-              <a:rPr lang="uk-UA" dirty="0" err="1" smtClean="0"/>
-              <a:t>фиксируем</a:t>
-            </a:r>
-            <a:r>
-              <a:rPr lang="uk-UA" dirty="0" smtClean="0"/>
-              <a:t> </a:t>
-            </a:r>
-            <a:r>
-              <a:rPr lang="en-US" dirty="0" smtClean="0"/>
-              <a:t>null, </a:t>
-            </a:r>
-            <a:r>
-              <a:rPr lang="uk-UA" dirty="0" smtClean="0"/>
-              <a:t>он не </a:t>
-            </a:r>
-            <a:r>
-              <a:rPr lang="uk-UA" dirty="0" err="1" smtClean="0"/>
-              <a:t>используется</a:t>
-            </a:r>
-            <a:r>
-              <a:rPr lang="uk-UA" dirty="0" smtClean="0"/>
-              <a:t> </a:t>
-            </a:r>
-            <a:endParaRPr lang="en-US" dirty="0" smtClean="0"/>
-          </a:p>
-          <a:p>
-            <a:r>
-              <a:rPr lang="en-US" dirty="0" smtClean="0"/>
-              <a:t>alert( triple(3) ); // = </a:t>
-            </a:r>
-            <a:r>
-              <a:rPr lang="en-US" dirty="0" err="1" smtClean="0"/>
-              <a:t>mul</a:t>
-            </a:r>
-            <a:r>
-              <a:rPr lang="en-US" dirty="0" smtClean="0"/>
-              <a:t>(3, 3) = 9 </a:t>
-            </a:r>
-          </a:p>
-          <a:p>
-            <a:r>
-              <a:rPr lang="en-US" dirty="0" smtClean="0"/>
-              <a:t>alert( triple(4) ); // = </a:t>
-            </a:r>
-            <a:r>
-              <a:rPr lang="en-US" dirty="0" err="1" smtClean="0"/>
-              <a:t>mul</a:t>
-            </a:r>
-            <a:r>
-              <a:rPr lang="en-US" dirty="0" smtClean="0"/>
-              <a:t>(3, 4) = 12 </a:t>
-            </a:r>
-          </a:p>
-          <a:p>
-            <a:r>
-              <a:rPr lang="en-US" dirty="0" smtClean="0"/>
-              <a:t>alert( triple(5) ); // = </a:t>
-            </a:r>
-            <a:r>
-              <a:rPr lang="en-US" dirty="0" err="1" smtClean="0"/>
-              <a:t>mul</a:t>
-            </a:r>
-            <a:r>
-              <a:rPr lang="en-US" dirty="0" smtClean="0"/>
-              <a:t>(3, 5) = 15 </a:t>
-            </a:r>
+          </a:p>
+          <a:p>
+            <a:pPr>
+              <a:buFont typeface="Wingdings" pitchFamily="2" charset="2"/>
+              <a:buChar char="§"/>
+            </a:pPr>
+            <a:endParaRPr lang="en-US" dirty="0">
+              <a:latin typeface="Calibri" panose="020F0502020204030204" pitchFamily="34" charset="0"/>
+            </a:endParaRPr>
+          </a:p>
+          <a:p>
+            <a:pPr>
+              <a:buFont typeface="Wingdings" pitchFamily="2" charset="2"/>
+              <a:buChar char="§"/>
+            </a:pPr>
+            <a:r>
+              <a:rPr lang="ru-RU" dirty="0">
+                <a:latin typeface="Calibri" panose="020F0502020204030204" pitchFamily="34" charset="0"/>
+              </a:rPr>
+              <a:t>  Таким образом, </a:t>
+            </a:r>
+            <a:r>
+              <a:rPr lang="ru-RU" dirty="0" err="1">
+                <a:latin typeface="Calibri" panose="020F0502020204030204" pitchFamily="34" charset="0"/>
+              </a:rPr>
+              <a:t>wrapper</a:t>
+            </a:r>
+            <a:r>
+              <a:rPr lang="ru-RU" dirty="0">
+                <a:latin typeface="Calibri" panose="020F0502020204030204" pitchFamily="34" charset="0"/>
+              </a:rPr>
+              <a:t> – это обёртка, фиксирующая контекст и передающая вызовы в </a:t>
+            </a:r>
+            <a:r>
+              <a:rPr lang="ru-RU" dirty="0" err="1">
+                <a:latin typeface="Calibri" panose="020F0502020204030204" pitchFamily="34" charset="0"/>
+              </a:rPr>
+              <a:t>func</a:t>
+            </a:r>
+            <a:r>
+              <a:rPr lang="ru-RU" dirty="0">
+                <a:latin typeface="Calibri" panose="020F0502020204030204" pitchFamily="34" charset="0"/>
+              </a:rPr>
+              <a:t>. </a:t>
+            </a:r>
+          </a:p>
+          <a:p>
+            <a:pPr>
+              <a:buFont typeface="Wingdings" pitchFamily="2" charset="2"/>
+              <a:buChar char="§"/>
+            </a:pPr>
+            <a:endParaRPr lang="ru-RU" dirty="0">
+              <a:latin typeface="Calibri" panose="020F0502020204030204" pitchFamily="34" charset="0"/>
+            </a:endParaRPr>
+          </a:p>
+          <a:p>
+            <a:endParaRPr lang="ru-RU" dirty="0">
+              <a:latin typeface="Calibri" panose="020F0502020204030204" pitchFamily="34" charset="0"/>
+            </a:endParaRPr>
+          </a:p>
+          <a:p>
+            <a:endParaRPr lang="en-US" dirty="0">
+              <a:latin typeface="Calibri" panose="020F0502020204030204" pitchFamily="34" charset="0"/>
+            </a:endParaRPr>
           </a:p>
         </p:txBody>
       </p:sp>
     </p:spTree>
     <p:extLst>
       <p:ext uri="{BB962C8B-B14F-4D97-AF65-F5344CB8AC3E}">
-        <p14:creationId xmlns="" xmlns:p14="http://schemas.microsoft.com/office/powerpoint/2010/main" val="9290874"/>
+        <p14:creationId xmlns:p14="http://schemas.microsoft.com/office/powerpoint/2010/main" val="9290874"/>
       </p:ext>
     </p:extLst>
   </p:cSld>
   <p:clrMapOvr>
     <a:masterClrMapping/>
   </p:clrMapOvr>
-  <p:timing>
-    <p:tnLst>
-      <p:par>
-        <p:cTn id="1" dur="indefinite" restart="never" nodeType="tmRoot"/>
-      </p:par>
-    </p:tnLst>
-  </p:timing>
 </p:sld>
 </file>
 
@@ -3870,20 +3799,14 @@
             <p:ph type="title"/>
           </p:nvPr>
         </p:nvSpPr>
-        <p:spPr>
-          <a:ln>
-            <a:solidFill>
-              <a:srgbClr val="7030A0"/>
-            </a:solidFill>
-          </a:ln>
-        </p:spPr>
+        <p:spPr/>
         <p:txBody>
           <a:bodyPr/>
           <a:lstStyle/>
           <a:p>
             <a:r>
-              <a:rPr lang="ru-RU" b="1" dirty="0" smtClean="0"/>
-              <a:t>Декораторы, функции-обертки</a:t>
+              <a:rPr lang="ru-RU" b="1" dirty="0" err="1"/>
+              <a:t>Карринг</a:t>
             </a:r>
             <a:endParaRPr lang="en-US" b="1" dirty="0"/>
           </a:p>
@@ -3891,14 +3814,14 @@
       </p:sp>
       <p:sp>
         <p:nvSpPr>
-          <p:cNvPr id="3" name="TextBox 2"/>
+          <p:cNvPr id="4" name="TextBox 3"/>
           <p:cNvSpPr txBox="1"/>
           <p:nvPr/>
         </p:nvSpPr>
         <p:spPr>
           <a:xfrm>
-            <a:off x="467544" y="1484784"/>
-            <a:ext cx="8064896" cy="4739759"/>
+            <a:off x="467544" y="1556792"/>
+            <a:ext cx="8280920" cy="5078313"/>
           </a:xfrm>
           <a:prstGeom prst="rect">
             <a:avLst/>
@@ -3913,80 +3836,210 @@
           <a:p>
             <a:pPr algn="just"/>
             <a:r>
-              <a:rPr lang="ru-RU" sz="2000" b="1" dirty="0" smtClean="0"/>
-              <a:t>Декоратор </a:t>
-            </a:r>
-            <a:r>
-              <a:rPr lang="ru-RU" sz="2000" dirty="0" smtClean="0"/>
-              <a:t>– приём программирования, который позволяет взять существующую функцию и изменить/расширить ее поведение.</a:t>
-            </a:r>
-          </a:p>
-          <a:p>
-            <a:pPr algn="just"/>
-            <a:r>
-              <a:rPr lang="ru-RU" sz="2000" dirty="0" smtClean="0"/>
+              <a:rPr lang="ru-RU" b="1" dirty="0" err="1">
+                <a:latin typeface="Calibri" panose="020F0502020204030204" pitchFamily="34" charset="0"/>
+              </a:rPr>
+              <a:t>Карринг</a:t>
+            </a:r>
+            <a:r>
+              <a:rPr lang="ru-RU" b="1" dirty="0">
+                <a:latin typeface="Calibri" panose="020F0502020204030204" pitchFamily="34" charset="0"/>
+              </a:rPr>
+              <a:t> (</a:t>
+            </a:r>
+            <a:r>
+              <a:rPr lang="ru-RU" b="1" dirty="0" err="1">
+                <a:latin typeface="Calibri" panose="020F0502020204030204" pitchFamily="34" charset="0"/>
+              </a:rPr>
+              <a:t>currying</a:t>
+            </a:r>
+            <a:r>
+              <a:rPr lang="ru-RU" b="1" dirty="0">
+                <a:latin typeface="Calibri" panose="020F0502020204030204" pitchFamily="34" charset="0"/>
+              </a:rPr>
+              <a:t>) </a:t>
+            </a:r>
+            <a:r>
+              <a:rPr lang="ru-RU" dirty="0">
+                <a:latin typeface="Calibri" panose="020F0502020204030204" pitchFamily="34" charset="0"/>
+              </a:rPr>
+              <a:t>или </a:t>
+            </a:r>
+            <a:r>
+              <a:rPr lang="ru-RU" b="1" dirty="0" err="1">
+                <a:latin typeface="Calibri" panose="020F0502020204030204" pitchFamily="34" charset="0"/>
+              </a:rPr>
+              <a:t>каррирование</a:t>
+            </a:r>
+            <a:r>
+              <a:rPr lang="ru-RU" dirty="0">
+                <a:latin typeface="Calibri" panose="020F0502020204030204" pitchFamily="34" charset="0"/>
+              </a:rPr>
+              <a:t> – термин функционального программирования, который означает создание новой функции путём фиксирования аргументов существующей. </a:t>
+            </a:r>
+          </a:p>
+          <a:p>
+            <a:endParaRPr lang="ru-RU" dirty="0">
+              <a:latin typeface="Calibri" panose="020F0502020204030204" pitchFamily="34" charset="0"/>
+            </a:endParaRPr>
+          </a:p>
+          <a:p>
+            <a:r>
+              <a:rPr lang="ru-RU" dirty="0">
+                <a:latin typeface="Calibri" panose="020F0502020204030204" pitchFamily="34" charset="0"/>
+              </a:rPr>
+              <a:t>Например</a:t>
+            </a:r>
+            <a:r>
+              <a:rPr lang="en-US" dirty="0">
+                <a:latin typeface="Calibri" panose="020F0502020204030204" pitchFamily="34" charset="0"/>
+              </a:rPr>
+              <a:t>:  </a:t>
+            </a:r>
+          </a:p>
+          <a:p>
+            <a:endParaRPr lang="en-US" dirty="0">
+              <a:latin typeface="Calibri" panose="020F0502020204030204" pitchFamily="34" charset="0"/>
+            </a:endParaRPr>
+          </a:p>
+          <a:p>
+            <a:endParaRPr lang="en-US" dirty="0">
+              <a:latin typeface="Calibri" panose="020F0502020204030204" pitchFamily="34" charset="0"/>
+            </a:endParaRPr>
+          </a:p>
+          <a:p>
+            <a:endParaRPr lang="ru-RU" dirty="0">
+              <a:latin typeface="Calibri" panose="020F0502020204030204" pitchFamily="34" charset="0"/>
+            </a:endParaRPr>
+          </a:p>
+          <a:p>
+            <a:endParaRPr lang="ru-RU" dirty="0">
+              <a:latin typeface="Calibri" panose="020F0502020204030204" pitchFamily="34" charset="0"/>
+            </a:endParaRPr>
+          </a:p>
+          <a:p>
+            <a:endParaRPr lang="ru-RU" dirty="0">
+              <a:latin typeface="Calibri" panose="020F0502020204030204" pitchFamily="34" charset="0"/>
+            </a:endParaRPr>
+          </a:p>
+          <a:p>
+            <a:endParaRPr lang="ru-RU" dirty="0">
+              <a:latin typeface="Calibri" panose="020F0502020204030204" pitchFamily="34" charset="0"/>
+            </a:endParaRPr>
+          </a:p>
+          <a:p>
+            <a:endParaRPr lang="ru-RU" dirty="0">
+              <a:latin typeface="Calibri" panose="020F0502020204030204" pitchFamily="34" charset="0"/>
+            </a:endParaRPr>
+          </a:p>
+          <a:p>
+            <a:endParaRPr lang="ru-RU" dirty="0">
+              <a:latin typeface="Calibri" panose="020F0502020204030204" pitchFamily="34" charset="0"/>
+            </a:endParaRPr>
+          </a:p>
+          <a:p>
+            <a:endParaRPr lang="ru-RU" dirty="0">
+              <a:latin typeface="Calibri" panose="020F0502020204030204" pitchFamily="34" charset="0"/>
+            </a:endParaRPr>
+          </a:p>
+          <a:p>
+            <a:endParaRPr lang="en-US" dirty="0">
+              <a:latin typeface="Calibri" panose="020F0502020204030204" pitchFamily="34" charset="0"/>
+            </a:endParaRPr>
+          </a:p>
+          <a:p>
+            <a:r>
+              <a:rPr lang="ru-RU" dirty="0">
+                <a:latin typeface="Calibri" panose="020F0502020204030204" pitchFamily="34" charset="0"/>
+              </a:rPr>
+              <a:t>Говорят, что </a:t>
+            </a:r>
+            <a:r>
+              <a:rPr lang="en-US" dirty="0">
+                <a:latin typeface="Calibri" panose="020F0502020204030204" pitchFamily="34" charset="0"/>
+              </a:rPr>
+              <a:t>triple</a:t>
+            </a:r>
+            <a:r>
+              <a:rPr lang="ru-RU" dirty="0">
+                <a:latin typeface="Calibri" panose="020F0502020204030204" pitchFamily="34" charset="0"/>
+              </a:rPr>
+              <a:t> является </a:t>
+            </a:r>
+            <a:r>
+              <a:rPr lang="ru-RU" b="1" dirty="0">
+                <a:latin typeface="Calibri" panose="020F0502020204030204" pitchFamily="34" charset="0"/>
+              </a:rPr>
+              <a:t>«частичной функцией» </a:t>
+            </a:r>
+            <a:r>
+              <a:rPr lang="ru-RU" dirty="0">
+                <a:latin typeface="Calibri" panose="020F0502020204030204" pitchFamily="34" charset="0"/>
+              </a:rPr>
+              <a:t>(</a:t>
+            </a:r>
+            <a:r>
+              <a:rPr lang="ru-RU" dirty="0" err="1">
+                <a:latin typeface="Calibri" panose="020F0502020204030204" pitchFamily="34" charset="0"/>
+              </a:rPr>
+              <a:t>partial</a:t>
+            </a:r>
+            <a:r>
+              <a:rPr lang="ru-RU" dirty="0">
+                <a:latin typeface="Calibri" panose="020F0502020204030204" pitchFamily="34" charset="0"/>
+              </a:rPr>
               <a:t> </a:t>
             </a:r>
-          </a:p>
-          <a:p>
-            <a:pPr algn="just"/>
-            <a:r>
-              <a:rPr lang="ru-RU" sz="2000" dirty="0" smtClean="0"/>
-              <a:t>Декоратор получает функцию и возвращает обертку, которая делает что-то своё «вокруг» вызова основной функции. </a:t>
-            </a:r>
-          </a:p>
-          <a:p>
-            <a:endParaRPr lang="ru-RU" sz="2000" dirty="0" smtClean="0"/>
-          </a:p>
-          <a:p>
-            <a:r>
-              <a:rPr lang="ru-RU" sz="2000" dirty="0" smtClean="0"/>
-              <a:t>Например</a:t>
-            </a:r>
-            <a:r>
-              <a:rPr lang="en-US" sz="2000" dirty="0" smtClean="0"/>
-              <a:t>: </a:t>
-            </a:r>
-          </a:p>
-          <a:p>
-            <a:endParaRPr lang="ru-RU" dirty="0" smtClean="0"/>
-          </a:p>
-          <a:p>
-            <a:endParaRPr lang="ru-RU" dirty="0" smtClean="0"/>
-          </a:p>
-          <a:p>
-            <a:endParaRPr lang="ru-RU" dirty="0" smtClean="0"/>
-          </a:p>
-          <a:p>
-            <a:endParaRPr lang="ru-RU" dirty="0" smtClean="0"/>
-          </a:p>
-          <a:p>
-            <a:endParaRPr lang="ru-RU" dirty="0" smtClean="0"/>
-          </a:p>
-          <a:p>
-            <a:endParaRPr lang="en-US" dirty="0" smtClean="0"/>
-          </a:p>
-          <a:p>
-            <a:endParaRPr lang="en-US" dirty="0" smtClean="0"/>
-          </a:p>
-          <a:p>
-            <a:endParaRPr lang="ru-RU" dirty="0" smtClean="0"/>
-          </a:p>
-          <a:p>
-            <a:endParaRPr lang="en-US" dirty="0"/>
-          </a:p>
-        </p:txBody>
-      </p:sp>
-      <p:sp>
-        <p:nvSpPr>
-          <p:cNvPr id="4" name="TextBox 3"/>
+            <a:r>
+              <a:rPr lang="ru-RU" dirty="0" err="1">
+                <a:latin typeface="Calibri" panose="020F0502020204030204" pitchFamily="34" charset="0"/>
+              </a:rPr>
+              <a:t>function</a:t>
+            </a:r>
+            <a:r>
+              <a:rPr lang="ru-RU" dirty="0">
+                <a:latin typeface="Calibri" panose="020F0502020204030204" pitchFamily="34" charset="0"/>
+              </a:rPr>
+              <a:t>) от </a:t>
+            </a:r>
+            <a:r>
+              <a:rPr lang="ru-RU" dirty="0" err="1">
+                <a:latin typeface="Calibri" panose="020F0502020204030204" pitchFamily="34" charset="0"/>
+              </a:rPr>
+              <a:t>mul</a:t>
+            </a:r>
+            <a:r>
+              <a:rPr lang="ru-RU" dirty="0">
+                <a:latin typeface="Calibri" panose="020F0502020204030204" pitchFamily="34" charset="0"/>
+              </a:rPr>
+              <a:t>.</a:t>
+            </a:r>
+            <a:endParaRPr lang="en-US" dirty="0">
+              <a:latin typeface="Calibri" panose="020F0502020204030204" pitchFamily="34" charset="0"/>
+            </a:endParaRPr>
+          </a:p>
+          <a:p>
+            <a:endParaRPr lang="en-US" dirty="0">
+              <a:latin typeface="Calibri" panose="020F0502020204030204" pitchFamily="34" charset="0"/>
+            </a:endParaRPr>
+          </a:p>
+          <a:p>
+            <a:endParaRPr lang="en-US" dirty="0">
+              <a:latin typeface="Calibri" panose="020F0502020204030204" pitchFamily="34" charset="0"/>
+            </a:endParaRPr>
+          </a:p>
+        </p:txBody>
+      </p:sp>
+      <p:sp>
+        <p:nvSpPr>
+          <p:cNvPr id="5" name="TextBox 4"/>
           <p:cNvSpPr txBox="1"/>
           <p:nvPr/>
         </p:nvSpPr>
         <p:spPr>
           <a:xfrm>
-            <a:off x="1043608" y="4149080"/>
-            <a:ext cx="4806572" cy="1477328"/>
+            <a:off x="1043608" y="3284984"/>
+            <a:ext cx="5688632" cy="2031325"/>
           </a:xfrm>
           <a:prstGeom prst="rect">
             <a:avLst/>
@@ -4007,54 +4060,147 @@
           </a:fontRef>
         </p:style>
         <p:txBody>
-          <a:bodyPr wrap="none" rtlCol="0">
+          <a:bodyPr wrap="square" rtlCol="0">
             <a:spAutoFit/>
           </a:bodyPr>
           <a:lstStyle/>
           <a:p>
             <a:r>
-              <a:rPr lang="en-US" dirty="0" smtClean="0"/>
-              <a:t>function bind(</a:t>
-            </a:r>
-            <a:r>
-              <a:rPr lang="en-US" dirty="0" err="1" smtClean="0"/>
-              <a:t>func</a:t>
-            </a:r>
-            <a:r>
-              <a:rPr lang="en-US" dirty="0" smtClean="0"/>
-              <a:t>, context) {</a:t>
-            </a:r>
-          </a:p>
-          <a:p>
-            <a:r>
-              <a:rPr lang="en-US" dirty="0" smtClean="0"/>
-              <a:t> return function() { </a:t>
-            </a:r>
-          </a:p>
-          <a:p>
-            <a:r>
-              <a:rPr lang="en-US" dirty="0" smtClean="0"/>
-              <a:t>	return </a:t>
-            </a:r>
-            <a:r>
-              <a:rPr lang="en-US" dirty="0" err="1" smtClean="0"/>
-              <a:t>func.apply</a:t>
-            </a:r>
-            <a:r>
-              <a:rPr lang="en-US" dirty="0" smtClean="0"/>
-              <a:t>(context, arguments); </a:t>
-            </a:r>
-          </a:p>
-          <a:p>
-            <a:r>
-              <a:rPr lang="en-US" dirty="0" smtClean="0"/>
-              <a:t>           }; </a:t>
-            </a:r>
-          </a:p>
-          <a:p>
-            <a:r>
-              <a:rPr lang="en-US" dirty="0" smtClean="0"/>
-              <a:t>} </a:t>
+              <a:rPr lang="en-US" dirty="0">
+                <a:solidFill>
+                  <a:srgbClr val="0070C0"/>
+                </a:solidFill>
+                <a:latin typeface="Calibri" panose="020F0502020204030204" pitchFamily="34" charset="0"/>
+              </a:rPr>
+              <a:t>function</a:t>
+            </a:r>
+            <a:r>
+              <a:rPr lang="en-US" dirty="0">
+                <a:latin typeface="Calibri" panose="020F0502020204030204" pitchFamily="34" charset="0"/>
+              </a:rPr>
+              <a:t> </a:t>
+            </a:r>
+            <a:r>
+              <a:rPr lang="en-US" dirty="0" err="1">
+                <a:latin typeface="Calibri" panose="020F0502020204030204" pitchFamily="34" charset="0"/>
+              </a:rPr>
+              <a:t>mul</a:t>
+            </a:r>
+            <a:r>
+              <a:rPr lang="en-US" dirty="0">
+                <a:latin typeface="Calibri" panose="020F0502020204030204" pitchFamily="34" charset="0"/>
+              </a:rPr>
+              <a:t>(a, b) { return a * b; };</a:t>
+            </a:r>
+          </a:p>
+          <a:p>
+            <a:endParaRPr lang="en-US" dirty="0">
+              <a:latin typeface="Calibri" panose="020F0502020204030204" pitchFamily="34" charset="0"/>
+            </a:endParaRPr>
+          </a:p>
+          <a:p>
+            <a:r>
+              <a:rPr lang="en-US" dirty="0" err="1">
+                <a:solidFill>
+                  <a:srgbClr val="0070C0"/>
+                </a:solidFill>
+                <a:latin typeface="Calibri" panose="020F0502020204030204" pitchFamily="34" charset="0"/>
+              </a:rPr>
+              <a:t>var</a:t>
+            </a:r>
+            <a:r>
+              <a:rPr lang="en-US" dirty="0">
+                <a:solidFill>
+                  <a:schemeClr val="accent1">
+                    <a:lumMod val="75000"/>
+                  </a:schemeClr>
+                </a:solidFill>
+                <a:latin typeface="Calibri" panose="020F0502020204030204" pitchFamily="34" charset="0"/>
+              </a:rPr>
+              <a:t> </a:t>
+            </a:r>
+            <a:r>
+              <a:rPr lang="en-US" dirty="0">
+                <a:latin typeface="Calibri" panose="020F0502020204030204" pitchFamily="34" charset="0"/>
+              </a:rPr>
+              <a:t>triple = </a:t>
+            </a:r>
+            <a:r>
+              <a:rPr lang="en-US" dirty="0" err="1">
+                <a:latin typeface="Calibri" panose="020F0502020204030204" pitchFamily="34" charset="0"/>
+              </a:rPr>
+              <a:t>mul.bind</a:t>
+            </a:r>
+            <a:r>
+              <a:rPr lang="en-US" dirty="0">
+                <a:latin typeface="Calibri" panose="020F0502020204030204" pitchFamily="34" charset="0"/>
+              </a:rPr>
+              <a:t>(null, 3); </a:t>
+            </a:r>
+          </a:p>
+          <a:p>
+            <a:endParaRPr lang="en-US" dirty="0">
+              <a:latin typeface="Calibri" panose="020F0502020204030204" pitchFamily="34" charset="0"/>
+            </a:endParaRPr>
+          </a:p>
+          <a:p>
+            <a:r>
+              <a:rPr lang="en-US" dirty="0">
+                <a:latin typeface="Calibri" panose="020F0502020204030204" pitchFamily="34" charset="0"/>
+              </a:rPr>
+              <a:t>alert( triple(3) ); // = </a:t>
+            </a:r>
+            <a:r>
+              <a:rPr lang="en-US" dirty="0" err="1">
+                <a:latin typeface="Calibri" panose="020F0502020204030204" pitchFamily="34" charset="0"/>
+              </a:rPr>
+              <a:t>mul</a:t>
+            </a:r>
+            <a:r>
+              <a:rPr lang="en-US" dirty="0">
+                <a:latin typeface="Calibri" panose="020F0502020204030204" pitchFamily="34" charset="0"/>
+              </a:rPr>
+              <a:t>(3, 3) = 9 </a:t>
+            </a:r>
+          </a:p>
+          <a:p>
+            <a:r>
+              <a:rPr lang="en-US" dirty="0">
+                <a:latin typeface="Calibri" panose="020F0502020204030204" pitchFamily="34" charset="0"/>
+              </a:rPr>
+              <a:t>alert( triple(4) ); // = </a:t>
+            </a:r>
+            <a:r>
+              <a:rPr lang="en-US" dirty="0" err="1">
+                <a:latin typeface="Calibri" panose="020F0502020204030204" pitchFamily="34" charset="0"/>
+              </a:rPr>
+              <a:t>mul</a:t>
+            </a:r>
+            <a:r>
+              <a:rPr lang="en-US" dirty="0">
+                <a:latin typeface="Calibri" panose="020F0502020204030204" pitchFamily="34" charset="0"/>
+              </a:rPr>
+              <a:t>(3, 4) = 12 </a:t>
+            </a:r>
+          </a:p>
+          <a:p>
+            <a:r>
+              <a:rPr lang="en-US" dirty="0">
+                <a:latin typeface="Calibri" panose="020F0502020204030204" pitchFamily="34" charset="0"/>
+              </a:rPr>
+              <a:t>alert( triple(5) ); // = </a:t>
+            </a:r>
+            <a:r>
+              <a:rPr lang="en-US" dirty="0" err="1">
+                <a:latin typeface="Calibri" panose="020F0502020204030204" pitchFamily="34" charset="0"/>
+              </a:rPr>
+              <a:t>mul</a:t>
+            </a:r>
+            <a:r>
+              <a:rPr lang="en-US" dirty="0">
+                <a:latin typeface="Calibri" panose="020F0502020204030204" pitchFamily="34" charset="0"/>
+              </a:rPr>
+              <a:t>(3, 5) = 15 </a:t>
             </a:r>
           </a:p>
         </p:txBody>
@@ -4062,20 +4208,13 @@
     </p:spTree>
     <p:extLst>
       <p:ext uri="{BB962C8B-B14F-4D97-AF65-F5344CB8AC3E}">
-        <p14:creationId xmlns="" xmlns:p14="http://schemas.microsoft.com/office/powerpoint/2010/main" val="9290874"/>
+        <p14:creationId xmlns:p14="http://schemas.microsoft.com/office/powerpoint/2010/main" val="9290874"/>
       </p:ext>
     </p:extLst>
   </p:cSld>
   <p:clrMapOvr>
     <a:masterClrMapping/>
   </p:clrMapOvr>
-  <p:timing>
-    <p:tnLst>
-      <p:par>
-        <p:cTn id="1" dur="indefinite" restart="never" nodeType="tmRoot"/>
-      </p:par>
-    </p:tnLst>
-  </p:timing>
 </p:sld>
 </file>
 

--- a/JS/004_lesson/Presentation/Context_this.pptx
+++ b/JS/004_lesson/Presentation/Context_this.pptx
@@ -7,9 +7,9 @@
   <p:sldIdLst>
     <p:sldId id="257" r:id="rId2"/>
     <p:sldId id="258" r:id="rId3"/>
-    <p:sldId id="261" r:id="rId4"/>
-    <p:sldId id="259" r:id="rId5"/>
-    <p:sldId id="260" r:id="rId6"/>
+    <p:sldId id="259" r:id="rId4"/>
+    <p:sldId id="260" r:id="rId5"/>
+    <p:sldId id="261" r:id="rId6"/>
   </p:sldIdLst>
   <p:sldSz cx="9144000" cy="6858000" type="screen4x3"/>
   <p:notesSz cx="6858000" cy="9144000"/>
@@ -108,22 +108,6 @@
       </a:defRPr>
     </a:lvl9pPr>
   </p:defaultTextStyle>
-  <p:extLst>
-    <p:ext uri="{EFAFB233-063F-42B5-8137-9DF3F51BA10A}">
-      <p15:sldGuideLst xmlns:p15="http://schemas.microsoft.com/office/powerpoint/2012/main">
-        <p15:guide id="1" orient="horz" pos="2160">
-          <p15:clr>
-            <a:srgbClr val="A4A3A4"/>
-          </p15:clr>
-        </p15:guide>
-        <p15:guide id="2" pos="2880">
-          <p15:clr>
-            <a:srgbClr val="A4A3A4"/>
-          </p15:clr>
-        </p15:guide>
-      </p15:sldGuideLst>
-    </p:ext>
-  </p:extLst>
 </p:presentation>
 </file>
 
@@ -182,9 +166,10 @@
           </a:lstStyle>
           <a:p>
             <a:r>
-              <a:rPr lang="en-US" dirty="0"/>
+              <a:rPr lang="en-US" dirty="0" smtClean="0"/>
               <a:t>title style</a:t>
             </a:r>
+            <a:endParaRPr lang="en-US" dirty="0"/>
           </a:p>
         </p:txBody>
       </p:sp>
@@ -304,7 +289,7 @@
           </a:lstStyle>
           <a:p>
             <a:r>
-              <a:rPr lang="ru-RU"/>
+              <a:rPr lang="ru-RU" smtClean="0"/>
               <a:t>Образец подзаголовка</a:t>
             </a:r>
             <a:endParaRPr lang="en-US" dirty="0"/>
@@ -633,13 +618,20 @@
     </p:spTree>
     <p:extLst>
       <p:ext uri="{BB962C8B-B14F-4D97-AF65-F5344CB8AC3E}">
-        <p14:creationId xmlns:p14="http://schemas.microsoft.com/office/powerpoint/2010/main" val="3537187278"/>
+        <p14:creationId xmlns="" xmlns:p14="http://schemas.microsoft.com/office/powerpoint/2010/main" val="3537187278"/>
       </p:ext>
     </p:extLst>
   </p:cSld>
   <p:clrMapOvr>
     <a:overrideClrMapping bg1="lt1" tx1="dk1" bg2="lt2" tx2="dk2" accent1="accent1" accent2="accent2" accent3="accent3" accent4="accent4" accent5="accent5" accent6="accent6" hlink="hlink" folHlink="folHlink"/>
   </p:clrMapOvr>
+  <p:timing>
+    <p:tnLst>
+      <p:par>
+        <p:cTn id="1" dur="indefinite" restart="never" nodeType="tmRoot"/>
+      </p:par>
+    </p:tnLst>
+  </p:timing>
 </p:sldLayout>
 </file>
 
@@ -672,7 +664,7 @@
           <a:blip r:embed="rId2" cstate="print">
             <a:extLst>
               <a:ext uri="{28A0092B-C50C-407E-A947-70E740481C1C}">
-                <a14:useLocalDpi xmlns:a14="http://schemas.microsoft.com/office/drawing/2010/main" val="0"/>
+                <a14:useLocalDpi xmlns="" xmlns:a14="http://schemas.microsoft.com/office/drawing/2010/main" val="0"/>
               </a:ext>
             </a:extLst>
           </a:blip>
@@ -696,14 +688,14 @@
           <a:effectLst/>
           <a:extLst>
             <a:ext uri="{909E8E84-426E-40DD-AFC4-6F175D3DCCD1}">
-              <a14:hiddenFill xmlns:a14="http://schemas.microsoft.com/office/drawing/2010/main">
+              <a14:hiddenFill xmlns="" xmlns:a14="http://schemas.microsoft.com/office/drawing/2010/main">
                 <a:solidFill>
                   <a:schemeClr val="accent1"/>
                 </a:solidFill>
               </a14:hiddenFill>
             </a:ext>
             <a:ext uri="{91240B29-F687-4F45-9708-019B960494DF}">
-              <a14:hiddenLine xmlns:a14="http://schemas.microsoft.com/office/drawing/2010/main" w="9525">
+              <a14:hiddenLine xmlns="" xmlns:a14="http://schemas.microsoft.com/office/drawing/2010/main" w="9525">
                 <a:solidFill>
                   <a:schemeClr val="tx1"/>
                 </a:solidFill>
@@ -713,7 +705,7 @@
               </a14:hiddenLine>
             </a:ext>
             <a:ext uri="{AF507438-7753-43E0-B8FC-AC1667EBCBE1}">
-              <a14:hiddenEffects xmlns:a14="http://schemas.microsoft.com/office/drawing/2010/main">
+              <a14:hiddenEffects xmlns="" xmlns:a14="http://schemas.microsoft.com/office/drawing/2010/main">
                 <a:effectLst>
                   <a:outerShdw dist="35921" dir="2700000" algn="ctr" rotWithShape="0">
                     <a:schemeClr val="bg2"/>
@@ -808,7 +800,7 @@
           </a:lstStyle>
           <a:p>
             <a:r>
-              <a:rPr lang="ru-RU"/>
+              <a:rPr lang="ru-RU" smtClean="0"/>
               <a:t>Образец заголовка</a:t>
             </a:r>
             <a:endParaRPr lang="en-US" dirty="0"/>
@@ -845,7 +837,7 @@
           <a:p>
             <a:pPr lvl="4"/>
             <a:r>
-              <a:rPr lang="en-US" dirty="0"/>
+              <a:rPr lang="en-US" dirty="0" smtClean="0"/>
               <a:t>Subtitle</a:t>
             </a:r>
           </a:p>
@@ -854,13 +846,20 @@
     </p:spTree>
     <p:extLst>
       <p:ext uri="{BB962C8B-B14F-4D97-AF65-F5344CB8AC3E}">
-        <p14:creationId xmlns:p14="http://schemas.microsoft.com/office/powerpoint/2010/main" val="2097366919"/>
+        <p14:creationId xmlns="" xmlns:p14="http://schemas.microsoft.com/office/powerpoint/2010/main" val="2097366919"/>
       </p:ext>
     </p:extLst>
   </p:cSld>
   <p:clrMapOvr>
     <a:masterClrMapping/>
   </p:clrMapOvr>
+  <p:timing>
+    <p:tnLst>
+      <p:par>
+        <p:cTn id="1" dur="indefinite" restart="never" nodeType="tmRoot"/>
+      </p:par>
+    </p:tnLst>
+  </p:timing>
 </p:sldLayout>
 </file>
 
@@ -919,9 +918,10 @@
           </a:lstStyle>
           <a:p>
             <a:r>
-              <a:rPr lang="en-US" dirty="0"/>
+              <a:rPr lang="en-US" dirty="0" smtClean="0"/>
               <a:t>title style</a:t>
             </a:r>
+            <a:endParaRPr lang="en-US" dirty="0"/>
           </a:p>
         </p:txBody>
       </p:sp>
@@ -1041,9 +1041,10 @@
           </a:lstStyle>
           <a:p>
             <a:r>
-              <a:rPr lang="en-US" dirty="0"/>
+              <a:rPr lang="en-US" dirty="0" smtClean="0"/>
               <a:t>Click to edit Master subtitle style</a:t>
             </a:r>
+            <a:endParaRPr lang="en-US" dirty="0"/>
           </a:p>
         </p:txBody>
       </p:sp>
@@ -1369,13 +1370,20 @@
     </p:spTree>
     <p:extLst>
       <p:ext uri="{BB962C8B-B14F-4D97-AF65-F5344CB8AC3E}">
-        <p14:creationId xmlns:p14="http://schemas.microsoft.com/office/powerpoint/2010/main" val="3537187278"/>
+        <p14:creationId xmlns="" xmlns:p14="http://schemas.microsoft.com/office/powerpoint/2010/main" val="3537187278"/>
       </p:ext>
     </p:extLst>
   </p:cSld>
   <p:clrMapOvr>
     <a:overrideClrMapping bg1="lt1" tx1="dk1" bg2="lt2" tx2="dk2" accent1="accent1" accent2="accent2" accent3="accent3" accent4="accent4" accent5="accent5" accent6="accent6" hlink="hlink" folHlink="folHlink"/>
   </p:clrMapOvr>
+  <p:timing>
+    <p:tnLst>
+      <p:par>
+        <p:cTn id="1" dur="indefinite" restart="never" nodeType="tmRoot"/>
+      </p:par>
+    </p:tnLst>
+  </p:timing>
 </p:sldLayout>
 </file>
 
@@ -1408,7 +1416,7 @@
           <a:blip r:embed="rId2" cstate="print">
             <a:extLst>
               <a:ext uri="{28A0092B-C50C-407E-A947-70E740481C1C}">
-                <a14:useLocalDpi xmlns:a14="http://schemas.microsoft.com/office/drawing/2010/main" val="0"/>
+                <a14:useLocalDpi xmlns="" xmlns:a14="http://schemas.microsoft.com/office/drawing/2010/main" val="0"/>
               </a:ext>
             </a:extLst>
           </a:blip>
@@ -1432,14 +1440,14 @@
           <a:effectLst/>
           <a:extLst>
             <a:ext uri="{909E8E84-426E-40DD-AFC4-6F175D3DCCD1}">
-              <a14:hiddenFill xmlns:a14="http://schemas.microsoft.com/office/drawing/2010/main">
+              <a14:hiddenFill xmlns="" xmlns:a14="http://schemas.microsoft.com/office/drawing/2010/main">
                 <a:solidFill>
                   <a:schemeClr val="accent1"/>
                 </a:solidFill>
               </a14:hiddenFill>
             </a:ext>
             <a:ext uri="{91240B29-F687-4F45-9708-019B960494DF}">
-              <a14:hiddenLine xmlns:a14="http://schemas.microsoft.com/office/drawing/2010/main" w="9525">
+              <a14:hiddenLine xmlns="" xmlns:a14="http://schemas.microsoft.com/office/drawing/2010/main" w="9525">
                 <a:solidFill>
                   <a:schemeClr val="tx1"/>
                 </a:solidFill>
@@ -1449,7 +1457,7 @@
               </a14:hiddenLine>
             </a:ext>
             <a:ext uri="{AF507438-7753-43E0-B8FC-AC1667EBCBE1}">
-              <a14:hiddenEffects xmlns:a14="http://schemas.microsoft.com/office/drawing/2010/main">
+              <a14:hiddenEffects xmlns="" xmlns:a14="http://schemas.microsoft.com/office/drawing/2010/main">
                 <a:effectLst>
                   <a:outerShdw dist="35921" dir="2700000" algn="ctr" rotWithShape="0">
                     <a:schemeClr val="bg2"/>
@@ -1544,9 +1552,10 @@
           </a:lstStyle>
           <a:p>
             <a:r>
-              <a:rPr lang="en-US" dirty="0"/>
+              <a:rPr lang="en-US" dirty="0" smtClean="0"/>
               <a:t>Click to edit Master title style</a:t>
             </a:r>
+            <a:endParaRPr lang="en-US" dirty="0"/>
           </a:p>
         </p:txBody>
       </p:sp>
@@ -1580,7 +1589,7 @@
           <a:p>
             <a:pPr lvl="4"/>
             <a:r>
-              <a:rPr lang="en-US" dirty="0"/>
+              <a:rPr lang="en-US" dirty="0" smtClean="0"/>
               <a:t>Subtitle</a:t>
             </a:r>
           </a:p>
@@ -1589,13 +1598,20 @@
     </p:spTree>
     <p:extLst>
       <p:ext uri="{BB962C8B-B14F-4D97-AF65-F5344CB8AC3E}">
-        <p14:creationId xmlns:p14="http://schemas.microsoft.com/office/powerpoint/2010/main" val="2097366919"/>
+        <p14:creationId xmlns="" xmlns:p14="http://schemas.microsoft.com/office/powerpoint/2010/main" val="2097366919"/>
       </p:ext>
     </p:extLst>
   </p:cSld>
   <p:clrMapOvr>
     <a:masterClrMapping/>
   </p:clrMapOvr>
+  <p:timing>
+    <p:tnLst>
+      <p:par>
+        <p:cTn id="1" dur="indefinite" restart="never" nodeType="tmRoot"/>
+      </p:par>
+    </p:tnLst>
+  </p:timing>
 </p:sldLayout>
 </file>
 
@@ -1647,7 +1663,7 @@
           <a:lstStyle/>
           <a:p>
             <a:r>
-              <a:rPr lang="ru-RU"/>
+              <a:rPr lang="ru-RU" smtClean="0"/>
               <a:t>Образец заголовка</a:t>
             </a:r>
             <a:endParaRPr lang="en-US"/>
@@ -1657,7 +1673,7 @@
     </p:spTree>
     <p:extLst>
       <p:ext uri="{BB962C8B-B14F-4D97-AF65-F5344CB8AC3E}">
-        <p14:creationId xmlns:p14="http://schemas.microsoft.com/office/powerpoint/2010/main" val="779007194"/>
+        <p14:creationId xmlns="" xmlns:p14="http://schemas.microsoft.com/office/powerpoint/2010/main" val="779007194"/>
       </p:ext>
     </p:extLst>
   </p:cSld>
@@ -1668,6 +1684,13 @@
     <p:sldLayoutId id="2147483665" r:id="rId3"/>
     <p:sldLayoutId id="2147483666" r:id="rId4"/>
   </p:sldLayoutIdLst>
+  <p:timing>
+    <p:tnLst>
+      <p:par>
+        <p:cTn id="1" dur="indefinite" restart="never" nodeType="tmRoot"/>
+      </p:par>
+    </p:tnLst>
+  </p:timing>
   <p:txStyles>
     <p:titleStyle>
       <a:lvl1pPr algn="ctr" defTabSz="914400" rtl="0" eaLnBrk="1" latinLnBrk="0" hangingPunct="1">
@@ -1982,7 +2005,9 @@
           <a:lstStyle/>
           <a:p>
             <a:pPr algn="ctr"/>
-            <a:endParaRPr lang="en-US" dirty="0"/>
+            <a:endParaRPr lang="en-US" dirty="0">
+              <a:latin typeface="Calibri" pitchFamily="34" charset="0"/>
+            </a:endParaRPr>
           </a:p>
         </p:txBody>
       </p:sp>
@@ -2009,11 +2034,11 @@
           <a:lstStyle/>
           <a:p>
             <a:r>
-              <a:rPr lang="ru-RU" sz="2700" dirty="0">
+              <a:rPr lang="ru-RU" sz="2700" dirty="0" smtClean="0">
                 <a:solidFill>
                   <a:schemeClr val="bg1"/>
                 </a:solidFill>
-                <a:latin typeface="Roboto Thin" panose="02000000000000000000" pitchFamily="2" charset="0"/>
+                <a:latin typeface="Calibri" pitchFamily="34" charset="0"/>
                 <a:ea typeface="Roboto Thin" panose="02000000000000000000" pitchFamily="2" charset="0"/>
                 <a:cs typeface="Roboto Thin" panose="02000000000000000000" pitchFamily="2" charset="0"/>
               </a:rPr>
@@ -2023,7 +2048,7 @@
               <a:solidFill>
                 <a:srgbClr val="7564BC"/>
               </a:solidFill>
-              <a:latin typeface="Roboto Thin" panose="02000000000000000000" pitchFamily="2" charset="0"/>
+              <a:latin typeface="Calibri" pitchFamily="34" charset="0"/>
               <a:ea typeface="Roboto Thin" panose="02000000000000000000" pitchFamily="2" charset="0"/>
               <a:cs typeface="Roboto Thin" panose="02000000000000000000" pitchFamily="2" charset="0"/>
             </a:endParaRPr>
@@ -2208,19 +2233,30 @@
           </a:lstStyle>
           <a:p>
             <a:r>
-              <a:rPr lang="en-US" sz="2700" dirty="0">
+              <a:rPr lang="en-US" sz="2700" dirty="0" smtClean="0">
                 <a:solidFill>
                   <a:schemeClr val="tx1">
                     <a:lumMod val="90000"/>
                     <a:lumOff val="10000"/>
                   </a:schemeClr>
                 </a:solidFill>
-                <a:latin typeface="Roboto Light" panose="02000000000000000000" pitchFamily="2" charset="0"/>
+                <a:latin typeface="Calibri" pitchFamily="34" charset="0"/>
                 <a:ea typeface="Roboto Light" panose="02000000000000000000" pitchFamily="2" charset="0"/>
                 <a:cs typeface="Roboto Light" panose="02000000000000000000" pitchFamily="2" charset="0"/>
               </a:rPr>
               <a:t>The JavaScript Programming Language</a:t>
             </a:r>
+            <a:endParaRPr lang="en-US" sz="2700" dirty="0">
+              <a:solidFill>
+                <a:schemeClr val="tx1">
+                  <a:lumMod val="90000"/>
+                  <a:lumOff val="10000"/>
+                </a:schemeClr>
+              </a:solidFill>
+              <a:latin typeface="Calibri" pitchFamily="34" charset="0"/>
+              <a:ea typeface="Roboto Light" panose="02000000000000000000" pitchFamily="2" charset="0"/>
+              <a:cs typeface="Roboto Light" panose="02000000000000000000" pitchFamily="2" charset="0"/>
+            </a:endParaRPr>
           </a:p>
         </p:txBody>
       </p:sp>
@@ -2236,7 +2272,7 @@
           <a:blip r:embed="rId2" cstate="print">
             <a:extLst>
               <a:ext uri="{28A0092B-C50C-407E-A947-70E740481C1C}">
-                <a14:useLocalDpi xmlns:a14="http://schemas.microsoft.com/office/drawing/2010/main" val="0"/>
+                <a14:useLocalDpi xmlns="" xmlns:a14="http://schemas.microsoft.com/office/drawing/2010/main" val="0"/>
               </a:ext>
             </a:extLst>
           </a:blip>
@@ -2256,7 +2292,7 @@
           <a:noFill/>
           <a:extLst>
             <a:ext uri="{909E8E84-426E-40DD-AFC4-6F175D3DCCD1}">
-              <a14:hiddenFill xmlns:a14="http://schemas.microsoft.com/office/drawing/2010/main">
+              <a14:hiddenFill xmlns="" xmlns:a14="http://schemas.microsoft.com/office/drawing/2010/main">
                 <a:solidFill>
                   <a:srgbClr val="FFFFFF"/>
                 </a:solidFill>
@@ -2288,30 +2324,39 @@
           <a:lstStyle/>
           <a:p>
             <a:r>
-              <a:rPr lang="ru-RU" sz="4400" dirty="0">
+              <a:rPr lang="ru-RU" sz="4400" dirty="0" smtClean="0">
                 <a:solidFill>
                   <a:srgbClr val="7564BC"/>
                 </a:solidFill>
-                <a:latin typeface="Roboto Black" panose="02000000000000000000" pitchFamily="2" charset="0"/>
+                <a:latin typeface="Calibri" pitchFamily="34" charset="0"/>
                 <a:ea typeface="Roboto Black" panose="02000000000000000000" pitchFamily="2" charset="0"/>
                 <a:cs typeface="Roboto Black" panose="02000000000000000000" pitchFamily="2" charset="0"/>
               </a:rPr>
               <a:t>Контекст вызова.</a:t>
             </a:r>
-            <a:endParaRPr lang="en-US" dirty="0"/>
+            <a:endParaRPr lang="en-US" dirty="0">
+              <a:latin typeface="Calibri" pitchFamily="34" charset="0"/>
+            </a:endParaRPr>
           </a:p>
         </p:txBody>
       </p:sp>
     </p:spTree>
     <p:extLst>
       <p:ext uri="{BB962C8B-B14F-4D97-AF65-F5344CB8AC3E}">
-        <p14:creationId xmlns:p14="http://schemas.microsoft.com/office/powerpoint/2010/main" val="3436223543"/>
+        <p14:creationId xmlns="" xmlns:p14="http://schemas.microsoft.com/office/powerpoint/2010/main" val="3436223543"/>
       </p:ext>
     </p:extLst>
   </p:cSld>
   <p:clrMapOvr>
     <a:masterClrMapping/>
   </p:clrMapOvr>
+  <p:timing>
+    <p:tnLst>
+      <p:par>
+        <p:cTn id="1" dur="indefinite" restart="never" nodeType="tmRoot"/>
+      </p:par>
+    </p:tnLst>
+  </p:timing>
 </p:sld>
 </file>
 
@@ -2354,21 +2399,32 @@
           <a:lstStyle/>
           <a:p>
             <a:r>
-              <a:rPr lang="ru-RU" sz="2800" b="1" dirty="0"/>
-              <a:t>Методы </a:t>
-            </a:r>
-            <a:r>
-              <a:rPr lang="en-US" sz="2800" b="1" dirty="0"/>
-              <a:t>"call"</a:t>
-            </a:r>
-            <a:r>
-              <a:rPr lang="ru-RU" sz="2800" b="1" dirty="0"/>
-              <a:t> и</a:t>
-            </a:r>
-            <a:r>
-              <a:rPr lang="en-US" sz="2800" b="1" dirty="0"/>
-              <a:t> "apply"</a:t>
-            </a:r>
+              <a:rPr lang="en-US" sz="2800" dirty="0" err="1" smtClean="0">
+                <a:latin typeface="Calibri" pitchFamily="34" charset="0"/>
+              </a:rPr>
+              <a:t>Явное</a:t>
+            </a:r>
+            <a:r>
+              <a:rPr lang="en-US" sz="2800" dirty="0" smtClean="0">
+                <a:latin typeface="Calibri" pitchFamily="34" charset="0"/>
+              </a:rPr>
+              <a:t> </a:t>
+            </a:r>
+            <a:r>
+              <a:rPr lang="en-US" sz="2800" dirty="0" err="1" smtClean="0">
+                <a:latin typeface="Calibri" pitchFamily="34" charset="0"/>
+              </a:rPr>
+              <a:t>указание</a:t>
+            </a:r>
+            <a:r>
+              <a:rPr lang="en-US" sz="2800" dirty="0" smtClean="0">
+                <a:latin typeface="Calibri" pitchFamily="34" charset="0"/>
+              </a:rPr>
+              <a:t> this: "call", "apply"</a:t>
+            </a:r>
+            <a:endParaRPr lang="en-US" sz="2800" dirty="0">
+              <a:latin typeface="Calibri" pitchFamily="34" charset="0"/>
+            </a:endParaRPr>
           </a:p>
         </p:txBody>
       </p:sp>
@@ -2411,7 +2467,9 @@
           <a:lstStyle/>
           <a:p>
             <a:pPr algn="ctr"/>
-            <a:endParaRPr lang="en-US"/>
+            <a:endParaRPr lang="en-US">
+              <a:latin typeface="Calibri" pitchFamily="34" charset="0"/>
+            </a:endParaRPr>
           </a:p>
         </p:txBody>
       </p:sp>
@@ -2454,7 +2512,9 @@
           <a:lstStyle/>
           <a:p>
             <a:pPr algn="ctr"/>
-            <a:endParaRPr lang="en-US"/>
+            <a:endParaRPr lang="en-US">
+              <a:latin typeface="Calibri" pitchFamily="34" charset="0"/>
+            </a:endParaRPr>
           </a:p>
         </p:txBody>
       </p:sp>
@@ -2481,17 +2541,26 @@
           <a:lstStyle/>
           <a:p>
             <a:r>
-              <a:rPr lang="en-US" b="1" dirty="0"/>
+              <a:rPr lang="en-US" b="1" dirty="0" smtClean="0">
+                <a:latin typeface="Calibri" pitchFamily="34" charset="0"/>
+              </a:rPr>
               <a:t>               </a:t>
             </a:r>
             <a:r>
-              <a:rPr lang="ru-RU" b="1" dirty="0"/>
+              <a:rPr lang="ru-RU" b="1" dirty="0" smtClean="0">
+                <a:latin typeface="Calibri" pitchFamily="34" charset="0"/>
+              </a:rPr>
               <a:t>Метод </a:t>
             </a:r>
             <a:r>
-              <a:rPr lang="en-US" b="1" dirty="0"/>
+              <a:rPr lang="en-US" b="1" dirty="0" smtClean="0">
+                <a:latin typeface="Calibri" pitchFamily="34" charset="0"/>
+              </a:rPr>
               <a:t>call</a:t>
             </a:r>
+            <a:endParaRPr lang="en-US" b="1" dirty="0">
+              <a:latin typeface="Calibri" pitchFamily="34" charset="0"/>
+            </a:endParaRPr>
           </a:p>
         </p:txBody>
       </p:sp>
@@ -2518,17 +2587,26 @@
           <a:lstStyle/>
           <a:p>
             <a:r>
-              <a:rPr lang="en-US" b="1" dirty="0"/>
+              <a:rPr lang="en-US" b="1" dirty="0" smtClean="0">
+                <a:latin typeface="Calibri" pitchFamily="34" charset="0"/>
+              </a:rPr>
               <a:t>	</a:t>
             </a:r>
             <a:r>
-              <a:rPr lang="ru-RU" b="1" dirty="0"/>
+              <a:rPr lang="ru-RU" b="1" dirty="0" smtClean="0">
+                <a:latin typeface="Calibri" pitchFamily="34" charset="0"/>
+              </a:rPr>
               <a:t>Метод </a:t>
             </a:r>
             <a:r>
-              <a:rPr lang="en-US" b="1" dirty="0"/>
+              <a:rPr lang="en-US" b="1" dirty="0" smtClean="0">
+                <a:latin typeface="Calibri" pitchFamily="34" charset="0"/>
+              </a:rPr>
               <a:t>apply</a:t>
             </a:r>
+            <a:endParaRPr lang="en-US" b="1" dirty="0">
+              <a:latin typeface="Calibri" pitchFamily="34" charset="0"/>
+            </a:endParaRPr>
           </a:p>
         </p:txBody>
       </p:sp>
@@ -2541,7 +2619,7 @@
         <p:spPr>
           <a:xfrm>
             <a:off x="611560" y="2564904"/>
-            <a:ext cx="3456384" cy="369332"/>
+            <a:ext cx="3240360" cy="369332"/>
           </a:xfrm>
           <a:prstGeom prst="rect">
             <a:avLst/>
@@ -2568,36 +2646,60 @@
           <a:lstStyle/>
           <a:p>
             <a:r>
-              <a:rPr lang="en-US" dirty="0" err="1">
-                <a:latin typeface="Calibri" panose="020F0502020204030204" pitchFamily="34" charset="0"/>
+              <a:rPr lang="en-US" dirty="0" err="1" smtClean="0">
+                <a:latin typeface="Calibri" pitchFamily="34" charset="0"/>
               </a:rPr>
               <a:t>func.</a:t>
             </a:r>
             <a:r>
-              <a:rPr lang="en-US" dirty="0" err="1">
+              <a:rPr lang="en-US" dirty="0" err="1" smtClean="0">
                 <a:solidFill>
                   <a:schemeClr val="accent1">
                     <a:lumMod val="75000"/>
                   </a:schemeClr>
                 </a:solidFill>
-                <a:latin typeface="Calibri" panose="020F0502020204030204" pitchFamily="34" charset="0"/>
+                <a:latin typeface="Calibri" pitchFamily="34" charset="0"/>
               </a:rPr>
               <a:t>call</a:t>
             </a:r>
             <a:r>
-              <a:rPr lang="en-US" dirty="0">
-                <a:latin typeface="Calibri" panose="020F0502020204030204" pitchFamily="34" charset="0"/>
-              </a:rPr>
-              <a:t>(context, arg1, arg2, ...)</a:t>
-            </a:r>
-            <a:r>
-              <a:rPr lang="ru-RU" dirty="0">
-                <a:latin typeface="Calibri" panose="020F0502020204030204" pitchFamily="34" charset="0"/>
+              <a:rPr lang="en-US" dirty="0" smtClean="0">
+                <a:latin typeface="Calibri" pitchFamily="34" charset="0"/>
+              </a:rPr>
+              <a:t>(context, </a:t>
+            </a:r>
+            <a:r>
+              <a:rPr lang="en-US" dirty="0" err="1" smtClean="0">
+                <a:latin typeface="Calibri" pitchFamily="34" charset="0"/>
+              </a:rPr>
+              <a:t>arg1</a:t>
+            </a:r>
+            <a:r>
+              <a:rPr lang="en-US" dirty="0" smtClean="0">
+                <a:latin typeface="Calibri" pitchFamily="34" charset="0"/>
+              </a:rPr>
+              <a:t>, </a:t>
+            </a:r>
+            <a:r>
+              <a:rPr lang="en-US" dirty="0" err="1" smtClean="0">
+                <a:latin typeface="Calibri" pitchFamily="34" charset="0"/>
+              </a:rPr>
+              <a:t>arg2</a:t>
+            </a:r>
+            <a:r>
+              <a:rPr lang="en-US" dirty="0" smtClean="0">
+                <a:latin typeface="Calibri" pitchFamily="34" charset="0"/>
+              </a:rPr>
+              <a:t>, ...)</a:t>
+            </a:r>
+            <a:r>
+              <a:rPr lang="ru-RU" dirty="0" smtClean="0">
+                <a:latin typeface="Calibri" pitchFamily="34" charset="0"/>
               </a:rPr>
               <a:t> </a:t>
             </a:r>
             <a:endParaRPr lang="en-US" dirty="0">
-              <a:latin typeface="Calibri" panose="020F0502020204030204" pitchFamily="34" charset="0"/>
+              <a:latin typeface="Calibri" pitchFamily="34" charset="0"/>
             </a:endParaRPr>
           </a:p>
         </p:txBody>
@@ -2624,7 +2726,9 @@
           </a:bodyPr>
           <a:lstStyle/>
           <a:p>
-            <a:endParaRPr lang="en-US" dirty="0"/>
+            <a:endParaRPr lang="en-US" dirty="0">
+              <a:latin typeface="Calibri" pitchFamily="34" charset="0"/>
+            </a:endParaRPr>
           </a:p>
         </p:txBody>
       </p:sp>
@@ -2636,8 +2740,8 @@
         </p:nvSpPr>
         <p:spPr>
           <a:xfrm>
-            <a:off x="4788024" y="2564904"/>
-            <a:ext cx="3744416" cy="369332"/>
+            <a:off x="5004048" y="2564904"/>
+            <a:ext cx="3528392" cy="369332"/>
           </a:xfrm>
           <a:prstGeom prst="rect">
             <a:avLst/>
@@ -2664,39 +2768,66 @@
           <a:lstStyle/>
           <a:p>
             <a:r>
-              <a:rPr lang="en-US" dirty="0" err="1">
-                <a:latin typeface="Calibri" panose="020F0502020204030204" pitchFamily="34" charset="0"/>
+              <a:rPr lang="en-US" dirty="0" err="1" smtClean="0">
+                <a:latin typeface="Calibri" pitchFamily="34" charset="0"/>
               </a:rPr>
               <a:t>func.</a:t>
             </a:r>
             <a:r>
-              <a:rPr lang="en-US" dirty="0" err="1">
+              <a:rPr lang="en-US" dirty="0" err="1" smtClean="0">
                 <a:solidFill>
                   <a:schemeClr val="accent1">
                     <a:lumMod val="75000"/>
                   </a:schemeClr>
                 </a:solidFill>
-                <a:latin typeface="Calibri" panose="020F0502020204030204" pitchFamily="34" charset="0"/>
+                <a:latin typeface="Calibri" pitchFamily="34" charset="0"/>
               </a:rPr>
               <a:t>apply</a:t>
             </a:r>
             <a:r>
-              <a:rPr lang="en-US" dirty="0">
+              <a:rPr lang="en-US" dirty="0" smtClean="0">
                 <a:solidFill>
                   <a:schemeClr val="accent1">
                     <a:lumMod val="75000"/>
                   </a:schemeClr>
                 </a:solidFill>
-                <a:latin typeface="Calibri" panose="020F0502020204030204" pitchFamily="34" charset="0"/>
+                <a:latin typeface="Calibri" pitchFamily="34" charset="0"/>
               </a:rPr>
               <a:t>(</a:t>
             </a:r>
             <a:r>
-              <a:rPr lang="en-US" dirty="0">
-                <a:latin typeface="Calibri" panose="020F0502020204030204" pitchFamily="34" charset="0"/>
-              </a:rPr>
-              <a:t>context, [arg1, arg2,…])</a:t>
-            </a:r>
+              <a:rPr lang="en-US" dirty="0" smtClean="0">
+                <a:latin typeface="Calibri" pitchFamily="34" charset="0"/>
+              </a:rPr>
+              <a:t>context, [</a:t>
+            </a:r>
+            <a:r>
+              <a:rPr lang="en-US" dirty="0" err="1" smtClean="0">
+                <a:latin typeface="Calibri" pitchFamily="34" charset="0"/>
+              </a:rPr>
+              <a:t>arg1</a:t>
+            </a:r>
+            <a:r>
+              <a:rPr lang="en-US" dirty="0" smtClean="0">
+                <a:latin typeface="Calibri" pitchFamily="34" charset="0"/>
+              </a:rPr>
+              <a:t>, </a:t>
+            </a:r>
+            <a:r>
+              <a:rPr lang="en-US" dirty="0" err="1" smtClean="0">
+                <a:latin typeface="Calibri" pitchFamily="34" charset="0"/>
+              </a:rPr>
+              <a:t>arg2</a:t>
+            </a:r>
+            <a:r>
+              <a:rPr lang="en-US" dirty="0" smtClean="0">
+                <a:latin typeface="Calibri" pitchFamily="34" charset="0"/>
+              </a:rPr>
+              <a:t>, …])</a:t>
+            </a:r>
+            <a:endParaRPr lang="en-US" dirty="0">
+              <a:latin typeface="Calibri" pitchFamily="34" charset="0"/>
+            </a:endParaRPr>
           </a:p>
         </p:txBody>
       </p:sp>
@@ -2708,7 +2839,7 @@
         </p:nvSpPr>
         <p:spPr>
           <a:xfrm>
-            <a:off x="842399" y="3371322"/>
+            <a:off x="755576" y="2708920"/>
             <a:ext cx="184731" cy="369332"/>
           </a:xfrm>
           <a:prstGeom prst="rect">
@@ -2722,7 +2853,9 @@
           </a:bodyPr>
           <a:lstStyle/>
           <a:p>
-            <a:endParaRPr lang="en-US" dirty="0"/>
+            <a:endParaRPr lang="en-US" dirty="0">
+              <a:latin typeface="Calibri" pitchFamily="34" charset="0"/>
+            </a:endParaRPr>
           </a:p>
         </p:txBody>
       </p:sp>
@@ -2748,30 +2881,44 @@
           </a:bodyPr>
           <a:lstStyle/>
           <a:p>
-            <a:endParaRPr lang="en-US" dirty="0"/>
+            <a:endParaRPr lang="en-US" dirty="0" smtClean="0">
+              <a:latin typeface="Calibri" pitchFamily="34" charset="0"/>
+            </a:endParaRPr>
           </a:p>
           <a:p>
             <a:pPr algn="ctr"/>
             <a:r>
-              <a:rPr lang="ru-RU" dirty="0"/>
+              <a:rPr lang="ru-RU" dirty="0" smtClean="0">
+                <a:latin typeface="Calibri" pitchFamily="34" charset="0"/>
+              </a:rPr>
               <a:t>Например</a:t>
             </a:r>
             <a:r>
-              <a:rPr lang="en-US" dirty="0"/>
+              <a:rPr lang="en-US" dirty="0" smtClean="0">
+                <a:latin typeface="Calibri" pitchFamily="34" charset="0"/>
+              </a:rPr>
               <a:t>: </a:t>
             </a:r>
           </a:p>
           <a:p>
-            <a:endParaRPr lang="en-US" dirty="0"/>
-          </a:p>
-          <a:p>
-            <a:endParaRPr lang="en-US" dirty="0"/>
-          </a:p>
-          <a:p>
-            <a:endParaRPr lang="en-US" dirty="0"/>
-          </a:p>
-          <a:p>
-            <a:endParaRPr lang="en-US" dirty="0"/>
+            <a:endParaRPr lang="en-US" dirty="0" smtClean="0">
+              <a:latin typeface="Calibri" pitchFamily="34" charset="0"/>
+            </a:endParaRPr>
+          </a:p>
+          <a:p>
+            <a:endParaRPr lang="en-US" dirty="0" smtClean="0">
+              <a:latin typeface="Calibri" pitchFamily="34" charset="0"/>
+            </a:endParaRPr>
+          </a:p>
+          <a:p>
+            <a:endParaRPr lang="en-US" dirty="0" smtClean="0">
+              <a:latin typeface="Calibri" pitchFamily="34" charset="0"/>
+            </a:endParaRPr>
+          </a:p>
+          <a:p>
+            <a:endParaRPr lang="en-US" dirty="0">
+              <a:latin typeface="Calibri" pitchFamily="34" charset="0"/>
+            </a:endParaRPr>
           </a:p>
         </p:txBody>
       </p:sp>
@@ -2783,8 +2930,8 @@
         </p:nvSpPr>
         <p:spPr>
           <a:xfrm>
-            <a:off x="611560" y="4365104"/>
-            <a:ext cx="7920880" cy="2031325"/>
+            <a:off x="1331640" y="4365104"/>
+            <a:ext cx="7056784" cy="1754326"/>
           </a:xfrm>
           <a:prstGeom prst="rect">
             <a:avLst/>
@@ -2811,258 +2958,300 @@
           <a:lstStyle/>
           <a:p>
             <a:r>
-              <a:rPr lang="en-US" dirty="0">
-                <a:solidFill>
-                  <a:srgbClr val="0070C0"/>
-                </a:solidFill>
-                <a:latin typeface="Calibri" panose="020F0502020204030204" pitchFamily="34" charset="0"/>
-              </a:rPr>
-              <a:t>function</a:t>
-            </a:r>
-            <a:r>
-              <a:rPr lang="en-US" dirty="0">
-                <a:latin typeface="Calibri" panose="020F0502020204030204" pitchFamily="34" charset="0"/>
-              </a:rPr>
-              <a:t> </a:t>
-            </a:r>
-            <a:r>
-              <a:rPr lang="en-US" dirty="0" err="1">
-                <a:latin typeface="Calibri" panose="020F0502020204030204" pitchFamily="34" charset="0"/>
-              </a:rPr>
-              <a:t>showFullName</a:t>
-            </a:r>
-            <a:r>
-              <a:rPr lang="en-US" dirty="0">
-                <a:latin typeface="Calibri" panose="020F0502020204030204" pitchFamily="34" charset="0"/>
-              </a:rPr>
-              <a:t>() { </a:t>
-            </a:r>
-            <a:endParaRPr lang="ru-RU" dirty="0">
-              <a:latin typeface="Calibri" panose="020F0502020204030204" pitchFamily="34" charset="0"/>
-            </a:endParaRPr>
-          </a:p>
-          <a:p>
-            <a:r>
-              <a:rPr lang="ru-RU" dirty="0">
-                <a:latin typeface="Calibri" panose="020F0502020204030204" pitchFamily="34" charset="0"/>
-              </a:rPr>
-              <a:t>                                        </a:t>
-            </a:r>
-            <a:r>
-              <a:rPr lang="en-US" dirty="0">
-                <a:latin typeface="Calibri" panose="020F0502020204030204" pitchFamily="34" charset="0"/>
-              </a:rPr>
-              <a:t>alert( </a:t>
-            </a:r>
-            <a:r>
-              <a:rPr lang="en-US" dirty="0" err="1">
-                <a:latin typeface="Calibri" panose="020F0502020204030204" pitchFamily="34" charset="0"/>
-              </a:rPr>
-              <a:t>this.firstName</a:t>
-            </a:r>
-            <a:r>
-              <a:rPr lang="en-US" dirty="0">
-                <a:latin typeface="Calibri" panose="020F0502020204030204" pitchFamily="34" charset="0"/>
-              </a:rPr>
-              <a:t> + " " + </a:t>
-            </a:r>
-            <a:r>
-              <a:rPr lang="en-US" dirty="0" err="1">
-                <a:latin typeface="Calibri" panose="020F0502020204030204" pitchFamily="34" charset="0"/>
-              </a:rPr>
-              <a:t>this.lastName</a:t>
-            </a:r>
-            <a:r>
-              <a:rPr lang="en-US" dirty="0">
-                <a:latin typeface="Calibri" panose="020F0502020204030204" pitchFamily="34" charset="0"/>
-              </a:rPr>
-              <a:t> ); </a:t>
-            </a:r>
-            <a:endParaRPr lang="ru-RU" dirty="0">
-              <a:latin typeface="Calibri" panose="020F0502020204030204" pitchFamily="34" charset="0"/>
-            </a:endParaRPr>
-          </a:p>
-          <a:p>
-            <a:r>
-              <a:rPr lang="ru-RU" dirty="0">
-                <a:latin typeface="Calibri" panose="020F0502020204030204" pitchFamily="34" charset="0"/>
-              </a:rPr>
-              <a:t>                                         </a:t>
-            </a:r>
-            <a:r>
-              <a:rPr lang="en-US" dirty="0">
-                <a:latin typeface="Calibri" panose="020F0502020204030204" pitchFamily="34" charset="0"/>
-              </a:rPr>
-              <a:t>} </a:t>
-            </a:r>
-          </a:p>
-          <a:p>
-            <a:r>
-              <a:rPr lang="en-US" dirty="0" err="1">
-                <a:solidFill>
-                  <a:srgbClr val="0070C0"/>
-                </a:solidFill>
-                <a:latin typeface="Calibri" panose="020F0502020204030204" pitchFamily="34" charset="0"/>
-              </a:rPr>
-              <a:t>var</a:t>
-            </a:r>
-            <a:r>
-              <a:rPr lang="en-US" dirty="0">
+              <a:rPr lang="en-US" dirty="0" smtClean="0">
                 <a:solidFill>
                   <a:schemeClr val="accent1">
                     <a:lumMod val="75000"/>
                   </a:schemeClr>
                 </a:solidFill>
-                <a:latin typeface="Calibri" panose="020F0502020204030204" pitchFamily="34" charset="0"/>
+                <a:latin typeface="Calibri" pitchFamily="34" charset="0"/>
+              </a:rPr>
+              <a:t>function</a:t>
+            </a:r>
+            <a:r>
+              <a:rPr lang="en-US" dirty="0" smtClean="0">
+                <a:latin typeface="Calibri" pitchFamily="34" charset="0"/>
               </a:rPr>
               <a:t> </a:t>
             </a:r>
             <a:r>
-              <a:rPr lang="en-US" dirty="0">
-                <a:latin typeface="Calibri" panose="020F0502020204030204" pitchFamily="34" charset="0"/>
+              <a:rPr lang="en-US" dirty="0" err="1" smtClean="0">
+                <a:latin typeface="Calibri" pitchFamily="34" charset="0"/>
+              </a:rPr>
+              <a:t>showFullName</a:t>
+            </a:r>
+            <a:r>
+              <a:rPr lang="en-US" dirty="0" smtClean="0">
+                <a:latin typeface="Calibri" pitchFamily="34" charset="0"/>
+              </a:rPr>
+              <a:t>() { alert( </a:t>
+            </a:r>
+            <a:r>
+              <a:rPr lang="en-US" dirty="0" err="1" smtClean="0">
+                <a:latin typeface="Calibri" pitchFamily="34" charset="0"/>
+              </a:rPr>
+              <a:t>this.firstName</a:t>
+            </a:r>
+            <a:r>
+              <a:rPr lang="en-US" dirty="0" smtClean="0">
+                <a:latin typeface="Calibri" pitchFamily="34" charset="0"/>
+              </a:rPr>
+              <a:t> + " " + </a:t>
+            </a:r>
+            <a:r>
+              <a:rPr lang="en-US" dirty="0" err="1" smtClean="0">
+                <a:latin typeface="Calibri" pitchFamily="34" charset="0"/>
+              </a:rPr>
+              <a:t>this.lastName</a:t>
+            </a:r>
+            <a:r>
+              <a:rPr lang="en-US" dirty="0" smtClean="0">
+                <a:latin typeface="Calibri" pitchFamily="34" charset="0"/>
+              </a:rPr>
+              <a:t> ); } </a:t>
+            </a:r>
+          </a:p>
+          <a:p>
+            <a:r>
+              <a:rPr lang="en-US" dirty="0" err="1" smtClean="0">
+                <a:solidFill>
+                  <a:schemeClr val="accent1">
+                    <a:lumMod val="75000"/>
+                  </a:schemeClr>
+                </a:solidFill>
+                <a:latin typeface="Calibri" pitchFamily="34" charset="0"/>
+              </a:rPr>
+              <a:t>var</a:t>
+            </a:r>
+            <a:r>
+              <a:rPr lang="en-US" dirty="0" smtClean="0">
+                <a:solidFill>
+                  <a:schemeClr val="accent1">
+                    <a:lumMod val="75000"/>
+                  </a:schemeClr>
+                </a:solidFill>
+                <a:latin typeface="Calibri" pitchFamily="34" charset="0"/>
+              </a:rPr>
+              <a:t> </a:t>
+            </a:r>
+            <a:r>
+              <a:rPr lang="en-US" dirty="0" smtClean="0">
+                <a:latin typeface="Calibri" pitchFamily="34" charset="0"/>
               </a:rPr>
               <a:t>user = { </a:t>
             </a:r>
             <a:r>
-              <a:rPr lang="en-US" dirty="0" err="1">
-                <a:latin typeface="Calibri" panose="020F0502020204030204" pitchFamily="34" charset="0"/>
+              <a:rPr lang="en-US" dirty="0" err="1" smtClean="0">
+                <a:latin typeface="Calibri" pitchFamily="34" charset="0"/>
               </a:rPr>
               <a:t>firstName</a:t>
             </a:r>
             <a:r>
-              <a:rPr lang="en-US" dirty="0">
-                <a:latin typeface="Calibri" panose="020F0502020204030204" pitchFamily="34" charset="0"/>
+              <a:rPr lang="en-US" dirty="0" smtClean="0">
+                <a:latin typeface="Calibri" pitchFamily="34" charset="0"/>
               </a:rPr>
               <a:t>: "</a:t>
             </a:r>
             <a:r>
-              <a:rPr lang="uk-UA" dirty="0" err="1">
-                <a:latin typeface="Calibri" panose="020F0502020204030204" pitchFamily="34" charset="0"/>
+              <a:rPr lang="uk-UA" dirty="0" err="1" smtClean="0">
+                <a:latin typeface="Calibri" pitchFamily="34" charset="0"/>
               </a:rPr>
               <a:t>Василий</a:t>
             </a:r>
             <a:r>
-              <a:rPr lang="uk-UA" dirty="0">
-                <a:latin typeface="Calibri" panose="020F0502020204030204" pitchFamily="34" charset="0"/>
+              <a:rPr lang="uk-UA" dirty="0" smtClean="0">
+                <a:latin typeface="Calibri" pitchFamily="34" charset="0"/>
               </a:rPr>
               <a:t>", </a:t>
             </a:r>
             <a:r>
-              <a:rPr lang="en-US" dirty="0" err="1">
-                <a:latin typeface="Calibri" panose="020F0502020204030204" pitchFamily="34" charset="0"/>
+              <a:rPr lang="en-US" dirty="0" err="1" smtClean="0">
+                <a:latin typeface="Calibri" pitchFamily="34" charset="0"/>
               </a:rPr>
               <a:t>lastName</a:t>
             </a:r>
             <a:r>
-              <a:rPr lang="en-US" dirty="0">
-                <a:latin typeface="Calibri" panose="020F0502020204030204" pitchFamily="34" charset="0"/>
+              <a:rPr lang="en-US" dirty="0" smtClean="0">
+                <a:latin typeface="Calibri" pitchFamily="34" charset="0"/>
               </a:rPr>
               <a:t>: "</a:t>
             </a:r>
             <a:r>
-              <a:rPr lang="uk-UA" dirty="0">
-                <a:latin typeface="Calibri" panose="020F0502020204030204" pitchFamily="34" charset="0"/>
+              <a:rPr lang="uk-UA" dirty="0" smtClean="0">
+                <a:latin typeface="Calibri" pitchFamily="34" charset="0"/>
               </a:rPr>
               <a:t>Петров" }; </a:t>
             </a:r>
             <a:r>
-              <a:rPr lang="en-US" dirty="0">
-                <a:latin typeface="Calibri" panose="020F0502020204030204" pitchFamily="34" charset="0"/>
+              <a:rPr lang="en-US" dirty="0" smtClean="0">
+                <a:latin typeface="Calibri" pitchFamily="34" charset="0"/>
               </a:rPr>
               <a:t> </a:t>
             </a:r>
           </a:p>
           <a:p>
-            <a:endParaRPr lang="en-US" dirty="0">
+            <a:endParaRPr lang="en-US" dirty="0" smtClean="0">
+              <a:latin typeface="Calibri" pitchFamily="34" charset="0"/>
+            </a:endParaRPr>
+          </a:p>
+          <a:p>
+            <a:r>
+              <a:rPr lang="uk-UA" dirty="0" smtClean="0">
+                <a:solidFill>
+                  <a:schemeClr val="bg2">
+                    <a:lumMod val="50000"/>
+                  </a:schemeClr>
+                </a:solidFill>
+                <a:latin typeface="Calibri" pitchFamily="34" charset="0"/>
+              </a:rPr>
+              <a:t>// </a:t>
+            </a:r>
+            <a:r>
+              <a:rPr lang="uk-UA" dirty="0" err="1" smtClean="0">
+                <a:solidFill>
+                  <a:schemeClr val="bg2">
+                    <a:lumMod val="50000"/>
+                  </a:schemeClr>
+                </a:solidFill>
+                <a:latin typeface="Calibri" pitchFamily="34" charset="0"/>
+              </a:rPr>
+              <a:t>функция</a:t>
+            </a:r>
+            <a:r>
+              <a:rPr lang="uk-UA" dirty="0" smtClean="0">
+                <a:solidFill>
+                  <a:schemeClr val="bg2">
+                    <a:lumMod val="50000"/>
+                  </a:schemeClr>
+                </a:solidFill>
+                <a:latin typeface="Calibri" pitchFamily="34" charset="0"/>
+              </a:rPr>
+              <a:t> </a:t>
+            </a:r>
+            <a:r>
+              <a:rPr lang="uk-UA" dirty="0" err="1" smtClean="0">
+                <a:solidFill>
+                  <a:schemeClr val="bg2">
+                    <a:lumMod val="50000"/>
+                  </a:schemeClr>
+                </a:solidFill>
+                <a:latin typeface="Calibri" pitchFamily="34" charset="0"/>
+              </a:rPr>
+              <a:t>вызовется</a:t>
+            </a:r>
+            <a:r>
+              <a:rPr lang="uk-UA" dirty="0" smtClean="0">
+                <a:solidFill>
+                  <a:schemeClr val="bg2">
+                    <a:lumMod val="50000"/>
+                  </a:schemeClr>
+                </a:solidFill>
+                <a:latin typeface="Calibri" pitchFamily="34" charset="0"/>
+              </a:rPr>
+              <a:t> с </a:t>
+            </a:r>
+            <a:r>
+              <a:rPr lang="en-US" dirty="0" smtClean="0">
+                <a:solidFill>
+                  <a:schemeClr val="bg2">
+                    <a:lumMod val="50000"/>
+                  </a:schemeClr>
+                </a:solidFill>
+                <a:latin typeface="Calibri" pitchFamily="34" charset="0"/>
+              </a:rPr>
+              <a:t>this=user </a:t>
+            </a:r>
+          </a:p>
+          <a:p>
+            <a:r>
+              <a:rPr lang="en-US" dirty="0" err="1" smtClean="0">
+                <a:latin typeface="Calibri" pitchFamily="34" charset="0"/>
+              </a:rPr>
+              <a:t>showFullName.</a:t>
+            </a:r>
+            <a:r>
+              <a:rPr lang="en-US" dirty="0" err="1" smtClean="0">
+                <a:solidFill>
+                  <a:schemeClr val="accent1">
+                    <a:lumMod val="75000"/>
+                  </a:schemeClr>
+                </a:solidFill>
+                <a:latin typeface="Calibri" pitchFamily="34" charset="0"/>
+              </a:rPr>
+              <a:t>call</a:t>
+            </a:r>
+            <a:r>
+              <a:rPr lang="en-US" dirty="0" smtClean="0">
+                <a:latin typeface="Calibri" pitchFamily="34" charset="0"/>
+              </a:rPr>
+              <a:t>(user) </a:t>
+            </a:r>
+            <a:r>
+              <a:rPr lang="en-US" dirty="0" smtClean="0">
+                <a:solidFill>
+                  <a:schemeClr val="bg2">
+                    <a:lumMod val="50000"/>
+                  </a:schemeClr>
+                </a:solidFill>
+                <a:latin typeface="Calibri" pitchFamily="34" charset="0"/>
+              </a:rPr>
+              <a:t>// "</a:t>
+            </a:r>
+            <a:r>
+              <a:rPr lang="uk-UA" dirty="0" err="1" smtClean="0">
+                <a:solidFill>
+                  <a:schemeClr val="bg2">
+                    <a:lumMod val="50000"/>
+                  </a:schemeClr>
+                </a:solidFill>
+                <a:latin typeface="Calibri" pitchFamily="34" charset="0"/>
+              </a:rPr>
+              <a:t>Василий</a:t>
+            </a:r>
+            <a:r>
+              <a:rPr lang="uk-UA" dirty="0" smtClean="0">
+                <a:solidFill>
+                  <a:schemeClr val="bg2">
+                    <a:lumMod val="50000"/>
+                  </a:schemeClr>
+                </a:solidFill>
+                <a:latin typeface="Calibri" pitchFamily="34" charset="0"/>
+              </a:rPr>
+              <a:t> Петров"</a:t>
+            </a:r>
+            <a:endParaRPr lang="en-US" dirty="0" smtClean="0">
               <a:solidFill>
                 <a:schemeClr val="bg2">
                   <a:lumMod val="50000"/>
                 </a:schemeClr>
               </a:solidFill>
-              <a:latin typeface="Calibri" panose="020F0502020204030204" pitchFamily="34" charset="0"/>
-            </a:endParaRPr>
-          </a:p>
-          <a:p>
-            <a:r>
-              <a:rPr lang="en-US" dirty="0" err="1">
-                <a:latin typeface="Calibri" panose="020F0502020204030204" pitchFamily="34" charset="0"/>
-              </a:rPr>
-              <a:t>showFullName.</a:t>
-            </a:r>
-            <a:r>
-              <a:rPr lang="en-US" dirty="0" err="1">
-                <a:solidFill>
-                  <a:schemeClr val="accent1">
-                    <a:lumMod val="75000"/>
-                  </a:schemeClr>
-                </a:solidFill>
-                <a:latin typeface="Calibri" panose="020F0502020204030204" pitchFamily="34" charset="0"/>
-              </a:rPr>
-              <a:t>call</a:t>
-            </a:r>
-            <a:r>
-              <a:rPr lang="en-US" dirty="0">
-                <a:latin typeface="Calibri" panose="020F0502020204030204" pitchFamily="34" charset="0"/>
-              </a:rPr>
-              <a:t>(user) </a:t>
-            </a:r>
-            <a:r>
-              <a:rPr lang="en-US" dirty="0">
-                <a:solidFill>
-                  <a:schemeClr val="bg2">
-                    <a:lumMod val="50000"/>
-                  </a:schemeClr>
-                </a:solidFill>
-                <a:latin typeface="Calibri" panose="020F0502020204030204" pitchFamily="34" charset="0"/>
-              </a:rPr>
-              <a:t>// "</a:t>
-            </a:r>
-            <a:r>
-              <a:rPr lang="uk-UA" dirty="0" err="1">
-                <a:solidFill>
-                  <a:schemeClr val="bg2">
-                    <a:lumMod val="50000"/>
-                  </a:schemeClr>
-                </a:solidFill>
-                <a:latin typeface="Calibri" panose="020F0502020204030204" pitchFamily="34" charset="0"/>
-              </a:rPr>
-              <a:t>Василий</a:t>
-            </a:r>
-            <a:r>
-              <a:rPr lang="uk-UA" dirty="0">
-                <a:solidFill>
-                  <a:schemeClr val="bg2">
-                    <a:lumMod val="50000"/>
-                  </a:schemeClr>
-                </a:solidFill>
-                <a:latin typeface="Calibri" panose="020F0502020204030204" pitchFamily="34" charset="0"/>
-              </a:rPr>
-              <a:t> Петров"</a:t>
-            </a:r>
+              <a:latin typeface="Calibri" pitchFamily="34" charset="0"/>
+            </a:endParaRPr>
+          </a:p>
+          <a:p>
             <a:endParaRPr lang="en-US" dirty="0">
-              <a:solidFill>
-                <a:schemeClr val="bg2">
-                  <a:lumMod val="50000"/>
-                </a:schemeClr>
-              </a:solidFill>
-              <a:latin typeface="Calibri" panose="020F0502020204030204" pitchFamily="34" charset="0"/>
-            </a:endParaRPr>
-          </a:p>
-          <a:p>
-            <a:endParaRPr lang="en-US" dirty="0"/>
+              <a:latin typeface="Calibri" pitchFamily="34" charset="0"/>
+            </a:endParaRPr>
           </a:p>
         </p:txBody>
       </p:sp>
     </p:spTree>
     <p:extLst>
       <p:ext uri="{BB962C8B-B14F-4D97-AF65-F5344CB8AC3E}">
-        <p14:creationId xmlns:p14="http://schemas.microsoft.com/office/powerpoint/2010/main" val="9290874"/>
+        <p14:creationId xmlns="" xmlns:p14="http://schemas.microsoft.com/office/powerpoint/2010/main" val="9290874"/>
       </p:ext>
     </p:extLst>
   </p:cSld>
   <p:clrMapOvr>
     <a:masterClrMapping/>
   </p:clrMapOvr>
+  <p:timing>
+    <p:tnLst>
+      <p:par>
+        <p:cTn id="1" dur="indefinite" restart="never" nodeType="tmRoot"/>
+      </p:par>
+    </p:tnLst>
+  </p:timing>
 </p:sld>
 </file>
 
@@ -3095,22 +3284,29 @@
         </p:nvSpPr>
         <p:spPr>
           <a:xfrm>
-            <a:off x="457200" y="279402"/>
-            <a:ext cx="8229600" cy="607248"/>
-          </a:xfrm>
-          <a:ln>
-            <a:noFill/>
-          </a:ln>
+            <a:off x="457200" y="116633"/>
+            <a:ext cx="8229600" cy="1080120"/>
+          </a:xfrm>
         </p:spPr>
         <p:txBody>
           <a:bodyPr/>
           <a:lstStyle/>
           <a:p>
             <a:r>
-              <a:rPr lang="ru-RU" b="1" dirty="0"/>
-              <a:t>Декораторы, функции-обертки</a:t>
-            </a:r>
-            <a:endParaRPr lang="en-US" b="1" dirty="0"/>
+              <a:rPr lang="ru-RU" sz="2800" dirty="0" smtClean="0">
+                <a:latin typeface="Calibri" pitchFamily="34" charset="0"/>
+              </a:rPr>
+              <a:t>Метод </a:t>
+            </a:r>
+            <a:r>
+              <a:rPr lang="en-US" sz="2800" dirty="0" smtClean="0">
+                <a:latin typeface="Calibri" pitchFamily="34" charset="0"/>
+              </a:rPr>
+              <a:t>bind</a:t>
+            </a:r>
+            <a:endParaRPr lang="en-US" sz="2800" dirty="0">
+              <a:latin typeface="Calibri" pitchFamily="34" charset="0"/>
+            </a:endParaRPr>
           </a:p>
         </p:txBody>
       </p:sp>
@@ -3122,128 +3318,8 @@
         </p:nvSpPr>
         <p:spPr>
           <a:xfrm>
-            <a:off x="467544" y="1484784"/>
-            <a:ext cx="8064896" cy="4524315"/>
-          </a:xfrm>
-          <a:prstGeom prst="rect">
-            <a:avLst/>
-          </a:prstGeom>
-          <a:noFill/>
-        </p:spPr>
-        <p:txBody>
-          <a:bodyPr wrap="square" rtlCol="0">
-            <a:spAutoFit/>
-          </a:bodyPr>
-          <a:lstStyle/>
-          <a:p>
-            <a:pPr algn="just"/>
-            <a:r>
-              <a:rPr lang="ru-RU" b="1" dirty="0">
-                <a:latin typeface="Calibri" panose="020F0502020204030204" pitchFamily="34" charset="0"/>
-              </a:rPr>
-              <a:t>Декоратор </a:t>
-            </a:r>
-            <a:r>
-              <a:rPr lang="ru-RU" dirty="0">
-                <a:latin typeface="Calibri" panose="020F0502020204030204" pitchFamily="34" charset="0"/>
-              </a:rPr>
-              <a:t>– приём программирования, который позволяет взять существующую функцию и изменить/расширить ее поведение.</a:t>
-            </a:r>
-          </a:p>
-          <a:p>
-            <a:pPr algn="just"/>
-            <a:r>
-              <a:rPr lang="ru-RU" dirty="0">
-                <a:latin typeface="Calibri" panose="020F0502020204030204" pitchFamily="34" charset="0"/>
-              </a:rPr>
-              <a:t> </a:t>
-            </a:r>
-          </a:p>
-          <a:p>
-            <a:pPr algn="just"/>
-            <a:r>
-              <a:rPr lang="ru-RU" dirty="0">
-                <a:latin typeface="Calibri" panose="020F0502020204030204" pitchFamily="34" charset="0"/>
-              </a:rPr>
-              <a:t>Декоратор получает функцию и возвращает обертку, которая делает что-то своё «вокруг» вызова основной функции. </a:t>
-            </a:r>
-          </a:p>
-          <a:p>
-            <a:endParaRPr lang="ru-RU" dirty="0">
-              <a:latin typeface="Calibri" panose="020F0502020204030204" pitchFamily="34" charset="0"/>
-            </a:endParaRPr>
-          </a:p>
-          <a:p>
-            <a:r>
-              <a:rPr lang="ru-RU" dirty="0">
-                <a:latin typeface="Calibri" panose="020F0502020204030204" pitchFamily="34" charset="0"/>
-              </a:rPr>
-              <a:t>Например</a:t>
-            </a:r>
-            <a:r>
-              <a:rPr lang="en-US" dirty="0">
-                <a:latin typeface="Calibri" panose="020F0502020204030204" pitchFamily="34" charset="0"/>
-              </a:rPr>
-              <a:t>: </a:t>
-            </a:r>
-          </a:p>
-          <a:p>
-            <a:endParaRPr lang="ru-RU" dirty="0">
-              <a:latin typeface="Calibri" panose="020F0502020204030204" pitchFamily="34" charset="0"/>
-            </a:endParaRPr>
-          </a:p>
-          <a:p>
-            <a:endParaRPr lang="ru-RU" dirty="0">
-              <a:latin typeface="Calibri" panose="020F0502020204030204" pitchFamily="34" charset="0"/>
-            </a:endParaRPr>
-          </a:p>
-          <a:p>
-            <a:endParaRPr lang="ru-RU" dirty="0">
-              <a:latin typeface="Calibri" panose="020F0502020204030204" pitchFamily="34" charset="0"/>
-            </a:endParaRPr>
-          </a:p>
-          <a:p>
-            <a:endParaRPr lang="ru-RU" dirty="0">
-              <a:latin typeface="Calibri" panose="020F0502020204030204" pitchFamily="34" charset="0"/>
-            </a:endParaRPr>
-          </a:p>
-          <a:p>
-            <a:endParaRPr lang="ru-RU" dirty="0">
-              <a:latin typeface="Calibri" panose="020F0502020204030204" pitchFamily="34" charset="0"/>
-            </a:endParaRPr>
-          </a:p>
-          <a:p>
-            <a:endParaRPr lang="en-US" dirty="0">
-              <a:latin typeface="Calibri" panose="020F0502020204030204" pitchFamily="34" charset="0"/>
-            </a:endParaRPr>
-          </a:p>
-          <a:p>
-            <a:endParaRPr lang="en-US" dirty="0">
-              <a:latin typeface="Calibri" panose="020F0502020204030204" pitchFamily="34" charset="0"/>
-            </a:endParaRPr>
-          </a:p>
-          <a:p>
-            <a:endParaRPr lang="ru-RU" dirty="0">
-              <a:latin typeface="Calibri" panose="020F0502020204030204" pitchFamily="34" charset="0"/>
-            </a:endParaRPr>
-          </a:p>
-          <a:p>
-            <a:endParaRPr lang="en-US" dirty="0">
-              <a:latin typeface="Calibri" panose="020F0502020204030204" pitchFamily="34" charset="0"/>
-            </a:endParaRPr>
-          </a:p>
-        </p:txBody>
-      </p:sp>
-      <p:sp>
-        <p:nvSpPr>
-          <p:cNvPr id="4" name="TextBox 3"/>
-          <p:cNvSpPr txBox="1"/>
-          <p:nvPr/>
-        </p:nvSpPr>
-        <p:spPr>
-          <a:xfrm>
-            <a:off x="1043608" y="4149080"/>
-            <a:ext cx="4806572" cy="1477328"/>
+            <a:off x="611560" y="1340768"/>
+            <a:ext cx="7920880" cy="923330"/>
           </a:xfrm>
           <a:prstGeom prst="rect">
             <a:avLst/>
@@ -3264,119 +3340,386 @@
           </a:fontRef>
         </p:style>
         <p:txBody>
-          <a:bodyPr wrap="none" rtlCol="0">
+          <a:bodyPr wrap="square" rtlCol="0">
             <a:spAutoFit/>
           </a:bodyPr>
           <a:lstStyle/>
           <a:p>
             <a:r>
-              <a:rPr lang="en-US" dirty="0">
-                <a:solidFill>
-                  <a:srgbClr val="0070C0"/>
-                </a:solidFill>
-                <a:latin typeface="Calibri" panose="020F0502020204030204" pitchFamily="34" charset="0"/>
-              </a:rPr>
-              <a:t>function</a:t>
-            </a:r>
-            <a:r>
-              <a:rPr lang="en-US" dirty="0">
-                <a:latin typeface="Calibri" panose="020F0502020204030204" pitchFamily="34" charset="0"/>
-              </a:rPr>
-              <a:t> bind(</a:t>
-            </a:r>
-            <a:r>
-              <a:rPr lang="en-US" dirty="0" err="1">
-                <a:latin typeface="Calibri" panose="020F0502020204030204" pitchFamily="34" charset="0"/>
+              <a:rPr lang="ru-RU" dirty="0" smtClean="0">
+                <a:latin typeface="Calibri" pitchFamily="34" charset="0"/>
+              </a:rPr>
+              <a:t>Синтаксис</a:t>
+            </a:r>
+            <a:r>
+              <a:rPr lang="en-US" dirty="0" smtClean="0">
+                <a:latin typeface="Calibri" pitchFamily="34" charset="0"/>
+              </a:rPr>
+              <a:t>: </a:t>
+            </a:r>
+          </a:p>
+          <a:p>
+            <a:endParaRPr lang="en-US" dirty="0" smtClean="0">
+              <a:latin typeface="Calibri" pitchFamily="34" charset="0"/>
+            </a:endParaRPr>
+          </a:p>
+          <a:p>
+            <a:r>
+              <a:rPr lang="en-US" dirty="0" err="1" smtClean="0">
+                <a:solidFill>
+                  <a:schemeClr val="accent1">
+                    <a:lumMod val="75000"/>
+                  </a:schemeClr>
+                </a:solidFill>
+                <a:latin typeface="Calibri" pitchFamily="34" charset="0"/>
+              </a:rPr>
+              <a:t>var</a:t>
+            </a:r>
+            <a:r>
+              <a:rPr lang="en-US" dirty="0" smtClean="0">
+                <a:latin typeface="Calibri" pitchFamily="34" charset="0"/>
+              </a:rPr>
+              <a:t> wrapper = </a:t>
+            </a:r>
+            <a:r>
+              <a:rPr lang="en-US" dirty="0" err="1" smtClean="0">
+                <a:latin typeface="Calibri" pitchFamily="34" charset="0"/>
+              </a:rPr>
+              <a:t>func.</a:t>
+            </a:r>
+            <a:r>
+              <a:rPr lang="en-US" dirty="0" err="1" smtClean="0">
+                <a:solidFill>
+                  <a:schemeClr val="accent1">
+                    <a:lumMod val="75000"/>
+                  </a:schemeClr>
+                </a:solidFill>
+                <a:latin typeface="Calibri" pitchFamily="34" charset="0"/>
+              </a:rPr>
+              <a:t>bind</a:t>
+            </a:r>
+            <a:r>
+              <a:rPr lang="en-US" dirty="0" smtClean="0">
+                <a:solidFill>
+                  <a:schemeClr val="accent1">
+                    <a:lumMod val="75000"/>
+                  </a:schemeClr>
+                </a:solidFill>
+                <a:latin typeface="Calibri" pitchFamily="34" charset="0"/>
+              </a:rPr>
+              <a:t>(</a:t>
+            </a:r>
+            <a:r>
+              <a:rPr lang="en-US" dirty="0" smtClean="0">
+                <a:latin typeface="Calibri" pitchFamily="34" charset="0"/>
+              </a:rPr>
+              <a:t>context[, </a:t>
+            </a:r>
+            <a:r>
+              <a:rPr lang="en-US" dirty="0" err="1" smtClean="0">
+                <a:latin typeface="Calibri" pitchFamily="34" charset="0"/>
+              </a:rPr>
+              <a:t>arg1</a:t>
+            </a:r>
+            <a:r>
+              <a:rPr lang="en-US" dirty="0" smtClean="0">
+                <a:latin typeface="Calibri" pitchFamily="34" charset="0"/>
+              </a:rPr>
+              <a:t>, </a:t>
+            </a:r>
+            <a:r>
+              <a:rPr lang="en-US" dirty="0" err="1" smtClean="0">
+                <a:latin typeface="Calibri" pitchFamily="34" charset="0"/>
+              </a:rPr>
+              <a:t>arg2</a:t>
+            </a:r>
+            <a:r>
+              <a:rPr lang="en-US" dirty="0" smtClean="0">
+                <a:latin typeface="Calibri" pitchFamily="34" charset="0"/>
+              </a:rPr>
+              <a:t>...])</a:t>
+            </a:r>
+            <a:endParaRPr lang="en-US" dirty="0">
+              <a:latin typeface="Calibri" pitchFamily="34" charset="0"/>
+            </a:endParaRPr>
+          </a:p>
+        </p:txBody>
+      </p:sp>
+      <p:sp>
+        <p:nvSpPr>
+          <p:cNvPr id="4" name="TextBox 3"/>
+          <p:cNvSpPr txBox="1"/>
+          <p:nvPr/>
+        </p:nvSpPr>
+        <p:spPr>
+          <a:xfrm>
+            <a:off x="395536" y="2708920"/>
+            <a:ext cx="8208912" cy="3416320"/>
+          </a:xfrm>
+          <a:prstGeom prst="rect">
+            <a:avLst/>
+          </a:prstGeom>
+          <a:noFill/>
+        </p:spPr>
+        <p:txBody>
+          <a:bodyPr wrap="square" rtlCol="0">
+            <a:spAutoFit/>
+          </a:bodyPr>
+          <a:lstStyle/>
+          <a:p>
+            <a:pPr>
+              <a:buFont typeface="Wingdings" pitchFamily="2" charset="2"/>
+              <a:buChar char="§"/>
+            </a:pPr>
+            <a:r>
+              <a:rPr lang="ru-RU" dirty="0" smtClean="0">
+                <a:latin typeface="Calibri" pitchFamily="34" charset="0"/>
+              </a:rPr>
+              <a:t>  </a:t>
+            </a:r>
+            <a:r>
+              <a:rPr lang="en-US" dirty="0" smtClean="0">
+                <a:latin typeface="Calibri" pitchFamily="34" charset="0"/>
+              </a:rPr>
+              <a:t>F</a:t>
+            </a:r>
+            <a:r>
+              <a:rPr lang="ru-RU" dirty="0" err="1" smtClean="0">
+                <a:latin typeface="Calibri" pitchFamily="34" charset="0"/>
+              </a:rPr>
+              <a:t>unc</a:t>
+            </a:r>
+            <a:r>
+              <a:rPr lang="en-US" dirty="0" smtClean="0">
+                <a:latin typeface="Calibri" pitchFamily="34" charset="0"/>
+              </a:rPr>
+              <a:t> - </a:t>
+            </a:r>
+            <a:r>
+              <a:rPr lang="ru-RU" dirty="0" smtClean="0">
+                <a:latin typeface="Calibri" pitchFamily="34" charset="0"/>
+              </a:rPr>
+              <a:t>Произвольная функция </a:t>
+            </a:r>
+          </a:p>
+          <a:p>
+            <a:pPr>
+              <a:buFont typeface="Wingdings" pitchFamily="2" charset="2"/>
+              <a:buChar char="§"/>
+            </a:pPr>
+            <a:r>
+              <a:rPr lang="ru-RU" dirty="0" smtClean="0">
+                <a:latin typeface="Calibri" pitchFamily="34" charset="0"/>
+              </a:rPr>
+              <a:t>  </a:t>
+            </a:r>
+            <a:r>
+              <a:rPr lang="ru-RU" dirty="0" err="1" smtClean="0">
+                <a:latin typeface="Calibri" pitchFamily="34" charset="0"/>
+              </a:rPr>
+              <a:t>context</a:t>
+            </a:r>
+            <a:r>
+              <a:rPr lang="ru-RU" dirty="0" smtClean="0">
+                <a:latin typeface="Calibri" pitchFamily="34" charset="0"/>
+              </a:rPr>
+              <a:t> - Контекст, который привязывается к </a:t>
+            </a:r>
+            <a:r>
+              <a:rPr lang="ru-RU" dirty="0" err="1" smtClean="0">
+                <a:latin typeface="Calibri" pitchFamily="34" charset="0"/>
               </a:rPr>
               <a:t>func</a:t>
             </a:r>
             <a:r>
-              <a:rPr lang="en-US" dirty="0">
-                <a:latin typeface="Calibri" panose="020F0502020204030204" pitchFamily="34" charset="0"/>
-              </a:rPr>
-              <a:t>, context) {</a:t>
-            </a:r>
-          </a:p>
-          <a:p>
-            <a:r>
-              <a:rPr lang="en-US" dirty="0">
-                <a:solidFill>
-                  <a:srgbClr val="0070C0"/>
-                </a:solidFill>
-                <a:latin typeface="Calibri" panose="020F0502020204030204" pitchFamily="34" charset="0"/>
-              </a:rPr>
-              <a:t> return function</a:t>
-            </a:r>
-            <a:r>
-              <a:rPr lang="en-US" dirty="0">
-                <a:latin typeface="Calibri" panose="020F0502020204030204" pitchFamily="34" charset="0"/>
-              </a:rPr>
-              <a:t>() { </a:t>
-            </a:r>
-          </a:p>
-          <a:p>
-            <a:r>
-              <a:rPr lang="en-US" dirty="0">
-                <a:latin typeface="Calibri" panose="020F0502020204030204" pitchFamily="34" charset="0"/>
-              </a:rPr>
-              <a:t>	</a:t>
-            </a:r>
-            <a:r>
-              <a:rPr lang="en-US" dirty="0">
-                <a:solidFill>
-                  <a:srgbClr val="0070C0"/>
-                </a:solidFill>
-                <a:latin typeface="Calibri" panose="020F0502020204030204" pitchFamily="34" charset="0"/>
-              </a:rPr>
-              <a:t>return</a:t>
-            </a:r>
-            <a:r>
-              <a:rPr lang="en-US" dirty="0">
-                <a:latin typeface="Calibri" panose="020F0502020204030204" pitchFamily="34" charset="0"/>
+              <a:rPr lang="en-US" dirty="0" smtClean="0">
+                <a:latin typeface="Calibri" pitchFamily="34" charset="0"/>
               </a:rPr>
               <a:t> </a:t>
             </a:r>
-            <a:r>
-              <a:rPr lang="en-US" dirty="0" err="1">
-                <a:latin typeface="Calibri" panose="020F0502020204030204" pitchFamily="34" charset="0"/>
-              </a:rPr>
-              <a:t>func.apply</a:t>
-            </a:r>
-            <a:r>
-              <a:rPr lang="en-US" dirty="0">
-                <a:latin typeface="Calibri" panose="020F0502020204030204" pitchFamily="34" charset="0"/>
-              </a:rPr>
-              <a:t>(context, arguments); </a:t>
-            </a:r>
-          </a:p>
-          <a:p>
-            <a:r>
-              <a:rPr lang="en-US" dirty="0">
-                <a:latin typeface="Calibri" panose="020F0502020204030204" pitchFamily="34" charset="0"/>
-              </a:rPr>
-              <a:t>           }; </a:t>
-            </a:r>
-          </a:p>
-          <a:p>
-            <a:r>
-              <a:rPr lang="en-US" dirty="0">
-                <a:latin typeface="Calibri" panose="020F0502020204030204" pitchFamily="34" charset="0"/>
-              </a:rPr>
-              <a:t>} </a:t>
-            </a:r>
+          </a:p>
+          <a:p>
+            <a:pPr>
+              <a:buFont typeface="Wingdings" pitchFamily="2" charset="2"/>
+              <a:buChar char="§"/>
+            </a:pPr>
+            <a:endParaRPr lang="ru-RU" dirty="0" smtClean="0">
+              <a:latin typeface="Calibri" pitchFamily="34" charset="0"/>
+            </a:endParaRPr>
+          </a:p>
+          <a:p>
+            <a:pPr>
+              <a:buFont typeface="Wingdings" pitchFamily="2" charset="2"/>
+              <a:buChar char="§"/>
+            </a:pPr>
+            <a:r>
+              <a:rPr lang="ru-RU" dirty="0" smtClean="0">
+                <a:latin typeface="Calibri" pitchFamily="34" charset="0"/>
+              </a:rPr>
+              <a:t>   </a:t>
+            </a:r>
+            <a:r>
+              <a:rPr lang="ru-RU" dirty="0" err="1" smtClean="0">
+                <a:latin typeface="Calibri" pitchFamily="34" charset="0"/>
+              </a:rPr>
+              <a:t>arg1</a:t>
+            </a:r>
+            <a:r>
+              <a:rPr lang="ru-RU" dirty="0" smtClean="0">
+                <a:latin typeface="Calibri" pitchFamily="34" charset="0"/>
+              </a:rPr>
+              <a:t>, </a:t>
+            </a:r>
+            <a:r>
+              <a:rPr lang="ru-RU" dirty="0" err="1" smtClean="0">
+                <a:latin typeface="Calibri" pitchFamily="34" charset="0"/>
+              </a:rPr>
+              <a:t>arg2</a:t>
+            </a:r>
+            <a:r>
+              <a:rPr lang="ru-RU" dirty="0" smtClean="0">
+                <a:latin typeface="Calibri" pitchFamily="34" charset="0"/>
+              </a:rPr>
+              <a:t>, …</a:t>
+            </a:r>
+            <a:r>
+              <a:rPr lang="en-US" dirty="0" smtClean="0">
+                <a:latin typeface="Calibri" pitchFamily="34" charset="0"/>
+              </a:rPr>
+              <a:t> - </a:t>
+            </a:r>
+            <a:r>
+              <a:rPr lang="ru-RU" dirty="0" smtClean="0">
+                <a:latin typeface="Calibri" pitchFamily="34" charset="0"/>
+              </a:rPr>
+              <a:t>Если указаны аргументы </a:t>
+            </a:r>
+            <a:r>
+              <a:rPr lang="ru-RU" dirty="0" err="1" smtClean="0">
+                <a:latin typeface="Calibri" pitchFamily="34" charset="0"/>
+              </a:rPr>
+              <a:t>arg1</a:t>
+            </a:r>
+            <a:r>
+              <a:rPr lang="ru-RU" dirty="0" smtClean="0">
+                <a:latin typeface="Calibri" pitchFamily="34" charset="0"/>
+              </a:rPr>
+              <a:t>, </a:t>
+            </a:r>
+            <a:r>
+              <a:rPr lang="ru-RU" dirty="0" err="1" smtClean="0">
+                <a:latin typeface="Calibri" pitchFamily="34" charset="0"/>
+              </a:rPr>
+              <a:t>arg2</a:t>
+            </a:r>
+            <a:r>
+              <a:rPr lang="ru-RU" dirty="0" smtClean="0">
+                <a:latin typeface="Calibri" pitchFamily="34" charset="0"/>
+              </a:rPr>
+              <a:t>... – они будут прибавлены к каждому вызову новой функции, причем встанут </a:t>
+            </a:r>
+            <a:r>
+              <a:rPr lang="ru-RU" i="1" dirty="0" smtClean="0">
+                <a:latin typeface="Calibri" pitchFamily="34" charset="0"/>
+              </a:rPr>
+              <a:t>перед</a:t>
+            </a:r>
+            <a:r>
+              <a:rPr lang="ru-RU" dirty="0" smtClean="0">
+                <a:latin typeface="Calibri" pitchFamily="34" charset="0"/>
+              </a:rPr>
+              <a:t> теми, которые указаны при вызове.</a:t>
+            </a:r>
+            <a:r>
+              <a:rPr lang="en-US" dirty="0" smtClean="0">
+                <a:latin typeface="Calibri" pitchFamily="34" charset="0"/>
+              </a:rPr>
+              <a:t> </a:t>
+            </a:r>
+          </a:p>
+          <a:p>
+            <a:pPr>
+              <a:buFont typeface="Wingdings" pitchFamily="2" charset="2"/>
+              <a:buChar char="§"/>
+            </a:pPr>
+            <a:endParaRPr lang="en-US" dirty="0" smtClean="0">
+              <a:latin typeface="Calibri" pitchFamily="34" charset="0"/>
+            </a:endParaRPr>
+          </a:p>
+          <a:p>
+            <a:pPr>
+              <a:buFont typeface="Wingdings" pitchFamily="2" charset="2"/>
+              <a:buChar char="§"/>
+            </a:pPr>
+            <a:r>
+              <a:rPr lang="ru-RU" dirty="0" smtClean="0">
+                <a:latin typeface="Calibri" pitchFamily="34" charset="0"/>
+              </a:rPr>
+              <a:t>  Таким образом, </a:t>
+            </a:r>
+            <a:r>
+              <a:rPr lang="ru-RU" dirty="0" err="1" smtClean="0">
+                <a:latin typeface="Calibri" pitchFamily="34" charset="0"/>
+              </a:rPr>
+              <a:t>wrapper</a:t>
+            </a:r>
+            <a:r>
+              <a:rPr lang="ru-RU" dirty="0" smtClean="0">
+                <a:latin typeface="Calibri" pitchFamily="34" charset="0"/>
+              </a:rPr>
+              <a:t> – это обёртка, фиксирующая контекст и передающая вызовы в </a:t>
+            </a:r>
+            <a:r>
+              <a:rPr lang="ru-RU" dirty="0" err="1" smtClean="0">
+                <a:latin typeface="Calibri" pitchFamily="34" charset="0"/>
+              </a:rPr>
+              <a:t>func</a:t>
+            </a:r>
+            <a:r>
+              <a:rPr lang="ru-RU" dirty="0" smtClean="0">
+                <a:latin typeface="Calibri" pitchFamily="34" charset="0"/>
+              </a:rPr>
+              <a:t>. Также можно указать аргументы, тогда и они будут фиксированы. </a:t>
+            </a:r>
+          </a:p>
+          <a:p>
+            <a:pPr>
+              <a:buFont typeface="Wingdings" pitchFamily="2" charset="2"/>
+              <a:buChar char="§"/>
+            </a:pPr>
+            <a:endParaRPr lang="ru-RU" dirty="0" smtClean="0">
+              <a:latin typeface="Calibri" pitchFamily="34" charset="0"/>
+            </a:endParaRPr>
+          </a:p>
+          <a:p>
+            <a:endParaRPr lang="ru-RU" dirty="0" smtClean="0">
+              <a:latin typeface="Calibri" pitchFamily="34" charset="0"/>
+            </a:endParaRPr>
+          </a:p>
+          <a:p>
+            <a:endParaRPr lang="en-US" dirty="0">
+              <a:latin typeface="Calibri" pitchFamily="34" charset="0"/>
+            </a:endParaRPr>
           </a:p>
         </p:txBody>
       </p:sp>
     </p:spTree>
     <p:extLst>
       <p:ext uri="{BB962C8B-B14F-4D97-AF65-F5344CB8AC3E}">
-        <p14:creationId xmlns:p14="http://schemas.microsoft.com/office/powerpoint/2010/main" val="9290874"/>
+        <p14:creationId xmlns="" xmlns:p14="http://schemas.microsoft.com/office/powerpoint/2010/main" val="9290874"/>
       </p:ext>
     </p:extLst>
   </p:cSld>
   <p:clrMapOvr>
     <a:masterClrMapping/>
   </p:clrMapOvr>
+  <p:timing>
+    <p:tnLst>
+      <p:par>
+        <p:cTn id="1" dur="indefinite" restart="never" nodeType="tmRoot"/>
+      </p:par>
+    </p:tnLst>
+  </p:timing>
 </p:sld>
 </file>
 
@@ -3407,37 +3750,251 @@
             <p:ph type="title"/>
           </p:nvPr>
         </p:nvSpPr>
+        <p:spPr/>
+        <p:txBody>
+          <a:bodyPr/>
+          <a:lstStyle/>
+          <a:p>
+            <a:r>
+              <a:rPr lang="ru-RU" dirty="0" err="1" smtClean="0">
+                <a:latin typeface="Calibri" pitchFamily="34" charset="0"/>
+              </a:rPr>
+              <a:t>Карринг</a:t>
+            </a:r>
+            <a:endParaRPr lang="en-US" dirty="0">
+              <a:latin typeface="Calibri" pitchFamily="34" charset="0"/>
+            </a:endParaRPr>
+          </a:p>
+        </p:txBody>
+      </p:sp>
+      <p:sp>
+        <p:nvSpPr>
+          <p:cNvPr id="4" name="TextBox 3"/>
+          <p:cNvSpPr txBox="1"/>
+          <p:nvPr/>
+        </p:nvSpPr>
         <p:spPr>
           <a:xfrm>
-            <a:off x="457200" y="116633"/>
-            <a:ext cx="8229600" cy="1080120"/>
-          </a:xfrm>
-        </p:spPr>
-        <p:txBody>
-          <a:bodyPr/>
+            <a:off x="467544" y="1556792"/>
+            <a:ext cx="8280920" cy="5078313"/>
+          </a:xfrm>
+          <a:prstGeom prst="rect">
+            <a:avLst/>
+          </a:prstGeom>
+          <a:noFill/>
+        </p:spPr>
+        <p:txBody>
+          <a:bodyPr wrap="square" rtlCol="0">
+            <a:spAutoFit/>
+          </a:bodyPr>
           <a:lstStyle/>
           <a:p>
-            <a:r>
-              <a:rPr lang="ru-RU" sz="2800" b="1" dirty="0"/>
-              <a:t>Метод </a:t>
-            </a:r>
-            <a:r>
-              <a:rPr lang="en-US" sz="2800" b="1" dirty="0"/>
-              <a:t>bind</a:t>
-            </a:r>
-          </a:p>
-        </p:txBody>
-      </p:sp>
-      <p:sp>
-        <p:nvSpPr>
-          <p:cNvPr id="3" name="TextBox 2"/>
+            <a:pPr algn="just"/>
+            <a:r>
+              <a:rPr lang="ru-RU" b="1" dirty="0" err="1" smtClean="0">
+                <a:latin typeface="Calibri" pitchFamily="34" charset="0"/>
+              </a:rPr>
+              <a:t>Карринг</a:t>
+            </a:r>
+            <a:r>
+              <a:rPr lang="ru-RU" b="1" dirty="0" smtClean="0">
+                <a:latin typeface="Calibri" pitchFamily="34" charset="0"/>
+              </a:rPr>
+              <a:t> (</a:t>
+            </a:r>
+            <a:r>
+              <a:rPr lang="ru-RU" b="1" dirty="0" err="1" smtClean="0">
+                <a:latin typeface="Calibri" pitchFamily="34" charset="0"/>
+              </a:rPr>
+              <a:t>currying</a:t>
+            </a:r>
+            <a:r>
+              <a:rPr lang="ru-RU" b="1" dirty="0" smtClean="0">
+                <a:latin typeface="Calibri" pitchFamily="34" charset="0"/>
+              </a:rPr>
+              <a:t>) </a:t>
+            </a:r>
+            <a:r>
+              <a:rPr lang="ru-RU" dirty="0" smtClean="0">
+                <a:latin typeface="Calibri" pitchFamily="34" charset="0"/>
+              </a:rPr>
+              <a:t>или </a:t>
+            </a:r>
+            <a:r>
+              <a:rPr lang="ru-RU" b="1" dirty="0" err="1" smtClean="0">
+                <a:latin typeface="Calibri" pitchFamily="34" charset="0"/>
+              </a:rPr>
+              <a:t>каррирование</a:t>
+            </a:r>
+            <a:r>
+              <a:rPr lang="ru-RU" dirty="0" smtClean="0">
+                <a:latin typeface="Calibri" pitchFamily="34" charset="0"/>
+              </a:rPr>
+              <a:t> – термин функционального программирования, который означает создание новой функции путём фиксирования аргументов существующей. </a:t>
+            </a:r>
+          </a:p>
+          <a:p>
+            <a:endParaRPr lang="ru-RU" dirty="0" smtClean="0">
+              <a:latin typeface="Calibri" pitchFamily="34" charset="0"/>
+            </a:endParaRPr>
+          </a:p>
+          <a:p>
+            <a:r>
+              <a:rPr lang="ru-RU" dirty="0" smtClean="0">
+                <a:latin typeface="Calibri" pitchFamily="34" charset="0"/>
+              </a:rPr>
+              <a:t>Например</a:t>
+            </a:r>
+            <a:r>
+              <a:rPr lang="en-US" dirty="0" smtClean="0">
+                <a:latin typeface="Calibri" pitchFamily="34" charset="0"/>
+              </a:rPr>
+              <a:t>:  </a:t>
+            </a:r>
+          </a:p>
+          <a:p>
+            <a:endParaRPr lang="en-US" dirty="0" smtClean="0">
+              <a:latin typeface="Calibri" pitchFamily="34" charset="0"/>
+            </a:endParaRPr>
+          </a:p>
+          <a:p>
+            <a:endParaRPr lang="en-US" dirty="0" smtClean="0">
+              <a:latin typeface="Calibri" pitchFamily="34" charset="0"/>
+            </a:endParaRPr>
+          </a:p>
+          <a:p>
+            <a:endParaRPr lang="ru-RU" dirty="0" smtClean="0">
+              <a:latin typeface="Calibri" pitchFamily="34" charset="0"/>
+            </a:endParaRPr>
+          </a:p>
+          <a:p>
+            <a:endParaRPr lang="ru-RU" dirty="0" smtClean="0">
+              <a:latin typeface="Calibri" pitchFamily="34" charset="0"/>
+            </a:endParaRPr>
+          </a:p>
+          <a:p>
+            <a:endParaRPr lang="ru-RU" dirty="0" smtClean="0">
+              <a:latin typeface="Calibri" pitchFamily="34" charset="0"/>
+            </a:endParaRPr>
+          </a:p>
+          <a:p>
+            <a:endParaRPr lang="ru-RU" dirty="0" smtClean="0">
+              <a:latin typeface="Calibri" pitchFamily="34" charset="0"/>
+            </a:endParaRPr>
+          </a:p>
+          <a:p>
+            <a:endParaRPr lang="ru-RU" dirty="0" smtClean="0">
+              <a:latin typeface="Calibri" pitchFamily="34" charset="0"/>
+            </a:endParaRPr>
+          </a:p>
+          <a:p>
+            <a:endParaRPr lang="ru-RU" dirty="0" smtClean="0">
+              <a:latin typeface="Calibri" pitchFamily="34" charset="0"/>
+            </a:endParaRPr>
+          </a:p>
+          <a:p>
+            <a:endParaRPr lang="ru-RU" dirty="0" smtClean="0">
+              <a:latin typeface="Calibri" pitchFamily="34" charset="0"/>
+            </a:endParaRPr>
+          </a:p>
+          <a:p>
+            <a:endParaRPr lang="en-US" dirty="0" smtClean="0">
+              <a:latin typeface="Calibri" pitchFamily="34" charset="0"/>
+            </a:endParaRPr>
+          </a:p>
+          <a:p>
+            <a:r>
+              <a:rPr lang="ru-RU" dirty="0" smtClean="0">
+                <a:latin typeface="Calibri" pitchFamily="34" charset="0"/>
+              </a:rPr>
+              <a:t>Говорят, что </a:t>
+            </a:r>
+            <a:r>
+              <a:rPr lang="en-US" dirty="0" smtClean="0">
+                <a:latin typeface="Calibri" pitchFamily="34" charset="0"/>
+              </a:rPr>
+              <a:t>triple</a:t>
+            </a:r>
+            <a:r>
+              <a:rPr lang="ru-RU" dirty="0" smtClean="0">
+                <a:latin typeface="Calibri" pitchFamily="34" charset="0"/>
+              </a:rPr>
+              <a:t> является </a:t>
+            </a:r>
+            <a:r>
+              <a:rPr lang="ru-RU" b="1" dirty="0" smtClean="0">
+                <a:latin typeface="Calibri" pitchFamily="34" charset="0"/>
+              </a:rPr>
+              <a:t>«частичной функцией» </a:t>
+            </a:r>
+            <a:r>
+              <a:rPr lang="ru-RU" dirty="0" smtClean="0">
+                <a:latin typeface="Calibri" pitchFamily="34" charset="0"/>
+              </a:rPr>
+              <a:t>(</a:t>
+            </a:r>
+            <a:r>
+              <a:rPr lang="ru-RU" dirty="0" err="1" smtClean="0">
+                <a:latin typeface="Calibri" pitchFamily="34" charset="0"/>
+              </a:rPr>
+              <a:t>partial</a:t>
+            </a:r>
+            <a:r>
+              <a:rPr lang="ru-RU" dirty="0" smtClean="0">
+                <a:latin typeface="Calibri" pitchFamily="34" charset="0"/>
+              </a:rPr>
+              <a:t> </a:t>
+            </a:r>
+            <a:r>
+              <a:rPr lang="ru-RU" dirty="0" err="1" smtClean="0">
+                <a:latin typeface="Calibri" pitchFamily="34" charset="0"/>
+              </a:rPr>
+              <a:t>function</a:t>
+            </a:r>
+            <a:r>
+              <a:rPr lang="ru-RU" dirty="0" smtClean="0">
+                <a:latin typeface="Calibri" pitchFamily="34" charset="0"/>
+              </a:rPr>
+              <a:t>) от </a:t>
+            </a:r>
+            <a:r>
+              <a:rPr lang="ru-RU" dirty="0" err="1" smtClean="0">
+                <a:latin typeface="Calibri" pitchFamily="34" charset="0"/>
+              </a:rPr>
+              <a:t>mul</a:t>
+            </a:r>
+            <a:r>
+              <a:rPr lang="ru-RU" dirty="0" smtClean="0">
+                <a:latin typeface="Calibri" pitchFamily="34" charset="0"/>
+              </a:rPr>
+              <a:t>.</a:t>
+            </a:r>
+            <a:endParaRPr lang="en-US" dirty="0" smtClean="0">
+              <a:latin typeface="Calibri" pitchFamily="34" charset="0"/>
+            </a:endParaRPr>
+          </a:p>
+          <a:p>
+            <a:endParaRPr lang="en-US" dirty="0" smtClean="0">
+              <a:latin typeface="Calibri" pitchFamily="34" charset="0"/>
+            </a:endParaRPr>
+          </a:p>
+          <a:p>
+            <a:endParaRPr lang="en-US" dirty="0">
+              <a:latin typeface="Calibri" pitchFamily="34" charset="0"/>
+            </a:endParaRPr>
+          </a:p>
+        </p:txBody>
+      </p:sp>
+      <p:sp>
+        <p:nvSpPr>
+          <p:cNvPr id="5" name="TextBox 4"/>
           <p:cNvSpPr txBox="1"/>
           <p:nvPr/>
         </p:nvSpPr>
         <p:spPr>
           <a:xfrm>
-            <a:off x="611560" y="1340768"/>
-            <a:ext cx="7920880" cy="923330"/>
+            <a:off x="1043608" y="3284984"/>
+            <a:ext cx="5688632" cy="2031325"/>
           </a:xfrm>
           <a:prstGeom prst="rect">
             <a:avLst/>
@@ -3464,311 +4021,195 @@
           <a:lstStyle/>
           <a:p>
             <a:r>
-              <a:rPr lang="ru-RU" dirty="0">
-                <a:latin typeface="Calibri" panose="020F0502020204030204" pitchFamily="34" charset="0"/>
-              </a:rPr>
-              <a:t>Синтаксис</a:t>
-            </a:r>
-            <a:r>
-              <a:rPr lang="en-US" dirty="0">
-                <a:latin typeface="Calibri" panose="020F0502020204030204" pitchFamily="34" charset="0"/>
-              </a:rPr>
-              <a:t>: </a:t>
-            </a:r>
-          </a:p>
-          <a:p>
-            <a:endParaRPr lang="en-US" dirty="0">
-              <a:latin typeface="Calibri" panose="020F0502020204030204" pitchFamily="34" charset="0"/>
-            </a:endParaRPr>
-          </a:p>
-          <a:p>
-            <a:r>
-              <a:rPr lang="en-US" dirty="0" err="1">
-                <a:solidFill>
-                  <a:srgbClr val="0070C0"/>
-                </a:solidFill>
-                <a:latin typeface="Calibri" panose="020F0502020204030204" pitchFamily="34" charset="0"/>
-              </a:rPr>
-              <a:t>var</a:t>
-            </a:r>
-            <a:r>
-              <a:rPr lang="en-US" dirty="0">
-                <a:latin typeface="Calibri" panose="020F0502020204030204" pitchFamily="34" charset="0"/>
-              </a:rPr>
-              <a:t> wrapper = </a:t>
-            </a:r>
-            <a:r>
-              <a:rPr lang="en-US" dirty="0" err="1">
-                <a:latin typeface="Calibri" panose="020F0502020204030204" pitchFamily="34" charset="0"/>
-              </a:rPr>
-              <a:t>func.</a:t>
-            </a:r>
-            <a:r>
-              <a:rPr lang="en-US" dirty="0" err="1">
+              <a:rPr lang="en-US" dirty="0" smtClean="0">
+                <a:latin typeface="Calibri" pitchFamily="34" charset="0"/>
+              </a:rPr>
+              <a:t>function </a:t>
+            </a:r>
+            <a:r>
+              <a:rPr lang="en-US" dirty="0" err="1" smtClean="0">
+                <a:latin typeface="Calibri" pitchFamily="34" charset="0"/>
+              </a:rPr>
+              <a:t>mul</a:t>
+            </a:r>
+            <a:r>
+              <a:rPr lang="en-US" dirty="0" smtClean="0">
+                <a:latin typeface="Calibri" pitchFamily="34" charset="0"/>
+              </a:rPr>
+              <a:t>(a, b) { return a * b; };</a:t>
+            </a:r>
+          </a:p>
+          <a:p>
+            <a:endParaRPr lang="en-US" dirty="0" smtClean="0">
+              <a:latin typeface="Calibri" pitchFamily="34" charset="0"/>
+            </a:endParaRPr>
+          </a:p>
+          <a:p>
+            <a:r>
+              <a:rPr lang="en-US" dirty="0" err="1" smtClean="0">
                 <a:solidFill>
                   <a:schemeClr val="accent1">
                     <a:lumMod val="75000"/>
                   </a:schemeClr>
                 </a:solidFill>
-                <a:latin typeface="Calibri" panose="020F0502020204030204" pitchFamily="34" charset="0"/>
-              </a:rPr>
-              <a:t>bind</a:t>
-            </a:r>
-            <a:r>
-              <a:rPr lang="en-US" dirty="0">
+                <a:latin typeface="Calibri" pitchFamily="34" charset="0"/>
+              </a:rPr>
+              <a:t>var</a:t>
+            </a:r>
+            <a:r>
+              <a:rPr lang="en-US" dirty="0" smtClean="0">
                 <a:solidFill>
                   <a:schemeClr val="accent1">
                     <a:lumMod val="75000"/>
                   </a:schemeClr>
                 </a:solidFill>
-                <a:latin typeface="Calibri" panose="020F0502020204030204" pitchFamily="34" charset="0"/>
-              </a:rPr>
-              <a:t>(</a:t>
-            </a:r>
-            <a:r>
-              <a:rPr lang="en-US" dirty="0">
-                <a:latin typeface="Calibri" panose="020F0502020204030204" pitchFamily="34" charset="0"/>
-              </a:rPr>
-              <a:t>context[, </a:t>
-            </a:r>
-            <a:r>
-              <a:rPr lang="en-US" dirty="0" err="1">
-                <a:latin typeface="Calibri" panose="020F0502020204030204" pitchFamily="34" charset="0"/>
-              </a:rPr>
-              <a:t>arg1</a:t>
-            </a:r>
-            <a:r>
-              <a:rPr lang="en-US" dirty="0">
-                <a:latin typeface="Calibri" panose="020F0502020204030204" pitchFamily="34" charset="0"/>
-              </a:rPr>
-              <a:t>, </a:t>
-            </a:r>
-            <a:r>
-              <a:rPr lang="en-US" dirty="0" err="1">
-                <a:latin typeface="Calibri" panose="020F0502020204030204" pitchFamily="34" charset="0"/>
-              </a:rPr>
-              <a:t>arg2</a:t>
-            </a:r>
-            <a:r>
-              <a:rPr lang="en-US" dirty="0">
-                <a:latin typeface="Calibri" panose="020F0502020204030204" pitchFamily="34" charset="0"/>
-              </a:rPr>
-              <a:t>...])</a:t>
-            </a:r>
-          </a:p>
-        </p:txBody>
-      </p:sp>
-      <p:sp>
-        <p:nvSpPr>
-          <p:cNvPr id="4" name="TextBox 3"/>
-          <p:cNvSpPr txBox="1"/>
-          <p:nvPr/>
-        </p:nvSpPr>
-        <p:spPr>
-          <a:xfrm>
-            <a:off x="395536" y="2564904"/>
-            <a:ext cx="8208912" cy="3170099"/>
-          </a:xfrm>
-          <a:prstGeom prst="rect">
-            <a:avLst/>
-          </a:prstGeom>
-          <a:noFill/>
-        </p:spPr>
-        <p:txBody>
-          <a:bodyPr wrap="square" rtlCol="0">
-            <a:spAutoFit/>
-          </a:bodyPr>
-          <a:lstStyle/>
-          <a:p>
-            <a:pPr>
-              <a:buFont typeface="Wingdings" pitchFamily="2" charset="2"/>
-              <a:buChar char="§"/>
-            </a:pPr>
-            <a:r>
-              <a:rPr lang="ru-RU" sz="2000" dirty="0">
-                <a:latin typeface="Calibri" panose="020F0502020204030204" pitchFamily="34" charset="0"/>
-              </a:rPr>
-              <a:t>  </a:t>
-            </a:r>
-            <a:r>
-              <a:rPr lang="en-US" dirty="0">
-                <a:latin typeface="Calibri" panose="020F0502020204030204" pitchFamily="34" charset="0"/>
-              </a:rPr>
-              <a:t>f</a:t>
-            </a:r>
-            <a:r>
-              <a:rPr lang="ru-RU" dirty="0" err="1">
-                <a:latin typeface="Calibri" panose="020F0502020204030204" pitchFamily="34" charset="0"/>
-              </a:rPr>
-              <a:t>unc</a:t>
-            </a:r>
-            <a:r>
-              <a:rPr lang="en-US" dirty="0">
-                <a:latin typeface="Calibri" panose="020F0502020204030204" pitchFamily="34" charset="0"/>
-              </a:rPr>
-              <a:t> - </a:t>
-            </a:r>
-            <a:r>
-              <a:rPr lang="ru-RU" dirty="0">
-                <a:latin typeface="Calibri" panose="020F0502020204030204" pitchFamily="34" charset="0"/>
-              </a:rPr>
-              <a:t>произвольная функция. </a:t>
-            </a:r>
-            <a:endParaRPr lang="en-US" dirty="0">
-              <a:latin typeface="Calibri" panose="020F0502020204030204" pitchFamily="34" charset="0"/>
-            </a:endParaRPr>
-          </a:p>
-          <a:p>
-            <a:pPr>
-              <a:buFont typeface="Wingdings" pitchFamily="2" charset="2"/>
-              <a:buChar char="§"/>
-            </a:pPr>
-            <a:endParaRPr lang="ru-RU" dirty="0">
-              <a:latin typeface="Calibri" panose="020F0502020204030204" pitchFamily="34" charset="0"/>
-            </a:endParaRPr>
-          </a:p>
-          <a:p>
-            <a:pPr>
-              <a:buFont typeface="Wingdings" pitchFamily="2" charset="2"/>
-              <a:buChar char="§"/>
-            </a:pPr>
-            <a:r>
-              <a:rPr lang="ru-RU" dirty="0">
-                <a:latin typeface="Calibri" panose="020F0502020204030204" pitchFamily="34" charset="0"/>
-              </a:rPr>
-              <a:t>   </a:t>
-            </a:r>
-            <a:r>
-              <a:rPr lang="ru-RU" dirty="0" err="1">
-                <a:latin typeface="Calibri" panose="020F0502020204030204" pitchFamily="34" charset="0"/>
-              </a:rPr>
-              <a:t>arg1</a:t>
-            </a:r>
-            <a:r>
-              <a:rPr lang="ru-RU" dirty="0">
-                <a:latin typeface="Calibri" panose="020F0502020204030204" pitchFamily="34" charset="0"/>
-              </a:rPr>
-              <a:t>, </a:t>
-            </a:r>
-            <a:r>
-              <a:rPr lang="ru-RU" dirty="0" err="1">
-                <a:latin typeface="Calibri" panose="020F0502020204030204" pitchFamily="34" charset="0"/>
-              </a:rPr>
-              <a:t>arg2</a:t>
-            </a:r>
-            <a:r>
-              <a:rPr lang="ru-RU" dirty="0">
-                <a:latin typeface="Calibri" panose="020F0502020204030204" pitchFamily="34" charset="0"/>
-              </a:rPr>
-              <a:t>, …</a:t>
-            </a:r>
-            <a:r>
-              <a:rPr lang="en-US" dirty="0">
-                <a:latin typeface="Calibri" panose="020F0502020204030204" pitchFamily="34" charset="0"/>
-              </a:rPr>
-              <a:t> - </a:t>
-            </a:r>
-            <a:r>
-              <a:rPr lang="ru-RU" dirty="0">
-                <a:latin typeface="Calibri" panose="020F0502020204030204" pitchFamily="34" charset="0"/>
-              </a:rPr>
-              <a:t>если указаны аргументы arg1, arg2... – они будут прибавлены к каждому вызову новой функции, причем встанут </a:t>
-            </a:r>
-            <a:r>
-              <a:rPr lang="ru-RU" i="1" dirty="0">
-                <a:latin typeface="Calibri" panose="020F0502020204030204" pitchFamily="34" charset="0"/>
-              </a:rPr>
-              <a:t>перед</a:t>
-            </a:r>
-            <a:r>
-              <a:rPr lang="ru-RU" dirty="0">
-                <a:latin typeface="Calibri" panose="020F0502020204030204" pitchFamily="34" charset="0"/>
-              </a:rPr>
-              <a:t> теми, которые указаны при вызове.</a:t>
-            </a:r>
-            <a:r>
-              <a:rPr lang="en-US" dirty="0">
-                <a:latin typeface="Calibri" panose="020F0502020204030204" pitchFamily="34" charset="0"/>
+                <a:latin typeface="Calibri" pitchFamily="34" charset="0"/>
               </a:rPr>
               <a:t> </a:t>
             </a:r>
-          </a:p>
-          <a:p>
-            <a:pPr>
-              <a:buFont typeface="Wingdings" pitchFamily="2" charset="2"/>
-              <a:buChar char="§"/>
-            </a:pPr>
-            <a:endParaRPr lang="en-US" dirty="0">
-              <a:latin typeface="Calibri" panose="020F0502020204030204" pitchFamily="34" charset="0"/>
-            </a:endParaRPr>
-          </a:p>
-          <a:p>
-            <a:pPr>
-              <a:buFont typeface="Wingdings" pitchFamily="2" charset="2"/>
-              <a:buChar char="§"/>
-            </a:pPr>
-            <a:r>
-              <a:rPr lang="ru-RU" dirty="0">
-                <a:latin typeface="Calibri" panose="020F0502020204030204" pitchFamily="34" charset="0"/>
-              </a:rPr>
-              <a:t>  Таким образом, </a:t>
-            </a:r>
-            <a:r>
-              <a:rPr lang="ru-RU" dirty="0" err="1">
-                <a:latin typeface="Calibri" panose="020F0502020204030204" pitchFamily="34" charset="0"/>
-              </a:rPr>
-              <a:t>wrapper</a:t>
-            </a:r>
-            <a:r>
-              <a:rPr lang="ru-RU" dirty="0">
-                <a:latin typeface="Calibri" panose="020F0502020204030204" pitchFamily="34" charset="0"/>
-              </a:rPr>
-              <a:t> – это обёртка, фиксирующая контекст и передающая вызовы в </a:t>
-            </a:r>
-            <a:r>
-              <a:rPr lang="ru-RU" dirty="0" err="1">
-                <a:latin typeface="Calibri" panose="020F0502020204030204" pitchFamily="34" charset="0"/>
-              </a:rPr>
-              <a:t>func</a:t>
-            </a:r>
-            <a:r>
-              <a:rPr lang="ru-RU" dirty="0">
-                <a:latin typeface="Calibri" panose="020F0502020204030204" pitchFamily="34" charset="0"/>
-              </a:rPr>
-              <a:t>. </a:t>
-            </a:r>
-          </a:p>
-          <a:p>
-            <a:pPr>
-              <a:buFont typeface="Wingdings" pitchFamily="2" charset="2"/>
-              <a:buChar char="§"/>
-            </a:pPr>
-            <a:endParaRPr lang="ru-RU" dirty="0">
-              <a:latin typeface="Calibri" panose="020F0502020204030204" pitchFamily="34" charset="0"/>
-            </a:endParaRPr>
-          </a:p>
-          <a:p>
-            <a:endParaRPr lang="ru-RU" dirty="0">
-              <a:latin typeface="Calibri" panose="020F0502020204030204" pitchFamily="34" charset="0"/>
-            </a:endParaRPr>
-          </a:p>
-          <a:p>
-            <a:endParaRPr lang="en-US" dirty="0">
-              <a:latin typeface="Calibri" panose="020F0502020204030204" pitchFamily="34" charset="0"/>
-            </a:endParaRPr>
+            <a:r>
+              <a:rPr lang="en-US" dirty="0" smtClean="0">
+                <a:latin typeface="Calibri" pitchFamily="34" charset="0"/>
+              </a:rPr>
+              <a:t>triple = </a:t>
+            </a:r>
+            <a:r>
+              <a:rPr lang="en-US" dirty="0" err="1" smtClean="0">
+                <a:latin typeface="Calibri" pitchFamily="34" charset="0"/>
+              </a:rPr>
+              <a:t>mul.bind</a:t>
+            </a:r>
+            <a:r>
+              <a:rPr lang="en-US" dirty="0" smtClean="0">
+                <a:latin typeface="Calibri" pitchFamily="34" charset="0"/>
+              </a:rPr>
+              <a:t>(null, 3); // </a:t>
+            </a:r>
+            <a:r>
+              <a:rPr lang="uk-UA" i="1" dirty="0" smtClean="0">
+                <a:latin typeface="Calibri" pitchFamily="34" charset="0"/>
+              </a:rPr>
+              <a:t>контекст </a:t>
+            </a:r>
+            <a:r>
+              <a:rPr lang="uk-UA" i="1" dirty="0" err="1" smtClean="0">
+                <a:latin typeface="Calibri" pitchFamily="34" charset="0"/>
+              </a:rPr>
+              <a:t>фиксируем</a:t>
+            </a:r>
+            <a:r>
+              <a:rPr lang="uk-UA" i="1" dirty="0" smtClean="0">
+                <a:latin typeface="Calibri" pitchFamily="34" charset="0"/>
+              </a:rPr>
+              <a:t> </a:t>
+            </a:r>
+            <a:r>
+              <a:rPr lang="en-US" i="1" dirty="0" smtClean="0">
+                <a:latin typeface="Calibri" pitchFamily="34" charset="0"/>
+              </a:rPr>
+              <a:t>null, </a:t>
+            </a:r>
+            <a:r>
+              <a:rPr lang="uk-UA" i="1" dirty="0" smtClean="0">
+                <a:latin typeface="Calibri" pitchFamily="34" charset="0"/>
+              </a:rPr>
+              <a:t>он не </a:t>
+            </a:r>
+            <a:r>
+              <a:rPr lang="uk-UA" i="1" dirty="0" err="1" smtClean="0">
+                <a:latin typeface="Calibri" pitchFamily="34" charset="0"/>
+              </a:rPr>
+              <a:t>используется</a:t>
+            </a:r>
+            <a:r>
+              <a:rPr lang="uk-UA" i="1" dirty="0" smtClean="0">
+                <a:latin typeface="Calibri" pitchFamily="34" charset="0"/>
+              </a:rPr>
+              <a:t> </a:t>
+            </a:r>
+            <a:endParaRPr lang="en-US" i="1" dirty="0" smtClean="0">
+              <a:latin typeface="Calibri" pitchFamily="34" charset="0"/>
+            </a:endParaRPr>
+          </a:p>
+          <a:p>
+            <a:r>
+              <a:rPr lang="en-US" dirty="0" smtClean="0">
+                <a:latin typeface="Calibri" pitchFamily="34" charset="0"/>
+              </a:rPr>
+              <a:t>alert( triple(3) ); // = </a:t>
+            </a:r>
+            <a:r>
+              <a:rPr lang="en-US" dirty="0" err="1" smtClean="0">
+                <a:latin typeface="Calibri" pitchFamily="34" charset="0"/>
+              </a:rPr>
+              <a:t>mul</a:t>
+            </a:r>
+            <a:r>
+              <a:rPr lang="en-US" dirty="0" smtClean="0">
+                <a:latin typeface="Calibri" pitchFamily="34" charset="0"/>
+              </a:rPr>
+              <a:t>(3, 3) = 9 </a:t>
+            </a:r>
+          </a:p>
+          <a:p>
+            <a:r>
+              <a:rPr lang="en-US" dirty="0" smtClean="0">
+                <a:latin typeface="Calibri" pitchFamily="34" charset="0"/>
+              </a:rPr>
+              <a:t>alert( triple(4) ); // = </a:t>
+            </a:r>
+            <a:r>
+              <a:rPr lang="en-US" dirty="0" err="1" smtClean="0">
+                <a:latin typeface="Calibri" pitchFamily="34" charset="0"/>
+              </a:rPr>
+              <a:t>mul</a:t>
+            </a:r>
+            <a:r>
+              <a:rPr lang="en-US" dirty="0" smtClean="0">
+                <a:latin typeface="Calibri" pitchFamily="34" charset="0"/>
+              </a:rPr>
+              <a:t>(3, 4) = 12 </a:t>
+            </a:r>
+          </a:p>
+          <a:p>
+            <a:r>
+              <a:rPr lang="en-US" dirty="0" smtClean="0">
+                <a:latin typeface="Calibri" pitchFamily="34" charset="0"/>
+              </a:rPr>
+              <a:t>alert( triple(5) ); // = </a:t>
+            </a:r>
+            <a:r>
+              <a:rPr lang="en-US" dirty="0" err="1" smtClean="0">
+                <a:latin typeface="Calibri" pitchFamily="34" charset="0"/>
+              </a:rPr>
+              <a:t>mul</a:t>
+            </a:r>
+            <a:r>
+              <a:rPr lang="en-US" dirty="0" smtClean="0">
+                <a:latin typeface="Calibri" pitchFamily="34" charset="0"/>
+              </a:rPr>
+              <a:t>(3, 5) = 15 </a:t>
+            </a:r>
           </a:p>
         </p:txBody>
       </p:sp>
     </p:spTree>
     <p:extLst>
       <p:ext uri="{BB962C8B-B14F-4D97-AF65-F5344CB8AC3E}">
-        <p14:creationId xmlns:p14="http://schemas.microsoft.com/office/powerpoint/2010/main" val="9290874"/>
+        <p14:creationId xmlns="" xmlns:p14="http://schemas.microsoft.com/office/powerpoint/2010/main" val="9290874"/>
       </p:ext>
     </p:extLst>
   </p:cSld>
   <p:clrMapOvr>
     <a:masterClrMapping/>
   </p:clrMapOvr>
+  <p:timing>
+    <p:tnLst>
+      <p:par>
+        <p:cTn id="1" dur="indefinite" restart="never" nodeType="tmRoot"/>
+      </p:par>
+    </p:tnLst>
+  </p:timing>
 </p:sld>
 </file>
 
@@ -3799,29 +4240,39 @@
             <p:ph type="title"/>
           </p:nvPr>
         </p:nvSpPr>
-        <p:spPr/>
+        <p:spPr>
+          <a:ln>
+            <a:solidFill>
+              <a:srgbClr val="7030A0"/>
+            </a:solidFill>
+          </a:ln>
+        </p:spPr>
         <p:txBody>
           <a:bodyPr/>
           <a:lstStyle/>
           <a:p>
             <a:r>
-              <a:rPr lang="ru-RU" b="1" dirty="0" err="1"/>
-              <a:t>Карринг</a:t>
-            </a:r>
-            <a:endParaRPr lang="en-US" b="1" dirty="0"/>
-          </a:p>
-        </p:txBody>
-      </p:sp>
-      <p:sp>
-        <p:nvSpPr>
-          <p:cNvPr id="4" name="TextBox 3"/>
+              <a:rPr lang="ru-RU" dirty="0" smtClean="0">
+                <a:latin typeface="Calibri" pitchFamily="34" charset="0"/>
+              </a:rPr>
+              <a:t>Декораторы</a:t>
+            </a:r>
+            <a:endParaRPr lang="en-US" dirty="0">
+              <a:latin typeface="Calibri" pitchFamily="34" charset="0"/>
+            </a:endParaRPr>
+          </a:p>
+        </p:txBody>
+      </p:sp>
+      <p:sp>
+        <p:nvSpPr>
+          <p:cNvPr id="3" name="TextBox 2"/>
           <p:cNvSpPr txBox="1"/>
           <p:nvPr/>
         </p:nvSpPr>
         <p:spPr>
           <a:xfrm>
-            <a:off x="467544" y="1556792"/>
-            <a:ext cx="8280920" cy="5078313"/>
+            <a:off x="467544" y="1484784"/>
+            <a:ext cx="8064896" cy="4524315"/>
           </a:xfrm>
           <a:prstGeom prst="rect">
             <a:avLst/>
@@ -3836,210 +4287,112 @@
           <a:p>
             <a:pPr algn="just"/>
             <a:r>
-              <a:rPr lang="ru-RU" b="1" dirty="0" err="1">
-                <a:latin typeface="Calibri" panose="020F0502020204030204" pitchFamily="34" charset="0"/>
-              </a:rPr>
-              <a:t>Карринг</a:t>
-            </a:r>
-            <a:r>
-              <a:rPr lang="ru-RU" b="1" dirty="0">
-                <a:latin typeface="Calibri" panose="020F0502020204030204" pitchFamily="34" charset="0"/>
-              </a:rPr>
-              <a:t> (</a:t>
-            </a:r>
-            <a:r>
-              <a:rPr lang="ru-RU" b="1" dirty="0" err="1">
-                <a:latin typeface="Calibri" panose="020F0502020204030204" pitchFamily="34" charset="0"/>
-              </a:rPr>
-              <a:t>currying</a:t>
-            </a:r>
-            <a:r>
-              <a:rPr lang="ru-RU" b="1" dirty="0">
-                <a:latin typeface="Calibri" panose="020F0502020204030204" pitchFamily="34" charset="0"/>
-              </a:rPr>
-              <a:t>) </a:t>
-            </a:r>
-            <a:r>
-              <a:rPr lang="ru-RU" dirty="0">
-                <a:latin typeface="Calibri" panose="020F0502020204030204" pitchFamily="34" charset="0"/>
-              </a:rPr>
-              <a:t>или </a:t>
-            </a:r>
-            <a:r>
-              <a:rPr lang="ru-RU" b="1" dirty="0" err="1">
-                <a:latin typeface="Calibri" panose="020F0502020204030204" pitchFamily="34" charset="0"/>
-              </a:rPr>
-              <a:t>каррирование</a:t>
-            </a:r>
-            <a:r>
-              <a:rPr lang="ru-RU" dirty="0">
-                <a:latin typeface="Calibri" panose="020F0502020204030204" pitchFamily="34" charset="0"/>
-              </a:rPr>
-              <a:t> – термин функционального программирования, который означает создание новой функции путём фиксирования аргументов существующей. </a:t>
-            </a:r>
-          </a:p>
-          <a:p>
-            <a:endParaRPr lang="ru-RU" dirty="0">
-              <a:latin typeface="Calibri" panose="020F0502020204030204" pitchFamily="34" charset="0"/>
-            </a:endParaRPr>
-          </a:p>
-          <a:p>
-            <a:r>
-              <a:rPr lang="ru-RU" dirty="0">
-                <a:latin typeface="Calibri" panose="020F0502020204030204" pitchFamily="34" charset="0"/>
+              <a:rPr lang="ru-RU" b="1" dirty="0" smtClean="0">
+                <a:latin typeface="Calibri" pitchFamily="34" charset="0"/>
+              </a:rPr>
+              <a:t>Декоратор </a:t>
+            </a:r>
+            <a:r>
+              <a:rPr lang="ru-RU" dirty="0" smtClean="0">
+                <a:latin typeface="Calibri" pitchFamily="34" charset="0"/>
+              </a:rPr>
+              <a:t>– приём программирования, который позволяет взять существующую функцию и изменить/расширить ее поведение.</a:t>
+            </a:r>
+          </a:p>
+          <a:p>
+            <a:pPr algn="just"/>
+            <a:r>
+              <a:rPr lang="ru-RU" dirty="0" smtClean="0">
+                <a:latin typeface="Calibri" pitchFamily="34" charset="0"/>
+              </a:rPr>
+              <a:t> </a:t>
+            </a:r>
+          </a:p>
+          <a:p>
+            <a:pPr algn="just"/>
+            <a:r>
+              <a:rPr lang="ru-RU" dirty="0" smtClean="0">
+                <a:latin typeface="Calibri" pitchFamily="34" charset="0"/>
+              </a:rPr>
+              <a:t>Декоратор получает функцию и возвращает обертку, которая делает что-то своё «вокруг» вызова основной функции. </a:t>
+            </a:r>
+          </a:p>
+          <a:p>
+            <a:endParaRPr lang="ru-RU" dirty="0" smtClean="0">
+              <a:latin typeface="Calibri" pitchFamily="34" charset="0"/>
+            </a:endParaRPr>
+          </a:p>
+          <a:p>
+            <a:r>
+              <a:rPr lang="ru-RU" dirty="0" smtClean="0">
+                <a:latin typeface="Calibri" pitchFamily="34" charset="0"/>
               </a:rPr>
               <a:t>Например</a:t>
             </a:r>
             <a:r>
-              <a:rPr lang="en-US" dirty="0">
-                <a:latin typeface="Calibri" panose="020F0502020204030204" pitchFamily="34" charset="0"/>
-              </a:rPr>
-              <a:t>:  </a:t>
-            </a:r>
+              <a:rPr lang="en-US" dirty="0" smtClean="0">
+                <a:latin typeface="Calibri" pitchFamily="34" charset="0"/>
+              </a:rPr>
+              <a:t>: </a:t>
+            </a:r>
+          </a:p>
+          <a:p>
+            <a:endParaRPr lang="ru-RU" dirty="0" smtClean="0">
+              <a:latin typeface="Calibri" pitchFamily="34" charset="0"/>
+            </a:endParaRPr>
+          </a:p>
+          <a:p>
+            <a:endParaRPr lang="ru-RU" dirty="0" smtClean="0">
+              <a:latin typeface="Calibri" pitchFamily="34" charset="0"/>
+            </a:endParaRPr>
+          </a:p>
+          <a:p>
+            <a:endParaRPr lang="ru-RU" dirty="0" smtClean="0">
+              <a:latin typeface="Calibri" pitchFamily="34" charset="0"/>
+            </a:endParaRPr>
+          </a:p>
+          <a:p>
+            <a:endParaRPr lang="ru-RU" dirty="0" smtClean="0">
+              <a:latin typeface="Calibri" pitchFamily="34" charset="0"/>
+            </a:endParaRPr>
+          </a:p>
+          <a:p>
+            <a:endParaRPr lang="ru-RU" dirty="0" smtClean="0">
+              <a:latin typeface="Calibri" pitchFamily="34" charset="0"/>
+            </a:endParaRPr>
+          </a:p>
+          <a:p>
+            <a:endParaRPr lang="en-US" dirty="0" smtClean="0">
+              <a:latin typeface="Calibri" pitchFamily="34" charset="0"/>
+            </a:endParaRPr>
+          </a:p>
+          <a:p>
+            <a:endParaRPr lang="en-US" dirty="0" smtClean="0">
+              <a:latin typeface="Calibri" pitchFamily="34" charset="0"/>
+            </a:endParaRPr>
+          </a:p>
+          <a:p>
+            <a:endParaRPr lang="ru-RU" dirty="0" smtClean="0">
+              <a:latin typeface="Calibri" pitchFamily="34" charset="0"/>
+            </a:endParaRPr>
           </a:p>
           <a:p>
             <a:endParaRPr lang="en-US" dirty="0">
-              <a:latin typeface="Calibri" panose="020F0502020204030204" pitchFamily="34" charset="0"/>
-            </a:endParaRPr>
-          </a:p>
-          <a:p>
-            <a:endParaRPr lang="en-US" dirty="0">
-              <a:latin typeface="Calibri" panose="020F0502020204030204" pitchFamily="34" charset="0"/>
-            </a:endParaRPr>
-          </a:p>
-          <a:p>
-            <a:endParaRPr lang="ru-RU" dirty="0">
-              <a:latin typeface="Calibri" panose="020F0502020204030204" pitchFamily="34" charset="0"/>
-            </a:endParaRPr>
-          </a:p>
-          <a:p>
-            <a:endParaRPr lang="ru-RU" dirty="0">
-              <a:latin typeface="Calibri" panose="020F0502020204030204" pitchFamily="34" charset="0"/>
-            </a:endParaRPr>
-          </a:p>
-          <a:p>
-            <a:endParaRPr lang="ru-RU" dirty="0">
-              <a:latin typeface="Calibri" panose="020F0502020204030204" pitchFamily="34" charset="0"/>
-            </a:endParaRPr>
-          </a:p>
-          <a:p>
-            <a:endParaRPr lang="ru-RU" dirty="0">
-              <a:latin typeface="Calibri" panose="020F0502020204030204" pitchFamily="34" charset="0"/>
-            </a:endParaRPr>
-          </a:p>
-          <a:p>
-            <a:endParaRPr lang="ru-RU" dirty="0">
-              <a:latin typeface="Calibri" panose="020F0502020204030204" pitchFamily="34" charset="0"/>
-            </a:endParaRPr>
-          </a:p>
-          <a:p>
-            <a:endParaRPr lang="ru-RU" dirty="0">
-              <a:latin typeface="Calibri" panose="020F0502020204030204" pitchFamily="34" charset="0"/>
-            </a:endParaRPr>
-          </a:p>
-          <a:p>
-            <a:endParaRPr lang="ru-RU" dirty="0">
-              <a:latin typeface="Calibri" panose="020F0502020204030204" pitchFamily="34" charset="0"/>
-            </a:endParaRPr>
-          </a:p>
-          <a:p>
-            <a:endParaRPr lang="en-US" dirty="0">
-              <a:latin typeface="Calibri" panose="020F0502020204030204" pitchFamily="34" charset="0"/>
-            </a:endParaRPr>
-          </a:p>
-          <a:p>
-            <a:r>
-              <a:rPr lang="ru-RU" dirty="0">
-                <a:latin typeface="Calibri" panose="020F0502020204030204" pitchFamily="34" charset="0"/>
-              </a:rPr>
-              <a:t>Говорят, что </a:t>
-            </a:r>
-            <a:r>
-              <a:rPr lang="en-US" dirty="0">
-                <a:latin typeface="Calibri" panose="020F0502020204030204" pitchFamily="34" charset="0"/>
-              </a:rPr>
-              <a:t>triple</a:t>
-            </a:r>
-            <a:r>
-              <a:rPr lang="ru-RU" dirty="0">
-                <a:latin typeface="Calibri" panose="020F0502020204030204" pitchFamily="34" charset="0"/>
-              </a:rPr>
-              <a:t> является </a:t>
-            </a:r>
-            <a:r>
-              <a:rPr lang="ru-RU" b="1" dirty="0">
-                <a:latin typeface="Calibri" panose="020F0502020204030204" pitchFamily="34" charset="0"/>
-              </a:rPr>
-              <a:t>«частичной функцией» </a:t>
-            </a:r>
-            <a:r>
-              <a:rPr lang="ru-RU" dirty="0">
-                <a:latin typeface="Calibri" panose="020F0502020204030204" pitchFamily="34" charset="0"/>
-              </a:rPr>
-              <a:t>(</a:t>
-            </a:r>
-            <a:r>
-              <a:rPr lang="ru-RU" dirty="0" err="1">
-                <a:latin typeface="Calibri" panose="020F0502020204030204" pitchFamily="34" charset="0"/>
-              </a:rPr>
-              <a:t>partial</a:t>
-            </a:r>
-            <a:r>
-              <a:rPr lang="ru-RU" dirty="0">
-                <a:latin typeface="Calibri" panose="020F0502020204030204" pitchFamily="34" charset="0"/>
-              </a:rPr>
-              <a:t> </a:t>
-            </a:r>
-            <a:r>
-              <a:rPr lang="ru-RU" dirty="0" err="1">
-                <a:latin typeface="Calibri" panose="020F0502020204030204" pitchFamily="34" charset="0"/>
-              </a:rPr>
-              <a:t>function</a:t>
-            </a:r>
-            <a:r>
-              <a:rPr lang="ru-RU" dirty="0">
-                <a:latin typeface="Calibri" panose="020F0502020204030204" pitchFamily="34" charset="0"/>
-              </a:rPr>
-              <a:t>) от </a:t>
-            </a:r>
-            <a:r>
-              <a:rPr lang="ru-RU" dirty="0" err="1">
-                <a:latin typeface="Calibri" panose="020F0502020204030204" pitchFamily="34" charset="0"/>
-              </a:rPr>
-              <a:t>mul</a:t>
-            </a:r>
-            <a:r>
-              <a:rPr lang="ru-RU" dirty="0">
-                <a:latin typeface="Calibri" panose="020F0502020204030204" pitchFamily="34" charset="0"/>
-              </a:rPr>
-              <a:t>.</a:t>
-            </a:r>
-            <a:endParaRPr lang="en-US" dirty="0">
-              <a:latin typeface="Calibri" panose="020F0502020204030204" pitchFamily="34" charset="0"/>
-            </a:endParaRPr>
-          </a:p>
-          <a:p>
-            <a:endParaRPr lang="en-US" dirty="0">
-              <a:latin typeface="Calibri" panose="020F0502020204030204" pitchFamily="34" charset="0"/>
-            </a:endParaRPr>
-          </a:p>
-          <a:p>
-            <a:endParaRPr lang="en-US" dirty="0">
-              <a:latin typeface="Calibri" panose="020F0502020204030204" pitchFamily="34" charset="0"/>
-            </a:endParaRPr>
-          </a:p>
-        </p:txBody>
-      </p:sp>
-      <p:sp>
-        <p:nvSpPr>
-          <p:cNvPr id="5" name="TextBox 4"/>
+              <a:latin typeface="Calibri" pitchFamily="34" charset="0"/>
+            </a:endParaRPr>
+          </a:p>
+        </p:txBody>
+      </p:sp>
+      <p:sp>
+        <p:nvSpPr>
+          <p:cNvPr id="4" name="TextBox 3"/>
           <p:cNvSpPr txBox="1"/>
           <p:nvPr/>
         </p:nvSpPr>
         <p:spPr>
           <a:xfrm>
-            <a:off x="1043608" y="3284984"/>
-            <a:ext cx="5688632" cy="2031325"/>
+            <a:off x="1043608" y="4149080"/>
+            <a:ext cx="4806572" cy="1477328"/>
           </a:xfrm>
           <a:prstGeom prst="rect">
             <a:avLst/>
@@ -4060,147 +4413,72 @@
           </a:fontRef>
         </p:style>
         <p:txBody>
-          <a:bodyPr wrap="square" rtlCol="0">
+          <a:bodyPr wrap="none" rtlCol="0">
             <a:spAutoFit/>
           </a:bodyPr>
           <a:lstStyle/>
           <a:p>
             <a:r>
-              <a:rPr lang="en-US" dirty="0">
-                <a:solidFill>
-                  <a:srgbClr val="0070C0"/>
-                </a:solidFill>
-                <a:latin typeface="Calibri" panose="020F0502020204030204" pitchFamily="34" charset="0"/>
-              </a:rPr>
-              <a:t>function</a:t>
-            </a:r>
-            <a:r>
-              <a:rPr lang="en-US" dirty="0">
-                <a:latin typeface="Calibri" panose="020F0502020204030204" pitchFamily="34" charset="0"/>
-              </a:rPr>
-              <a:t> </a:t>
-            </a:r>
-            <a:r>
-              <a:rPr lang="en-US" dirty="0" err="1">
-                <a:latin typeface="Calibri" panose="020F0502020204030204" pitchFamily="34" charset="0"/>
-              </a:rPr>
-              <a:t>mul</a:t>
-            </a:r>
-            <a:r>
-              <a:rPr lang="en-US" dirty="0">
-                <a:latin typeface="Calibri" panose="020F0502020204030204" pitchFamily="34" charset="0"/>
-              </a:rPr>
-              <a:t>(a, b) { return a * b; };</a:t>
-            </a:r>
-          </a:p>
-          <a:p>
-            <a:endParaRPr lang="en-US" dirty="0">
-              <a:latin typeface="Calibri" panose="020F0502020204030204" pitchFamily="34" charset="0"/>
-            </a:endParaRPr>
-          </a:p>
-          <a:p>
-            <a:r>
-              <a:rPr lang="en-US" dirty="0" err="1">
-                <a:solidFill>
-                  <a:srgbClr val="0070C0"/>
-                </a:solidFill>
-                <a:latin typeface="Calibri" panose="020F0502020204030204" pitchFamily="34" charset="0"/>
-              </a:rPr>
-              <a:t>var</a:t>
-            </a:r>
-            <a:r>
-              <a:rPr lang="en-US" dirty="0">
-                <a:solidFill>
-                  <a:schemeClr val="accent1">
-                    <a:lumMod val="75000"/>
-                  </a:schemeClr>
-                </a:solidFill>
-                <a:latin typeface="Calibri" panose="020F0502020204030204" pitchFamily="34" charset="0"/>
-              </a:rPr>
-              <a:t> </a:t>
-            </a:r>
-            <a:r>
-              <a:rPr lang="en-US" dirty="0">
-                <a:latin typeface="Calibri" panose="020F0502020204030204" pitchFamily="34" charset="0"/>
-              </a:rPr>
-              <a:t>triple = </a:t>
-            </a:r>
-            <a:r>
-              <a:rPr lang="en-US" dirty="0" err="1">
-                <a:latin typeface="Calibri" panose="020F0502020204030204" pitchFamily="34" charset="0"/>
-              </a:rPr>
-              <a:t>mul.bind</a:t>
-            </a:r>
-            <a:r>
-              <a:rPr lang="en-US" dirty="0">
-                <a:latin typeface="Calibri" panose="020F0502020204030204" pitchFamily="34" charset="0"/>
-              </a:rPr>
-              <a:t>(null, 3); </a:t>
-            </a:r>
-          </a:p>
-          <a:p>
-            <a:endParaRPr lang="en-US" dirty="0">
-              <a:latin typeface="Calibri" panose="020F0502020204030204" pitchFamily="34" charset="0"/>
-            </a:endParaRPr>
-          </a:p>
-          <a:p>
-            <a:r>
-              <a:rPr lang="en-US" dirty="0">
-                <a:latin typeface="Calibri" panose="020F0502020204030204" pitchFamily="34" charset="0"/>
-              </a:rPr>
-              <a:t>alert( triple(3) ); // = </a:t>
-            </a:r>
-            <a:r>
-              <a:rPr lang="en-US" dirty="0" err="1">
-                <a:latin typeface="Calibri" panose="020F0502020204030204" pitchFamily="34" charset="0"/>
-              </a:rPr>
-              <a:t>mul</a:t>
-            </a:r>
-            <a:r>
-              <a:rPr lang="en-US" dirty="0">
-                <a:latin typeface="Calibri" panose="020F0502020204030204" pitchFamily="34" charset="0"/>
-              </a:rPr>
-              <a:t>(3, 3) = 9 </a:t>
-            </a:r>
-          </a:p>
-          <a:p>
-            <a:r>
-              <a:rPr lang="en-US" dirty="0">
-                <a:latin typeface="Calibri" panose="020F0502020204030204" pitchFamily="34" charset="0"/>
-              </a:rPr>
-              <a:t>alert( triple(4) ); // = </a:t>
-            </a:r>
-            <a:r>
-              <a:rPr lang="en-US" dirty="0" err="1">
-                <a:latin typeface="Calibri" panose="020F0502020204030204" pitchFamily="34" charset="0"/>
-              </a:rPr>
-              <a:t>mul</a:t>
-            </a:r>
-            <a:r>
-              <a:rPr lang="en-US" dirty="0">
-                <a:latin typeface="Calibri" panose="020F0502020204030204" pitchFamily="34" charset="0"/>
-              </a:rPr>
-              <a:t>(3, 4) = 12 </a:t>
-            </a:r>
-          </a:p>
-          <a:p>
-            <a:r>
-              <a:rPr lang="en-US" dirty="0">
-                <a:latin typeface="Calibri" panose="020F0502020204030204" pitchFamily="34" charset="0"/>
-              </a:rPr>
-              <a:t>alert( triple(5) ); // = </a:t>
-            </a:r>
-            <a:r>
-              <a:rPr lang="en-US" dirty="0" err="1">
-                <a:latin typeface="Calibri" panose="020F0502020204030204" pitchFamily="34" charset="0"/>
-              </a:rPr>
-              <a:t>mul</a:t>
-            </a:r>
-            <a:r>
-              <a:rPr lang="en-US" dirty="0">
-                <a:latin typeface="Calibri" panose="020F0502020204030204" pitchFamily="34" charset="0"/>
-              </a:rPr>
-              <a:t>(3, 5) = 15 </a:t>
+              <a:rPr lang="en-US" dirty="0" smtClean="0">
+                <a:latin typeface="Calibri" pitchFamily="34" charset="0"/>
+              </a:rPr>
+              <a:t>function bind(</a:t>
+            </a:r>
+            <a:r>
+              <a:rPr lang="en-US" dirty="0" err="1" smtClean="0">
+                <a:latin typeface="Calibri" pitchFamily="34" charset="0"/>
+              </a:rPr>
+              <a:t>func</a:t>
+            </a:r>
+            <a:r>
+              <a:rPr lang="en-US" dirty="0" smtClean="0">
+                <a:latin typeface="Calibri" pitchFamily="34" charset="0"/>
+              </a:rPr>
+              <a:t>, context) {</a:t>
+            </a:r>
+          </a:p>
+          <a:p>
+            <a:r>
+              <a:rPr lang="en-US" dirty="0" smtClean="0">
+                <a:latin typeface="Calibri" pitchFamily="34" charset="0"/>
+              </a:rPr>
+              <a:t> return function() { </a:t>
+            </a:r>
+          </a:p>
+          <a:p>
+            <a:r>
+              <a:rPr lang="en-US" dirty="0" smtClean="0">
+                <a:latin typeface="Calibri" pitchFamily="34" charset="0"/>
+              </a:rPr>
+              <a:t>	return </a:t>
+            </a:r>
+            <a:r>
+              <a:rPr lang="en-US" dirty="0" err="1" smtClean="0">
+                <a:latin typeface="Calibri" pitchFamily="34" charset="0"/>
+              </a:rPr>
+              <a:t>func.apply</a:t>
+            </a:r>
+            <a:r>
+              <a:rPr lang="en-US" dirty="0" smtClean="0">
+                <a:latin typeface="Calibri" pitchFamily="34" charset="0"/>
+              </a:rPr>
+              <a:t>(context, arguments); </a:t>
+            </a:r>
+          </a:p>
+          <a:p>
+            <a:r>
+              <a:rPr lang="en-US" dirty="0" smtClean="0">
+                <a:latin typeface="Calibri" pitchFamily="34" charset="0"/>
+              </a:rPr>
+              <a:t>           }; </a:t>
+            </a:r>
+          </a:p>
+          <a:p>
+            <a:r>
+              <a:rPr lang="en-US" dirty="0" smtClean="0">
+                <a:latin typeface="Calibri" pitchFamily="34" charset="0"/>
+              </a:rPr>
+              <a:t>} </a:t>
             </a:r>
           </a:p>
         </p:txBody>
@@ -4208,13 +4486,20 @@
     </p:spTree>
     <p:extLst>
       <p:ext uri="{BB962C8B-B14F-4D97-AF65-F5344CB8AC3E}">
-        <p14:creationId xmlns:p14="http://schemas.microsoft.com/office/powerpoint/2010/main" val="9290874"/>
+        <p14:creationId xmlns="" xmlns:p14="http://schemas.microsoft.com/office/powerpoint/2010/main" val="9290874"/>
       </p:ext>
     </p:extLst>
   </p:cSld>
   <p:clrMapOvr>
     <a:masterClrMapping/>
   </p:clrMapOvr>
+  <p:timing>
+    <p:tnLst>
+      <p:par>
+        <p:cTn id="1" dur="indefinite" restart="never" nodeType="tmRoot"/>
+      </p:par>
+    </p:tnLst>
+  </p:timing>
 </p:sld>
 </file>
 
